--- a/KR-Wallpaper.pptx
+++ b/KR-Wallpaper.pptx
@@ -11,7 +11,7 @@
     <p:handoutMasterId r:id="rId7"/>
   </p:handoutMasterIdLst>
   <p:sldIdLst>
-    <p:sldId id="611" r:id="rId5"/>
+    <p:sldId id="613" r:id="rId5"/>
   </p:sldIdLst>
   <p:sldSz cx="29260800" cy="16459200"/>
   <p:notesSz cx="6858000" cy="9144000"/>
@@ -24,11 +24,11 @@
       <p:boldItalic r:id="rId11"/>
     </p:embeddedFont>
     <p:embeddedFont>
-      <p:font typeface="돋움" panose="020B0600000101010101" pitchFamily="34" charset="-127"/>
+      <p:font typeface="돋움" panose="020B0600000101010101" pitchFamily="50" charset="-127"/>
       <p:regular r:id="rId12"/>
     </p:embeddedFont>
     <p:embeddedFont>
-      <p:font typeface="맑은 고딕" panose="020B0503020000020004" pitchFamily="34" charset="-127"/>
+      <p:font typeface="맑은 고딕" panose="020B0503020000020004" pitchFamily="50" charset="-127"/>
       <p:regular r:id="rId13"/>
       <p:bold r:id="rId14"/>
     </p:embeddedFont>
@@ -142,6 +142,14 @@
 </p:presentation>
 </file>
 
+<file path=ppt/revisionInfo.xml><?xml version="1.0" encoding="utf-8"?>
+<p1510:revInfo xmlns:a="http://schemas.openxmlformats.org/drawingml/2006/main" xmlns:r="http://schemas.openxmlformats.org/officeDocument/2006/relationships" xmlns:p1510="http://schemas.microsoft.com/office/powerpoint/2015/10/main">
+  <p1510:revLst>
+    <p1510:client id="{C5209064-C04E-4589-956D-93D97AAA30D7}" v="391" dt="2023-12-04T00:06:54.300"/>
+  </p1510:revLst>
+</p1510:revInfo>
+</file>
+
 <file path=ppt/changesInfos/changesInfo1.xml><?xml version="1.0" encoding="utf-8"?>
 <pc:chgInfo xmlns:a="http://schemas.openxmlformats.org/drawingml/2006/main" xmlns:r="http://schemas.openxmlformats.org/officeDocument/2006/relationships" xmlns:ac="http://schemas.microsoft.com/office/drawing/2013/main/command" xmlns:pc="http://schemas.microsoft.com/office/powerpoint/2013/main/command">
   <pc:docChgLst>
@@ -250,19 +258,19 @@
   </pc:docChgLst>
   <pc:docChgLst>
     <pc:chgData name="Dongmyeong Kim" userId="d517eb38-f897-4a85-b305-3233dcf5c226" providerId="ADAL" clId="{C2DB2AE4-BABD-4B3B-AD0F-F8D8923EC243}"/>
-    <pc:docChg chg="mod modSld">
-      <pc:chgData name="Dongmyeong Kim" userId="d517eb38-f897-4a85-b305-3233dcf5c226" providerId="ADAL" clId="{C2DB2AE4-BABD-4B3B-AD0F-F8D8923EC243}" dt="2023-08-10T23:51:30.986" v="865" actId="20577"/>
+    <pc:docChg chg="undo custSel mod modSld">
+      <pc:chgData name="Dongmyeong Kim" userId="d517eb38-f897-4a85-b305-3233dcf5c226" providerId="ADAL" clId="{C2DB2AE4-BABD-4B3B-AD0F-F8D8923EC243}" dt="2023-09-07T23:54:40.135" v="3383" actId="20577"/>
       <pc:docMkLst>
         <pc:docMk/>
       </pc:docMkLst>
       <pc:sldChg chg="modSp mod">
-        <pc:chgData name="Dongmyeong Kim" userId="d517eb38-f897-4a85-b305-3233dcf5c226" providerId="ADAL" clId="{C2DB2AE4-BABD-4B3B-AD0F-F8D8923EC243}" dt="2023-08-10T23:51:30.986" v="865" actId="20577"/>
+        <pc:chgData name="Dongmyeong Kim" userId="d517eb38-f897-4a85-b305-3233dcf5c226" providerId="ADAL" clId="{C2DB2AE4-BABD-4B3B-AD0F-F8D8923EC243}" dt="2023-09-07T23:54:40.135" v="3383" actId="20577"/>
         <pc:sldMkLst>
           <pc:docMk/>
           <pc:sldMk cId="3426754923" sldId="611"/>
         </pc:sldMkLst>
         <pc:spChg chg="mod">
-          <ac:chgData name="Dongmyeong Kim" userId="d517eb38-f897-4a85-b305-3233dcf5c226" providerId="ADAL" clId="{C2DB2AE4-BABD-4B3B-AD0F-F8D8923EC243}" dt="2023-08-10T23:49:00.219" v="658" actId="20577"/>
+          <ac:chgData name="Dongmyeong Kim" userId="d517eb38-f897-4a85-b305-3233dcf5c226" providerId="ADAL" clId="{C2DB2AE4-BABD-4B3B-AD0F-F8D8923EC243}" dt="2023-09-07T23:52:09.576" v="3206" actId="20577"/>
           <ac:spMkLst>
             <pc:docMk/>
             <pc:sldMk cId="3426754923" sldId="611"/>
@@ -270,7 +278,7 @@
           </ac:spMkLst>
         </pc:spChg>
         <pc:spChg chg="mod">
-          <ac:chgData name="Dongmyeong Kim" userId="d517eb38-f897-4a85-b305-3233dcf5c226" providerId="ADAL" clId="{C2DB2AE4-BABD-4B3B-AD0F-F8D8923EC243}" dt="2023-08-06T23:51:16.001" v="655" actId="20577"/>
+          <ac:chgData name="Dongmyeong Kim" userId="d517eb38-f897-4a85-b305-3233dcf5c226" providerId="ADAL" clId="{C2DB2AE4-BABD-4B3B-AD0F-F8D8923EC243}" dt="2023-09-04T00:01:35.019" v="2868" actId="20577"/>
           <ac:spMkLst>
             <pc:docMk/>
             <pc:sldMk cId="3426754923" sldId="611"/>
@@ -278,13 +286,21 @@
           </ac:spMkLst>
         </pc:spChg>
         <pc:graphicFrameChg chg="modGraphic">
-          <ac:chgData name="Dongmyeong Kim" userId="d517eb38-f897-4a85-b305-3233dcf5c226" providerId="ADAL" clId="{C2DB2AE4-BABD-4B3B-AD0F-F8D8923EC243}" dt="2023-08-10T23:51:30.986" v="865" actId="20577"/>
+          <ac:chgData name="Dongmyeong Kim" userId="d517eb38-f897-4a85-b305-3233dcf5c226" providerId="ADAL" clId="{C2DB2AE4-BABD-4B3B-AD0F-F8D8923EC243}" dt="2023-09-07T23:54:40.135" v="3383" actId="20577"/>
           <ac:graphicFrameMkLst>
             <pc:docMk/>
             <pc:sldMk cId="3426754923" sldId="611"/>
             <ac:graphicFrameMk id="21" creationId="{3D0B9901-0AEA-28F1-0FEE-B6E27488074C}"/>
           </ac:graphicFrameMkLst>
         </pc:graphicFrameChg>
+        <pc:picChg chg="mod">
+          <ac:chgData name="Dongmyeong Kim" userId="d517eb38-f897-4a85-b305-3233dcf5c226" providerId="ADAL" clId="{C2DB2AE4-BABD-4B3B-AD0F-F8D8923EC243}" dt="2023-08-31T23:46:57.987" v="2538" actId="1076"/>
+          <ac:picMkLst>
+            <pc:docMk/>
+            <pc:sldMk cId="3426754923" sldId="611"/>
+            <ac:picMk id="34" creationId="{A1AEB4B4-3493-81DA-1A35-6A87BBC18E28}"/>
+          </ac:picMkLst>
+        </pc:picChg>
       </pc:sldChg>
     </pc:docChg>
   </pc:docChgLst>
@@ -336,6 +352,122 @@
       </pc:sldChg>
     </pc:docChg>
   </pc:docChgLst>
+  <pc:docChgLst>
+    <pc:chgData name="Dongmyeong Kim" userId="d517eb38-f897-4a85-b305-3233dcf5c226" providerId="ADAL" clId="{C5209064-C04E-4589-956D-93D97AAA30D7}"/>
+    <pc:docChg chg="undo custSel addSld delSld modSld">
+      <pc:chgData name="Dongmyeong Kim" userId="d517eb38-f897-4a85-b305-3233dcf5c226" providerId="ADAL" clId="{C5209064-C04E-4589-956D-93D97AAA30D7}" dt="2023-12-04T00:07:00.385" v="7711" actId="47"/>
+      <pc:docMkLst>
+        <pc:docMk/>
+      </pc:docMkLst>
+      <pc:sldChg chg="modSp del mod">
+        <pc:chgData name="Dongmyeong Kim" userId="d517eb38-f897-4a85-b305-3233dcf5c226" providerId="ADAL" clId="{C5209064-C04E-4589-956D-93D97AAA30D7}" dt="2023-11-30T23:55:55.557" v="7429" actId="47"/>
+        <pc:sldMkLst>
+          <pc:docMk/>
+          <pc:sldMk cId="3426754923" sldId="611"/>
+        </pc:sldMkLst>
+        <pc:spChg chg="mod">
+          <ac:chgData name="Dongmyeong Kim" userId="d517eb38-f897-4a85-b305-3233dcf5c226" providerId="ADAL" clId="{C5209064-C04E-4589-956D-93D97AAA30D7}" dt="2023-11-30T23:38:09.378" v="7420" actId="20577"/>
+          <ac:spMkLst>
+            <pc:docMk/>
+            <pc:sldMk cId="3426754923" sldId="611"/>
+            <ac:spMk id="23" creationId="{1A9FABBC-2413-B47B-32E8-4489F42DFA1F}"/>
+          </ac:spMkLst>
+        </pc:spChg>
+        <pc:spChg chg="mod">
+          <ac:chgData name="Dongmyeong Kim" userId="d517eb38-f897-4a85-b305-3233dcf5c226" providerId="ADAL" clId="{C5209064-C04E-4589-956D-93D97AAA30D7}" dt="2023-11-26T23:58:28.463" v="7011"/>
+          <ac:spMkLst>
+            <pc:docMk/>
+            <pc:sldMk cId="3426754923" sldId="611"/>
+            <ac:spMk id="29" creationId="{8484D90C-DBF4-B9D9-83A3-77F2315749FA}"/>
+          </ac:spMkLst>
+        </pc:spChg>
+        <pc:graphicFrameChg chg="mod modGraphic">
+          <ac:chgData name="Dongmyeong Kim" userId="d517eb38-f897-4a85-b305-3233dcf5c226" providerId="ADAL" clId="{C5209064-C04E-4589-956D-93D97AAA30D7}" dt="2023-11-30T23:55:45.342" v="7427"/>
+          <ac:graphicFrameMkLst>
+            <pc:docMk/>
+            <pc:sldMk cId="3426754923" sldId="611"/>
+            <ac:graphicFrameMk id="21" creationId="{3D0B9901-0AEA-28F1-0FEE-B6E27488074C}"/>
+          </ac:graphicFrameMkLst>
+        </pc:graphicFrameChg>
+        <pc:graphicFrameChg chg="modGraphic">
+          <ac:chgData name="Dongmyeong Kim" userId="d517eb38-f897-4a85-b305-3233dcf5c226" providerId="ADAL" clId="{C5209064-C04E-4589-956D-93D97AAA30D7}" dt="2023-10-10T00:38:52.298" v="1899" actId="2164"/>
+          <ac:graphicFrameMkLst>
+            <pc:docMk/>
+            <pc:sldMk cId="3426754923" sldId="611"/>
+            <ac:graphicFrameMk id="28" creationId="{6D13136D-29FD-0967-E43F-624CB745A027}"/>
+          </ac:graphicFrameMkLst>
+        </pc:graphicFrameChg>
+        <pc:picChg chg="mod">
+          <ac:chgData name="Dongmyeong Kim" userId="d517eb38-f897-4a85-b305-3233dcf5c226" providerId="ADAL" clId="{C5209064-C04E-4589-956D-93D97AAA30D7}" dt="2023-10-18T23:53:30.565" v="2431" actId="1076"/>
+          <ac:picMkLst>
+            <pc:docMk/>
+            <pc:sldMk cId="3426754923" sldId="611"/>
+            <ac:picMk id="34" creationId="{A1AEB4B4-3493-81DA-1A35-6A87BBC18E28}"/>
+          </ac:picMkLst>
+        </pc:picChg>
+      </pc:sldChg>
+      <pc:sldChg chg="modSp add del mod">
+        <pc:chgData name="Dongmyeong Kim" userId="d517eb38-f897-4a85-b305-3233dcf5c226" providerId="ADAL" clId="{C5209064-C04E-4589-956D-93D97AAA30D7}" dt="2023-12-04T00:07:00.385" v="7711" actId="47"/>
+        <pc:sldMkLst>
+          <pc:docMk/>
+          <pc:sldMk cId="3277861738" sldId="612"/>
+        </pc:sldMkLst>
+        <pc:spChg chg="mod">
+          <ac:chgData name="Dongmyeong Kim" userId="d517eb38-f897-4a85-b305-3233dcf5c226" providerId="ADAL" clId="{C5209064-C04E-4589-956D-93D97AAA30D7}" dt="2023-12-04T00:04:52.900" v="7440" actId="20577"/>
+          <ac:spMkLst>
+            <pc:docMk/>
+            <pc:sldMk cId="3277861738" sldId="612"/>
+            <ac:spMk id="23" creationId="{1A9FABBC-2413-B47B-32E8-4489F42DFA1F}"/>
+          </ac:spMkLst>
+        </pc:spChg>
+        <pc:graphicFrameChg chg="mod modGraphic">
+          <ac:chgData name="Dongmyeong Kim" userId="d517eb38-f897-4a85-b305-3233dcf5c226" providerId="ADAL" clId="{C5209064-C04E-4589-956D-93D97AAA30D7}" dt="2023-12-04T00:05:15.048" v="7445"/>
+          <ac:graphicFrameMkLst>
+            <pc:docMk/>
+            <pc:sldMk cId="3277861738" sldId="612"/>
+            <ac:graphicFrameMk id="21" creationId="{3D0B9901-0AEA-28F1-0FEE-B6E27488074C}"/>
+          </ac:graphicFrameMkLst>
+        </pc:graphicFrameChg>
+      </pc:sldChg>
+      <pc:sldChg chg="new del">
+        <pc:chgData name="Dongmyeong Kim" userId="d517eb38-f897-4a85-b305-3233dcf5c226" providerId="ADAL" clId="{C5209064-C04E-4589-956D-93D97AAA30D7}" dt="2023-11-30T23:55:26.377" v="7422" actId="680"/>
+        <pc:sldMkLst>
+          <pc:docMk/>
+          <pc:sldMk cId="3979806904" sldId="612"/>
+        </pc:sldMkLst>
+      </pc:sldChg>
+      <pc:sldChg chg="modSp add mod">
+        <pc:chgData name="Dongmyeong Kim" userId="d517eb38-f897-4a85-b305-3233dcf5c226" providerId="ADAL" clId="{C5209064-C04E-4589-956D-93D97AAA30D7}" dt="2023-12-04T00:06:54.300" v="7710"/>
+        <pc:sldMkLst>
+          <pc:docMk/>
+          <pc:sldMk cId="3646744712" sldId="613"/>
+        </pc:sldMkLst>
+        <pc:spChg chg="mod">
+          <ac:chgData name="Dongmyeong Kim" userId="d517eb38-f897-4a85-b305-3233dcf5c226" providerId="ADAL" clId="{C5209064-C04E-4589-956D-93D97AAA30D7}" dt="2023-12-04T00:06:54.300" v="7710"/>
+          <ac:spMkLst>
+            <pc:docMk/>
+            <pc:sldMk cId="3646744712" sldId="613"/>
+            <ac:spMk id="29" creationId="{8484D90C-DBF4-B9D9-83A3-77F2315749FA}"/>
+          </ac:spMkLst>
+        </pc:spChg>
+        <pc:graphicFrameChg chg="mod modGraphic">
+          <ac:chgData name="Dongmyeong Kim" userId="d517eb38-f897-4a85-b305-3233dcf5c226" providerId="ADAL" clId="{C5209064-C04E-4589-956D-93D97AAA30D7}" dt="2023-12-04T00:05:59.742" v="7504" actId="20577"/>
+          <ac:graphicFrameMkLst>
+            <pc:docMk/>
+            <pc:sldMk cId="3646744712" sldId="613"/>
+            <ac:graphicFrameMk id="21" creationId="{3D0B9901-0AEA-28F1-0FEE-B6E27488074C}"/>
+          </ac:graphicFrameMkLst>
+        </pc:graphicFrameChg>
+      </pc:sldChg>
+      <pc:sldChg chg="new del">
+        <pc:chgData name="Dongmyeong Kim" userId="d517eb38-f897-4a85-b305-3233dcf5c226" providerId="ADAL" clId="{C5209064-C04E-4589-956D-93D97AAA30D7}" dt="2023-12-04T00:05:01.257" v="7442" actId="680"/>
+        <pc:sldMkLst>
+          <pc:docMk/>
+          <pc:sldMk cId="3896549250" sldId="613"/>
+        </pc:sldMkLst>
+      </pc:sldChg>
+    </pc:docChg>
+  </pc:docChgLst>
 </pc:chgInfo>
 </file>
 
@@ -437,7 +569,7 @@
               <a:rPr lang="de-DE" smtClean="0">
                 <a:latin typeface="돋움" panose="020B0600000101010101" pitchFamily="34" charset="-127"/>
               </a:rPr>
-              <a:t>11.08.2023</a:t>
+              <a:t>04.12.2023</a:t>
             </a:fld>
             <a:endParaRPr lang="de-DE" dirty="0">
               <a:latin typeface="돋움" panose="020B0600000101010101" pitchFamily="34" charset="-127"/>
@@ -627,7 +759,7 @@
             <a:fld id="{41623B20-DA81-4F0B-808A-8006ECA2A20F}" type="datetimeFigureOut">
               <a:rPr lang="de-DE" smtClean="0"/>
               <a:pPr/>
-              <a:t>11.08.2023</a:t>
+              <a:t>04.12.2023</a:t>
             </a:fld>
             <a:endParaRPr lang="de-DE" dirty="0"/>
           </a:p>
@@ -973,7 +1105,7 @@
     </p:spTree>
     <p:extLst>
       <p:ext uri="{BB962C8B-B14F-4D97-AF65-F5344CB8AC3E}">
-        <p14:creationId xmlns:p14="http://schemas.microsoft.com/office/powerpoint/2010/main" val="3942342681"/>
+        <p14:creationId xmlns:p14="http://schemas.microsoft.com/office/powerpoint/2010/main" val="560562899"/>
       </p:ext>
     </p:extLst>
   </p:cSld>
@@ -10390,7 +10522,7 @@
         </p:blipFill>
         <p:spPr>
           <a:xfrm>
-            <a:off x="0" y="-72284"/>
+            <a:off x="0" y="171676"/>
             <a:ext cx="29389303" cy="16531483"/>
           </a:xfrm>
           <a:prstGeom prst="rect">
@@ -10521,7 +10653,7 @@
           <p:nvPr>
             <p:extLst>
               <p:ext uri="{D42A27DB-BD31-4B8C-83A1-F6EECF244321}">
-                <p14:modId xmlns:p14="http://schemas.microsoft.com/office/powerpoint/2010/main" val="3550799215"/>
+                <p14:modId xmlns:p14="http://schemas.microsoft.com/office/powerpoint/2010/main" val="660077927"/>
               </p:ext>
             </p:extLst>
           </p:nvPr>
@@ -10630,7 +10762,7 @@
                         <a:defRPr/>
                       </a:pPr>
                       <a:r>
-                        <a:rPr lang="ko-KR" altLang="en-US" dirty="0">
+                        <a:rPr lang="ko-KR" altLang="en-US">
                           <a:solidFill>
                             <a:schemeClr val="tx1"/>
                           </a:solidFill>
@@ -10639,6 +10771,13 @@
                         </a:rPr>
                         <a:t>이름</a:t>
                       </a:r>
+                      <a:endParaRPr lang="ko-KR" altLang="en-US" dirty="0">
+                        <a:solidFill>
+                          <a:schemeClr val="tx1"/>
+                        </a:solidFill>
+                        <a:latin typeface="맑은 고딕" panose="020B0503020000020004" pitchFamily="34" charset="-127"/>
+                        <a:ea typeface="맑은 고딕" panose="020B0503020000020004" pitchFamily="34" charset="-127"/>
+                      </a:endParaRPr>
                     </a:p>
                   </a:txBody>
                   <a:tcPr anchor="ctr" anchorCtr="1">
@@ -10727,7 +10866,7 @@
                         <a:defRPr/>
                       </a:pPr>
                       <a:r>
-                        <a:rPr lang="ko-KR" altLang="en-US" dirty="0">
+                        <a:rPr lang="ko-KR" altLang="en-US">
                           <a:solidFill>
                             <a:schemeClr val="tx1"/>
                           </a:solidFill>
@@ -10737,7 +10876,7 @@
                         <a:t>일</a:t>
                       </a:r>
                       <a:r>
-                        <a:rPr lang="en-US" altLang="ko-KR" dirty="0">
+                        <a:rPr lang="en-US" altLang="ko-KR">
                           <a:solidFill>
                             <a:schemeClr val="tx1"/>
                           </a:solidFill>
@@ -10747,7 +10886,7 @@
                         <a:t> </a:t>
                       </a:r>
                       <a:r>
-                        <a:rPr lang="ko-KR" altLang="en-US" dirty="0">
+                        <a:rPr lang="ko-KR" altLang="en-US">
                           <a:solidFill>
                             <a:schemeClr val="tx1"/>
                           </a:solidFill>
@@ -10757,7 +10896,7 @@
                         <a:t>평균</a:t>
                       </a:r>
                       <a:r>
-                        <a:rPr lang="en-US" altLang="ko-KR" dirty="0">
+                        <a:rPr lang="en-US" altLang="ko-KR">
                           <a:solidFill>
                             <a:schemeClr val="tx1"/>
                           </a:solidFill>
@@ -10767,7 +10906,7 @@
                         <a:t> </a:t>
                       </a:r>
                       <a:r>
-                        <a:rPr lang="ko-KR" altLang="en-US" dirty="0" err="1">
+                        <a:rPr lang="ko-KR" altLang="en-US">
                           <a:solidFill>
                             <a:schemeClr val="tx1"/>
                           </a:solidFill>
@@ -10776,7 +10915,7 @@
                         </a:rPr>
                         <a:t>예약수</a:t>
                       </a:r>
-                      <a:endParaRPr lang="en-US" altLang="ko-KR" dirty="0">
+                      <a:endParaRPr lang="en-US" altLang="ko-KR">
                         <a:solidFill>
                           <a:schemeClr val="tx1"/>
                         </a:solidFill>
@@ -10803,7 +10942,7 @@
                         <a:defRPr/>
                       </a:pPr>
                       <a:r>
-                        <a:rPr lang="en-US" altLang="ko-KR" dirty="0">
+                        <a:rPr lang="en-US" altLang="ko-KR">
                           <a:solidFill>
                             <a:schemeClr val="tx1"/>
                           </a:solidFill>
@@ -10813,7 +10952,7 @@
                         <a:t>(</a:t>
                       </a:r>
                       <a:r>
-                        <a:rPr lang="ko-KR" altLang="en-US" dirty="0">
+                        <a:rPr lang="ko-KR" altLang="en-US">
                           <a:solidFill>
                             <a:schemeClr val="tx1"/>
                           </a:solidFill>
@@ -10823,7 +10962,7 @@
                         <a:t>특근일 제외</a:t>
                       </a:r>
                       <a:r>
-                        <a:rPr lang="en-US" altLang="ko-KR" dirty="0">
+                        <a:rPr lang="en-US" altLang="ko-KR">
                           <a:solidFill>
                             <a:schemeClr val="tx1"/>
                           </a:solidFill>
@@ -10861,7 +11000,7 @@
                     <a:p>
                       <a:pPr algn="ctr" latinLnBrk="1"/>
                       <a:r>
-                        <a:rPr lang="en-US" altLang="ko-KR" dirty="0">
+                        <a:rPr lang="en-US" altLang="ko-KR">
                           <a:solidFill>
                             <a:schemeClr val="bg1"/>
                           </a:solidFill>
@@ -10870,51 +11009,7 @@
                         </a:rPr>
                         <a:t>1</a:t>
                       </a:r>
-                    </a:p>
-                  </a:txBody>
-                  <a:tcPr anchor="ctr" anchorCtr="1">
-                    <a:noFill/>
-                  </a:tcPr>
-                </a:tc>
-                <a:tc>
-                  <a:txBody>
-                    <a:bodyPr/>
-                    <a:lstStyle/>
-                    <a:p>
-                      <a:pPr algn="ctr" latinLnBrk="1"/>
-                      <a:r>
-                        <a:rPr lang="ko-KR" altLang="en-US" dirty="0">
-                          <a:solidFill>
-                            <a:schemeClr val="bg1"/>
-                          </a:solidFill>
-                          <a:latin typeface="맑은 고딕" panose="020B0503020000020004" pitchFamily="34" charset="-127"/>
-                          <a:ea typeface="맑은 고딕" panose="020B0503020000020004" pitchFamily="34" charset="-127"/>
-                        </a:rPr>
-                        <a:t>김정윤</a:t>
-                      </a:r>
-                    </a:p>
-                  </a:txBody>
-                  <a:tcPr anchor="ctr" anchorCtr="1">
-                    <a:noFill/>
-                  </a:tcPr>
-                </a:tc>
-                <a:tc>
-                  <a:txBody>
-                    <a:bodyPr/>
-                    <a:lstStyle/>
-                    <a:p>
-                      <a:pPr algn="ctr" latinLnBrk="1"/>
-                      <a:r>
-                        <a:rPr lang="en-US" altLang="ko-KR" dirty="0">
-                          <a:solidFill>
-                            <a:schemeClr val="bg1"/>
-                          </a:solidFill>
-                          <a:latin typeface="맑은 고딕" panose="020B0503020000020004" pitchFamily="34" charset="-127"/>
-                          <a:ea typeface="맑은 고딕" panose="020B0503020000020004" pitchFamily="34" charset="-127"/>
-                        </a:rPr>
-                        <a:t>104</a:t>
-                      </a:r>
-                      <a:endParaRPr lang="ko-KR" altLang="en-US" dirty="0">
+                      <a:endParaRPr lang="en-US" altLang="ko-KR" dirty="0">
                         <a:solidFill>
                           <a:schemeClr val="bg1"/>
                         </a:solidFill>
@@ -10932,22 +11027,67 @@
                     <a:bodyPr/>
                     <a:lstStyle/>
                     <a:p>
-                      <a:pPr lvl="0" algn="ctr">
-                        <a:buNone/>
-                      </a:pPr>
+                      <a:pPr marL="0" algn="ctr" defTabSz="2194560" rtl="0" eaLnBrk="1" fontAlgn="b" latinLnBrk="1" hangingPunct="1"/>
                       <a:r>
-                        <a:rPr lang="en-US" altLang="ko-KR" dirty="0">
+                        <a:rPr lang="ko-KR" altLang="en-US" sz="2880" kern="1200" dirty="0">
                           <a:solidFill>
                             <a:schemeClr val="bg1"/>
                           </a:solidFill>
                           <a:latin typeface="맑은 고딕" panose="020B0503020000020004" pitchFamily="34" charset="-127"/>
                           <a:ea typeface="맑은 고딕" panose="020B0503020000020004" pitchFamily="34" charset="-127"/>
+                          <a:cs typeface="+mn-cs"/>
                         </a:rPr>
-                        <a:t>13.0</a:t>
+                        <a:t>이준구</a:t>
                       </a:r>
                     </a:p>
                   </a:txBody>
-                  <a:tcPr anchor="ctr" anchorCtr="1">
+                  <a:tcPr marL="7620" marR="7620" marT="7620" marB="0" anchor="ctr">
+                    <a:noFill/>
+                  </a:tcPr>
+                </a:tc>
+                <a:tc>
+                  <a:txBody>
+                    <a:bodyPr/>
+                    <a:lstStyle/>
+                    <a:p>
+                      <a:pPr marL="0" algn="ctr" defTabSz="2194560" rtl="0" eaLnBrk="1" fontAlgn="b" latinLnBrk="1" hangingPunct="1"/>
+                      <a:r>
+                        <a:rPr lang="en-US" altLang="ko-KR" sz="2880" kern="1200" dirty="0">
+                          <a:solidFill>
+                            <a:schemeClr val="bg1"/>
+                          </a:solidFill>
+                          <a:latin typeface="맑은 고딕" panose="020B0503020000020004" pitchFamily="34" charset="-127"/>
+                          <a:ea typeface="맑은 고딕" panose="020B0503020000020004" pitchFamily="34" charset="-127"/>
+                          <a:cs typeface="+mn-cs"/>
+                        </a:rPr>
+                        <a:t>26</a:t>
+                      </a:r>
+                    </a:p>
+                  </a:txBody>
+                  <a:tcPr marL="7620" marR="7620" marT="7620" marB="0" anchor="ctr">
+                    <a:noFill/>
+                  </a:tcPr>
+                </a:tc>
+                <a:tc>
+                  <a:txBody>
+                    <a:bodyPr/>
+                    <a:lstStyle/>
+                    <a:p>
+                      <a:pPr marL="0" algn="ctr" defTabSz="2194560" rtl="0" eaLnBrk="1" fontAlgn="ctr" latinLnBrk="1" hangingPunct="1"/>
+                      <a:r>
+                        <a:rPr lang="en-US" altLang="ko-KR" sz="2880" kern="1200" dirty="0">
+                          <a:solidFill>
+                            <a:schemeClr val="bg1"/>
+                          </a:solidFill>
+                          <a:latin typeface="맑은 고딕" panose="020B0503020000020004" pitchFamily="34" charset="-127"/>
+                          <a:ea typeface="맑은 고딕" panose="020B0503020000020004" pitchFamily="34" charset="-127"/>
+                          <a:cs typeface="+mn-cs"/>
+                        </a:rPr>
+                        <a:t>26.0</a:t>
+                      </a:r>
+                    </a:p>
+                  </a:txBody>
+                  <a:tcPr marL="7620" marR="7620" marT="7620" marB="0" anchor="ctr">
                     <a:noFill/>
                   </a:tcPr>
                 </a:tc>
@@ -10992,20 +11132,29 @@
                     <a:bodyPr/>
                     <a:lstStyle/>
                     <a:p>
-                      <a:pPr algn="ctr" latinLnBrk="1"/>
+                      <a:pPr marL="0" algn="ctr" defTabSz="2194560" rtl="0" eaLnBrk="1" fontAlgn="b" latinLnBrk="1" hangingPunct="1"/>
                       <a:r>
-                        <a:rPr lang="ko-KR" altLang="en-US" dirty="0">
+                        <a:rPr lang="ko-KR" altLang="en-US" sz="2880" kern="1200" dirty="0" err="1">
                           <a:solidFill>
                             <a:schemeClr val="bg1"/>
                           </a:solidFill>
                           <a:latin typeface="맑은 고딕" panose="020B0503020000020004" pitchFamily="34" charset="-127"/>
                           <a:ea typeface="맑은 고딕" panose="020B0503020000020004" pitchFamily="34" charset="-127"/>
+                          <a:cs typeface="+mn-cs"/>
                         </a:rPr>
-                        <a:t>이승현</a:t>
+                        <a:t>장택순</a:t>
                       </a:r>
+                      <a:endParaRPr lang="ko-KR" altLang="en-US" sz="2880" kern="1200" dirty="0">
+                        <a:solidFill>
+                          <a:schemeClr val="bg1"/>
+                        </a:solidFill>
+                        <a:latin typeface="맑은 고딕" panose="020B0503020000020004" pitchFamily="34" charset="-127"/>
+                        <a:ea typeface="맑은 고딕" panose="020B0503020000020004" pitchFamily="34" charset="-127"/>
+                        <a:cs typeface="+mn-cs"/>
+                      </a:endParaRPr>
                     </a:p>
                   </a:txBody>
-                  <a:tcPr anchor="ctr" anchorCtr="1">
+                  <a:tcPr marL="7620" marR="7620" marT="7620" marB="0" anchor="ctr">
                     <a:noFill/>
                   </a:tcPr>
                 </a:tc>
@@ -11014,26 +11163,21 @@
                     <a:bodyPr/>
                     <a:lstStyle/>
                     <a:p>
-                      <a:pPr lvl="0" algn="ctr">
-                        <a:buNone/>
-                      </a:pPr>
+                      <a:pPr marL="0" algn="ctr" defTabSz="2194560" rtl="0" eaLnBrk="1" fontAlgn="b" latinLnBrk="1" hangingPunct="1"/>
                       <a:r>
-                        <a:rPr lang="en-US" altLang="ko-KR" dirty="0">
+                        <a:rPr lang="en-US" altLang="ko-KR" sz="2880" kern="1200">
                           <a:solidFill>
                             <a:schemeClr val="bg1"/>
                           </a:solidFill>
                           <a:latin typeface="맑은 고딕" panose="020B0503020000020004" pitchFamily="34" charset="-127"/>
                           <a:ea typeface="맑은 고딕" panose="020B0503020000020004" pitchFamily="34" charset="-127"/>
+                          <a:cs typeface="+mn-cs"/>
                         </a:rPr>
-                        <a:t>90</a:t>
+                        <a:t>21</a:t>
                       </a:r>
-                      <a:endParaRPr lang="en-US" altLang="ko-KR" dirty="0">
-                        <a:latin typeface="맑은 고딕" panose="020B0503020000020004" pitchFamily="34" charset="-127"/>
-                        <a:ea typeface="맑은 고딕" panose="020B0503020000020004" pitchFamily="34" charset="-127"/>
-                      </a:endParaRPr>
                     </a:p>
                   </a:txBody>
-                  <a:tcPr anchor="ctr" anchorCtr="1">
+                  <a:tcPr marL="7620" marR="7620" marT="7620" marB="0" anchor="ctr">
                     <a:noFill/>
                   </a:tcPr>
                 </a:tc>
@@ -11042,26 +11186,21 @@
                     <a:bodyPr/>
                     <a:lstStyle/>
                     <a:p>
-                      <a:pPr lvl="0" algn="ctr">
-                        <a:buNone/>
-                      </a:pPr>
+                      <a:pPr marL="0" algn="ctr" defTabSz="2194560" rtl="0" eaLnBrk="1" fontAlgn="ctr" latinLnBrk="1" hangingPunct="1"/>
                       <a:r>
-                        <a:rPr lang="en-US" altLang="ko-KR" dirty="0">
+                        <a:rPr lang="en-US" altLang="ko-KR" sz="2880" kern="1200" dirty="0">
                           <a:solidFill>
                             <a:schemeClr val="bg1"/>
                           </a:solidFill>
                           <a:latin typeface="맑은 고딕" panose="020B0503020000020004" pitchFamily="34" charset="-127"/>
                           <a:ea typeface="맑은 고딕" panose="020B0503020000020004" pitchFamily="34" charset="-127"/>
+                          <a:cs typeface="+mn-cs"/>
                         </a:rPr>
-                        <a:t>11.3</a:t>
+                        <a:t>21.0</a:t>
                       </a:r>
-                      <a:endParaRPr lang="en-US" altLang="ko-KR" dirty="0">
-                        <a:latin typeface="맑은 고딕" panose="020B0503020000020004" pitchFamily="34" charset="-127"/>
-                        <a:ea typeface="맑은 고딕" panose="020B0503020000020004" pitchFamily="34" charset="-127"/>
-                      </a:endParaRPr>
                     </a:p>
                   </a:txBody>
-                  <a:tcPr anchor="ctr" anchorCtr="1">
+                  <a:tcPr marL="7620" marR="7620" marT="7620" marB="0" anchor="ctr">
                     <a:noFill/>
                   </a:tcPr>
                 </a:tc>
@@ -11086,7 +11225,7 @@
                           <a:latin typeface="맑은 고딕" panose="020B0503020000020004" pitchFamily="34" charset="-127"/>
                           <a:ea typeface="맑은 고딕" panose="020B0503020000020004" pitchFamily="34" charset="-127"/>
                         </a:rPr>
-                        <a:t>2</a:t>
+                        <a:t>3</a:t>
                       </a:r>
                       <a:endParaRPr lang="ko-KR" altLang="en-US" dirty="0">
                         <a:solidFill>
@@ -11106,20 +11245,21 @@
                     <a:bodyPr/>
                     <a:lstStyle/>
                     <a:p>
-                      <a:pPr algn="ctr" latinLnBrk="1"/>
+                      <a:pPr marL="0" algn="ctr" defTabSz="2194560" rtl="0" eaLnBrk="1" fontAlgn="b" latinLnBrk="1" hangingPunct="1"/>
                       <a:r>
-                        <a:rPr lang="ko-KR" altLang="en-US" dirty="0">
+                        <a:rPr lang="ko-KR" altLang="en-US" sz="2880" kern="1200" dirty="0">
                           <a:solidFill>
                             <a:schemeClr val="bg1"/>
                           </a:solidFill>
                           <a:latin typeface="맑은 고딕" panose="020B0503020000020004" pitchFamily="34" charset="-127"/>
                           <a:ea typeface="맑은 고딕" panose="020B0503020000020004" pitchFamily="34" charset="-127"/>
+                          <a:cs typeface="+mn-cs"/>
                         </a:rPr>
-                        <a:t>김유진</a:t>
+                        <a:t>이승엽</a:t>
                       </a:r>
                     </a:p>
                   </a:txBody>
-                  <a:tcPr anchor="ctr" anchorCtr="1">
+                  <a:tcPr marL="7620" marR="7620" marT="7620" marB="0" anchor="ctr">
                     <a:noFill/>
                   </a:tcPr>
                 </a:tc>
@@ -11128,26 +11268,21 @@
                     <a:bodyPr/>
                     <a:lstStyle/>
                     <a:p>
-                      <a:pPr lvl="0" algn="ctr">
-                        <a:buNone/>
-                      </a:pPr>
+                      <a:pPr marL="0" algn="ctr" defTabSz="2194560" rtl="0" eaLnBrk="1" fontAlgn="b" latinLnBrk="1" hangingPunct="1"/>
                       <a:r>
-                        <a:rPr lang="en-US" altLang="ko-KR" dirty="0">
+                        <a:rPr lang="en-US" altLang="ko-KR" sz="2880" kern="1200">
                           <a:solidFill>
                             <a:schemeClr val="bg1"/>
                           </a:solidFill>
                           <a:latin typeface="맑은 고딕" panose="020B0503020000020004" pitchFamily="34" charset="-127"/>
                           <a:ea typeface="맑은 고딕" panose="020B0503020000020004" pitchFamily="34" charset="-127"/>
+                          <a:cs typeface="+mn-cs"/>
                         </a:rPr>
-                        <a:t>89</a:t>
+                        <a:t>18</a:t>
                       </a:r>
-                      <a:endParaRPr lang="en-US" altLang="ko-KR" dirty="0">
-                        <a:latin typeface="맑은 고딕" panose="020B0503020000020004" pitchFamily="34" charset="-127"/>
-                        <a:ea typeface="맑은 고딕" panose="020B0503020000020004" pitchFamily="34" charset="-127"/>
-                      </a:endParaRPr>
                     </a:p>
                   </a:txBody>
-                  <a:tcPr anchor="ctr" anchorCtr="1">
+                  <a:tcPr marL="7620" marR="7620" marT="7620" marB="0" anchor="ctr">
                     <a:noFill/>
                   </a:tcPr>
                 </a:tc>
@@ -11156,22 +11291,21 @@
                     <a:bodyPr/>
                     <a:lstStyle/>
                     <a:p>
-                      <a:pPr lvl="0" algn="ctr">
-                        <a:buNone/>
-                      </a:pPr>
+                      <a:pPr marL="0" algn="ctr" defTabSz="2194560" rtl="0" eaLnBrk="1" fontAlgn="ctr" latinLnBrk="1" hangingPunct="1"/>
                       <a:r>
-                        <a:rPr lang="en-US" altLang="ko-KR" dirty="0">
+                        <a:rPr lang="en-US" altLang="ko-KR" sz="2880" kern="1200" dirty="0">
                           <a:solidFill>
                             <a:schemeClr val="bg1"/>
                           </a:solidFill>
                           <a:latin typeface="맑은 고딕" panose="020B0503020000020004" pitchFamily="34" charset="-127"/>
                           <a:ea typeface="맑은 고딕" panose="020B0503020000020004" pitchFamily="34" charset="-127"/>
+                          <a:cs typeface="+mn-cs"/>
                         </a:rPr>
-                        <a:t>11.1</a:t>
+                        <a:t>18.0</a:t>
                       </a:r>
                     </a:p>
                   </a:txBody>
-                  <a:tcPr anchor="ctr" anchorCtr="1">
+                  <a:tcPr marL="7620" marR="7620" marT="7620" marB="0" anchor="ctr">
                     <a:noFill/>
                   </a:tcPr>
                 </a:tc>
@@ -11216,27 +11350,21 @@
                     <a:bodyPr/>
                     <a:lstStyle/>
                     <a:p>
-                      <a:pPr algn="ctr" latinLnBrk="1"/>
+                      <a:pPr marL="0" algn="ctr" defTabSz="2194560" rtl="0" eaLnBrk="1" fontAlgn="b" latinLnBrk="1" hangingPunct="1"/>
                       <a:r>
-                        <a:rPr lang="ko-KR" altLang="en-US" dirty="0" err="1">
+                        <a:rPr lang="ko-KR" altLang="en-US" sz="2880" kern="1200">
                           <a:solidFill>
                             <a:schemeClr val="bg1"/>
                           </a:solidFill>
                           <a:latin typeface="맑은 고딕" panose="020B0503020000020004" pitchFamily="34" charset="-127"/>
                           <a:ea typeface="맑은 고딕" panose="020B0503020000020004" pitchFamily="34" charset="-127"/>
+                          <a:cs typeface="+mn-cs"/>
                         </a:rPr>
-                        <a:t>윤문철</a:t>
+                        <a:t>윤여원</a:t>
                       </a:r>
-                      <a:endParaRPr lang="ko-KR" altLang="en-US" dirty="0">
-                        <a:solidFill>
-                          <a:schemeClr val="bg1"/>
-                        </a:solidFill>
-                        <a:latin typeface="맑은 고딕" panose="020B0503020000020004" pitchFamily="34" charset="-127"/>
-                        <a:ea typeface="맑은 고딕" panose="020B0503020000020004" pitchFamily="34" charset="-127"/>
-                      </a:endParaRPr>
                     </a:p>
                   </a:txBody>
-                  <a:tcPr anchor="ctr" anchorCtr="1">
+                  <a:tcPr marL="7620" marR="7620" marT="7620" marB="0" anchor="ctr">
                     <a:noFill/>
                   </a:tcPr>
                 </a:tc>
@@ -11245,22 +11373,21 @@
                     <a:bodyPr/>
                     <a:lstStyle/>
                     <a:p>
-                      <a:pPr lvl="0" algn="ctr">
-                        <a:buNone/>
-                      </a:pPr>
+                      <a:pPr marL="0" algn="ctr" defTabSz="2194560" rtl="0" eaLnBrk="1" fontAlgn="b" latinLnBrk="1" hangingPunct="1"/>
                       <a:r>
-                        <a:rPr lang="en-US" altLang="ko-KR" dirty="0">
+                        <a:rPr lang="en-US" altLang="ko-KR" sz="2880" kern="1200" dirty="0">
                           <a:solidFill>
                             <a:schemeClr val="bg1"/>
                           </a:solidFill>
                           <a:latin typeface="맑은 고딕" panose="020B0503020000020004" pitchFamily="34" charset="-127"/>
                           <a:ea typeface="맑은 고딕" panose="020B0503020000020004" pitchFamily="34" charset="-127"/>
+                          <a:cs typeface="+mn-cs"/>
                         </a:rPr>
-                        <a:t>85</a:t>
+                        <a:t>16</a:t>
                       </a:r>
                     </a:p>
                   </a:txBody>
-                  <a:tcPr anchor="ctr" anchorCtr="1">
+                  <a:tcPr marL="7620" marR="7620" marT="7620" marB="0" anchor="ctr">
                     <a:noFill/>
                   </a:tcPr>
                 </a:tc>
@@ -11269,26 +11396,21 @@
                     <a:bodyPr/>
                     <a:lstStyle/>
                     <a:p>
-                      <a:pPr lvl="0" algn="ctr">
-                        <a:buNone/>
-                      </a:pPr>
+                      <a:pPr marL="0" algn="ctr" defTabSz="2194560" rtl="0" eaLnBrk="1" fontAlgn="ctr" latinLnBrk="1" hangingPunct="1"/>
                       <a:r>
-                        <a:rPr lang="en-US" altLang="ko-KR" dirty="0">
+                        <a:rPr lang="en-US" altLang="ko-KR" sz="2880" kern="1200" dirty="0">
                           <a:solidFill>
                             <a:schemeClr val="bg1"/>
                           </a:solidFill>
                           <a:latin typeface="맑은 고딕" panose="020B0503020000020004" pitchFamily="34" charset="-127"/>
                           <a:ea typeface="맑은 고딕" panose="020B0503020000020004" pitchFamily="34" charset="-127"/>
+                          <a:cs typeface="+mn-cs"/>
                         </a:rPr>
-                        <a:t>10.6</a:t>
+                        <a:t>16.0</a:t>
                       </a:r>
-                      <a:endParaRPr lang="en-US" altLang="ko-KR" dirty="0">
-                        <a:latin typeface="맑은 고딕" panose="020B0503020000020004" pitchFamily="34" charset="-127"/>
-                        <a:ea typeface="맑은 고딕" panose="020B0503020000020004" pitchFamily="34" charset="-127"/>
-                      </a:endParaRPr>
                     </a:p>
                   </a:txBody>
-                  <a:tcPr anchor="ctr" anchorCtr="1">
+                  <a:tcPr marL="7620" marR="7620" marT="7620" marB="0" anchor="ctr">
                     <a:noFill/>
                   </a:tcPr>
                 </a:tc>
@@ -11333,27 +11455,21 @@
                     <a:bodyPr/>
                     <a:lstStyle/>
                     <a:p>
-                      <a:pPr algn="ctr" latinLnBrk="1"/>
+                      <a:pPr marL="0" algn="ctr" defTabSz="2194560" rtl="0" eaLnBrk="1" fontAlgn="b" latinLnBrk="1" hangingPunct="1"/>
                       <a:r>
-                        <a:rPr lang="ko-KR" altLang="en-US" dirty="0" err="1">
+                        <a:rPr lang="ko-KR" altLang="en-US" sz="2880" kern="1200">
                           <a:solidFill>
                             <a:schemeClr val="bg1"/>
                           </a:solidFill>
                           <a:latin typeface="맑은 고딕" panose="020B0503020000020004" pitchFamily="34" charset="-127"/>
                           <a:ea typeface="맑은 고딕" panose="020B0503020000020004" pitchFamily="34" charset="-127"/>
+                          <a:cs typeface="+mn-cs"/>
                         </a:rPr>
-                        <a:t>송바롬</a:t>
+                        <a:t>정민교</a:t>
                       </a:r>
-                      <a:endParaRPr lang="ko-KR" altLang="en-US" dirty="0">
-                        <a:solidFill>
-                          <a:schemeClr val="bg1"/>
-                        </a:solidFill>
-                        <a:latin typeface="맑은 고딕" panose="020B0503020000020004" pitchFamily="34" charset="-127"/>
-                        <a:ea typeface="맑은 고딕" panose="020B0503020000020004" pitchFamily="34" charset="-127"/>
-                      </a:endParaRPr>
                     </a:p>
                   </a:txBody>
-                  <a:tcPr anchor="ctr" anchorCtr="1">
+                  <a:tcPr marL="7620" marR="7620" marT="7620" marB="0" anchor="ctr">
                     <a:noFill/>
                   </a:tcPr>
                 </a:tc>
@@ -11362,22 +11478,21 @@
                     <a:bodyPr/>
                     <a:lstStyle/>
                     <a:p>
-                      <a:pPr lvl="0" algn="ctr">
-                        <a:buNone/>
-                      </a:pPr>
+                      <a:pPr marL="0" algn="ctr" defTabSz="2194560" rtl="0" eaLnBrk="1" fontAlgn="b" latinLnBrk="1" hangingPunct="1"/>
                       <a:r>
-                        <a:rPr lang="en-US" altLang="ko-KR" dirty="0">
+                        <a:rPr lang="en-US" altLang="ko-KR" sz="2880" kern="1200" dirty="0">
                           <a:solidFill>
                             <a:schemeClr val="bg1"/>
                           </a:solidFill>
                           <a:latin typeface="맑은 고딕" panose="020B0503020000020004" pitchFamily="34" charset="-127"/>
                           <a:ea typeface="맑은 고딕" panose="020B0503020000020004" pitchFamily="34" charset="-127"/>
+                          <a:cs typeface="+mn-cs"/>
                         </a:rPr>
-                        <a:t>82</a:t>
+                        <a:t>15</a:t>
                       </a:r>
                     </a:p>
                   </a:txBody>
-                  <a:tcPr anchor="ctr" anchorCtr="1">
+                  <a:tcPr marL="7620" marR="7620" marT="7620" marB="0" anchor="ctr">
                     <a:noFill/>
                   </a:tcPr>
                 </a:tc>
@@ -11386,27 +11501,21 @@
                     <a:bodyPr/>
                     <a:lstStyle/>
                     <a:p>
-                      <a:pPr algn="ctr" latinLnBrk="1"/>
+                      <a:pPr marL="0" algn="ctr" defTabSz="2194560" rtl="0" eaLnBrk="1" fontAlgn="ctr" latinLnBrk="1" hangingPunct="1"/>
                       <a:r>
-                        <a:rPr lang="en-US" altLang="ko-KR" dirty="0">
+                        <a:rPr lang="en-US" altLang="ko-KR" sz="2880" kern="1200" dirty="0">
                           <a:solidFill>
                             <a:schemeClr val="bg1"/>
                           </a:solidFill>
                           <a:latin typeface="맑은 고딕" panose="020B0503020000020004" pitchFamily="34" charset="-127"/>
                           <a:ea typeface="맑은 고딕" panose="020B0503020000020004" pitchFamily="34" charset="-127"/>
+                          <a:cs typeface="+mn-cs"/>
                         </a:rPr>
-                        <a:t>10.3</a:t>
+                        <a:t>15.0</a:t>
                       </a:r>
-                      <a:endParaRPr lang="ko-KR" altLang="en-US" dirty="0">
-                        <a:solidFill>
-                          <a:schemeClr val="bg1"/>
-                        </a:solidFill>
-                        <a:latin typeface="맑은 고딕" panose="020B0503020000020004" pitchFamily="34" charset="-127"/>
-                        <a:ea typeface="맑은 고딕" panose="020B0503020000020004" pitchFamily="34" charset="-127"/>
-                      </a:endParaRPr>
                     </a:p>
                   </a:txBody>
-                  <a:tcPr anchor="ctr" anchorCtr="1">
+                  <a:tcPr marL="7620" marR="7620" marT="7620" marB="0" anchor="ctr">
                     <a:noFill/>
                   </a:tcPr>
                 </a:tc>
@@ -11451,27 +11560,21 @@
                     <a:bodyPr/>
                     <a:lstStyle/>
                     <a:p>
-                      <a:pPr algn="ctr" latinLnBrk="1"/>
+                      <a:pPr marL="0" algn="ctr" defTabSz="2194560" rtl="0" eaLnBrk="1" fontAlgn="b" latinLnBrk="1" hangingPunct="1"/>
                       <a:r>
-                        <a:rPr lang="ko-KR" altLang="en-US" dirty="0" err="1">
+                        <a:rPr lang="ko-KR" altLang="en-US" sz="2880" kern="1200">
                           <a:solidFill>
                             <a:schemeClr val="bg1"/>
                           </a:solidFill>
                           <a:latin typeface="맑은 고딕" panose="020B0503020000020004" pitchFamily="34" charset="-127"/>
                           <a:ea typeface="맑은 고딕" panose="020B0503020000020004" pitchFamily="34" charset="-127"/>
+                          <a:cs typeface="+mn-cs"/>
                         </a:rPr>
-                        <a:t>신덕현</a:t>
+                        <a:t>나경민</a:t>
                       </a:r>
-                      <a:endParaRPr lang="ko-KR" altLang="en-US" dirty="0">
-                        <a:solidFill>
-                          <a:schemeClr val="bg1"/>
-                        </a:solidFill>
-                        <a:latin typeface="맑은 고딕" panose="020B0503020000020004" pitchFamily="34" charset="-127"/>
-                        <a:ea typeface="맑은 고딕" panose="020B0503020000020004" pitchFamily="34" charset="-127"/>
-                      </a:endParaRPr>
                     </a:p>
                   </a:txBody>
-                  <a:tcPr anchor="ctr" anchorCtr="1">
+                  <a:tcPr marL="7620" marR="7620" marT="7620" marB="0" anchor="ctr">
                     <a:noFill/>
                   </a:tcPr>
                 </a:tc>
@@ -11480,22 +11583,21 @@
                     <a:bodyPr/>
                     <a:lstStyle/>
                     <a:p>
-                      <a:pPr lvl="0" algn="ctr">
-                        <a:buNone/>
-                      </a:pPr>
+                      <a:pPr marL="0" algn="ctr" defTabSz="2194560" rtl="0" eaLnBrk="1" fontAlgn="b" latinLnBrk="1" hangingPunct="1"/>
                       <a:r>
-                        <a:rPr lang="en-US" altLang="ko-KR" dirty="0">
+                        <a:rPr lang="en-US" altLang="ko-KR" sz="2880" kern="1200" dirty="0">
                           <a:solidFill>
                             <a:schemeClr val="bg1"/>
                           </a:solidFill>
                           <a:latin typeface="맑은 고딕" panose="020B0503020000020004" pitchFamily="34" charset="-127"/>
                           <a:ea typeface="맑은 고딕" panose="020B0503020000020004" pitchFamily="34" charset="-127"/>
+                          <a:cs typeface="+mn-cs"/>
                         </a:rPr>
-                        <a:t>78</a:t>
+                        <a:t>14</a:t>
                       </a:r>
                     </a:p>
                   </a:txBody>
-                  <a:tcPr anchor="ctr" anchorCtr="1">
+                  <a:tcPr marL="7620" marR="7620" marT="7620" marB="0" anchor="ctr">
                     <a:noFill/>
                   </a:tcPr>
                 </a:tc>
@@ -11504,26 +11606,21 @@
                     <a:bodyPr/>
                     <a:lstStyle/>
                     <a:p>
-                      <a:pPr lvl="0" algn="ctr">
-                        <a:buNone/>
-                      </a:pPr>
+                      <a:pPr marL="0" algn="ctr" defTabSz="2194560" rtl="0" eaLnBrk="1" fontAlgn="ctr" latinLnBrk="1" hangingPunct="1"/>
                       <a:r>
-                        <a:rPr lang="en-US" altLang="ko-KR" dirty="0">
+                        <a:rPr lang="en-US" altLang="ko-KR" sz="2880" kern="1200" dirty="0">
                           <a:solidFill>
                             <a:schemeClr val="bg1"/>
                           </a:solidFill>
                           <a:latin typeface="맑은 고딕" panose="020B0503020000020004" pitchFamily="34" charset="-127"/>
                           <a:ea typeface="맑은 고딕" panose="020B0503020000020004" pitchFamily="34" charset="-127"/>
+                          <a:cs typeface="+mn-cs"/>
                         </a:rPr>
-                        <a:t>9.8</a:t>
+                        <a:t>14.0</a:t>
                       </a:r>
-                      <a:endParaRPr lang="en-US" altLang="ko-KR" dirty="0">
-                        <a:latin typeface="맑은 고딕" panose="020B0503020000020004" pitchFamily="34" charset="-127"/>
-                        <a:ea typeface="맑은 고딕" panose="020B0503020000020004" pitchFamily="34" charset="-127"/>
-                      </a:endParaRPr>
                     </a:p>
                   </a:txBody>
-                  <a:tcPr anchor="ctr" anchorCtr="1">
+                  <a:tcPr marL="7620" marR="7620" marT="7620" marB="0" anchor="ctr">
                     <a:noFill/>
                   </a:tcPr>
                 </a:tc>
@@ -11568,27 +11665,21 @@
                     <a:bodyPr/>
                     <a:lstStyle/>
                     <a:p>
-                      <a:pPr algn="ctr" latinLnBrk="1"/>
+                      <a:pPr marL="0" algn="ctr" defTabSz="2194560" rtl="0" eaLnBrk="1" fontAlgn="b" latinLnBrk="1" hangingPunct="1"/>
                       <a:r>
-                        <a:rPr lang="ko-KR" altLang="en-US" dirty="0" err="1">
+                        <a:rPr lang="ko-KR" altLang="en-US" sz="2880" kern="1200">
                           <a:solidFill>
                             <a:schemeClr val="bg1"/>
                           </a:solidFill>
                           <a:latin typeface="맑은 고딕" panose="020B0503020000020004" pitchFamily="34" charset="-127"/>
                           <a:ea typeface="맑은 고딕" panose="020B0503020000020004" pitchFamily="34" charset="-127"/>
+                          <a:cs typeface="+mn-cs"/>
                         </a:rPr>
-                        <a:t>김하민</a:t>
+                        <a:t>송바롬</a:t>
                       </a:r>
-                      <a:endParaRPr lang="ko-KR" altLang="en-US" dirty="0">
-                        <a:solidFill>
-                          <a:schemeClr val="bg1"/>
-                        </a:solidFill>
-                        <a:latin typeface="맑은 고딕" panose="020B0503020000020004" pitchFamily="34" charset="-127"/>
-                        <a:ea typeface="맑은 고딕" panose="020B0503020000020004" pitchFamily="34" charset="-127"/>
-                      </a:endParaRPr>
                     </a:p>
                   </a:txBody>
-                  <a:tcPr anchor="ctr" anchorCtr="1">
+                  <a:tcPr marL="7620" marR="7620" marT="7620" marB="0" anchor="ctr">
                     <a:noFill/>
                   </a:tcPr>
                 </a:tc>
@@ -11597,22 +11688,21 @@
                     <a:bodyPr/>
                     <a:lstStyle/>
                     <a:p>
-                      <a:pPr lvl="0" algn="ctr">
-                        <a:buNone/>
-                      </a:pPr>
+                      <a:pPr marL="0" algn="ctr" defTabSz="2194560" rtl="0" eaLnBrk="1" fontAlgn="b" latinLnBrk="1" hangingPunct="1"/>
                       <a:r>
-                        <a:rPr lang="en-US" altLang="ko-KR" dirty="0">
+                        <a:rPr lang="en-US" altLang="ko-KR" sz="2880" kern="1200" dirty="0">
                           <a:solidFill>
                             <a:schemeClr val="bg1"/>
                           </a:solidFill>
                           <a:latin typeface="맑은 고딕" panose="020B0503020000020004" pitchFamily="34" charset="-127"/>
                           <a:ea typeface="맑은 고딕" panose="020B0503020000020004" pitchFamily="34" charset="-127"/>
+                          <a:cs typeface="+mn-cs"/>
                         </a:rPr>
-                        <a:t>74</a:t>
+                        <a:t>14</a:t>
                       </a:r>
                     </a:p>
                   </a:txBody>
-                  <a:tcPr anchor="ctr" anchorCtr="1">
+                  <a:tcPr marL="7620" marR="7620" marT="7620" marB="0" anchor="ctr">
                     <a:noFill/>
                   </a:tcPr>
                 </a:tc>
@@ -11621,27 +11711,21 @@
                     <a:bodyPr/>
                     <a:lstStyle/>
                     <a:p>
-                      <a:pPr algn="ctr" latinLnBrk="1"/>
+                      <a:pPr marL="0" algn="ctr" defTabSz="2194560" rtl="0" eaLnBrk="1" fontAlgn="ctr" latinLnBrk="1" hangingPunct="1"/>
                       <a:r>
-                        <a:rPr lang="en-US" altLang="ko-KR" dirty="0">
+                        <a:rPr lang="en-US" altLang="ko-KR" sz="2880" kern="1200" dirty="0">
                           <a:solidFill>
                             <a:schemeClr val="bg1"/>
                           </a:solidFill>
                           <a:latin typeface="맑은 고딕" panose="020B0503020000020004" pitchFamily="34" charset="-127"/>
                           <a:ea typeface="맑은 고딕" panose="020B0503020000020004" pitchFamily="34" charset="-127"/>
+                          <a:cs typeface="+mn-cs"/>
                         </a:rPr>
-                        <a:t>9.3</a:t>
+                        <a:t>14.0</a:t>
                       </a:r>
-                      <a:endParaRPr lang="ko-KR" altLang="en-US" dirty="0">
-                        <a:solidFill>
-                          <a:schemeClr val="bg1"/>
-                        </a:solidFill>
-                        <a:latin typeface="맑은 고딕" panose="020B0503020000020004" pitchFamily="34" charset="-127"/>
-                        <a:ea typeface="맑은 고딕" panose="020B0503020000020004" pitchFamily="34" charset="-127"/>
-                      </a:endParaRPr>
                     </a:p>
                   </a:txBody>
-                  <a:tcPr anchor="ctr" anchorCtr="1">
+                  <a:tcPr marL="7620" marR="7620" marT="7620" marB="0" anchor="ctr">
                     <a:noFill/>
                   </a:tcPr>
                 </a:tc>
@@ -11686,29 +11770,21 @@
                     <a:bodyPr/>
                     <a:lstStyle/>
                     <a:p>
-                      <a:pPr lvl="0" algn="ctr">
-                        <a:buNone/>
-                      </a:pPr>
+                      <a:pPr marL="0" algn="ctr" defTabSz="2194560" rtl="0" eaLnBrk="1" fontAlgn="b" latinLnBrk="1" hangingPunct="1"/>
                       <a:r>
-                        <a:rPr lang="ko-KR" altLang="en-US" dirty="0" err="1">
+                        <a:rPr lang="ko-KR" altLang="en-US" sz="2880" kern="1200">
                           <a:solidFill>
                             <a:schemeClr val="bg1"/>
                           </a:solidFill>
                           <a:latin typeface="맑은 고딕" panose="020B0503020000020004" pitchFamily="34" charset="-127"/>
                           <a:ea typeface="맑은 고딕" panose="020B0503020000020004" pitchFamily="34" charset="-127"/>
+                          <a:cs typeface="+mn-cs"/>
                         </a:rPr>
-                        <a:t>설찬수</a:t>
+                        <a:t>이승현</a:t>
                       </a:r>
-                      <a:endParaRPr lang="ko-KR" altLang="en-US" dirty="0">
-                        <a:solidFill>
-                          <a:schemeClr val="bg1"/>
-                        </a:solidFill>
-                        <a:latin typeface="맑은 고딕" panose="020B0503020000020004" pitchFamily="34" charset="-127"/>
-                        <a:ea typeface="맑은 고딕" panose="020B0503020000020004" pitchFamily="34" charset="-127"/>
-                      </a:endParaRPr>
                     </a:p>
                   </a:txBody>
-                  <a:tcPr anchor="ctr" anchorCtr="1">
+                  <a:tcPr marL="7620" marR="7620" marT="7620" marB="0" anchor="ctr">
                     <a:noFill/>
                   </a:tcPr>
                 </a:tc>
@@ -11717,22 +11793,21 @@
                     <a:bodyPr/>
                     <a:lstStyle/>
                     <a:p>
-                      <a:pPr lvl="0" algn="ctr">
-                        <a:buNone/>
-                      </a:pPr>
+                      <a:pPr marL="0" algn="ctr" defTabSz="2194560" rtl="0" eaLnBrk="1" fontAlgn="b" latinLnBrk="1" hangingPunct="1"/>
                       <a:r>
-                        <a:rPr lang="en-US" altLang="ko-KR" dirty="0">
+                        <a:rPr lang="en-US" altLang="ko-KR" sz="2880" kern="1200" dirty="0">
                           <a:solidFill>
                             <a:schemeClr val="bg1"/>
                           </a:solidFill>
                           <a:latin typeface="맑은 고딕" panose="020B0503020000020004" pitchFamily="34" charset="-127"/>
                           <a:ea typeface="맑은 고딕" panose="020B0503020000020004" pitchFamily="34" charset="-127"/>
+                          <a:cs typeface="+mn-cs"/>
                         </a:rPr>
-                        <a:t>67</a:t>
+                        <a:t>14</a:t>
                       </a:r>
                     </a:p>
                   </a:txBody>
-                  <a:tcPr anchor="ctr" anchorCtr="1">
+                  <a:tcPr marL="7620" marR="7620" marT="7620" marB="0" anchor="ctr">
                     <a:noFill/>
                   </a:tcPr>
                 </a:tc>
@@ -11741,26 +11816,21 @@
                     <a:bodyPr/>
                     <a:lstStyle/>
                     <a:p>
-                      <a:pPr lvl="0" algn="ctr">
-                        <a:buNone/>
-                      </a:pPr>
+                      <a:pPr marL="0" algn="ctr" defTabSz="2194560" rtl="0" eaLnBrk="1" fontAlgn="ctr" latinLnBrk="1" hangingPunct="1"/>
                       <a:r>
-                        <a:rPr lang="en-US" altLang="ko-KR" dirty="0">
+                        <a:rPr lang="en-US" altLang="ko-KR" sz="2880" kern="1200" dirty="0">
                           <a:solidFill>
                             <a:schemeClr val="bg1"/>
                           </a:solidFill>
                           <a:latin typeface="맑은 고딕" panose="020B0503020000020004" pitchFamily="34" charset="-127"/>
                           <a:ea typeface="맑은 고딕" panose="020B0503020000020004" pitchFamily="34" charset="-127"/>
+                          <a:cs typeface="+mn-cs"/>
                         </a:rPr>
-                        <a:t>8.4</a:t>
+                        <a:t>14.0</a:t>
                       </a:r>
-                      <a:endParaRPr lang="en-US" altLang="ko-KR" dirty="0">
-                        <a:latin typeface="맑은 고딕" panose="020B0503020000020004" pitchFamily="34" charset="-127"/>
-                        <a:ea typeface="맑은 고딕" panose="020B0503020000020004" pitchFamily="34" charset="-127"/>
-                      </a:endParaRPr>
                     </a:p>
                   </a:txBody>
-                  <a:tcPr anchor="ctr" anchorCtr="1">
+                  <a:tcPr marL="7620" marR="7620" marT="7620" marB="0" anchor="ctr">
                     <a:noFill/>
                   </a:tcPr>
                 </a:tc>
@@ -11805,29 +11875,21 @@
                     <a:bodyPr/>
                     <a:lstStyle/>
                     <a:p>
-                      <a:pPr lvl="0" algn="ctr">
-                        <a:buNone/>
-                      </a:pPr>
+                      <a:pPr marL="0" algn="ctr" defTabSz="2194560" rtl="0" eaLnBrk="1" fontAlgn="b" latinLnBrk="1" hangingPunct="1"/>
                       <a:r>
-                        <a:rPr lang="ko-KR" altLang="en-US" dirty="0" err="1">
+                        <a:rPr lang="ko-KR" altLang="en-US" sz="2880" kern="1200">
                           <a:solidFill>
                             <a:schemeClr val="bg1"/>
                           </a:solidFill>
                           <a:latin typeface="맑은 고딕" panose="020B0503020000020004" pitchFamily="34" charset="-127"/>
                           <a:ea typeface="맑은 고딕" panose="020B0503020000020004" pitchFamily="34" charset="-127"/>
+                          <a:cs typeface="+mn-cs"/>
                         </a:rPr>
-                        <a:t>최홍식</a:t>
+                        <a:t>이유진</a:t>
                       </a:r>
-                      <a:endParaRPr lang="ko-KR" altLang="en-US" dirty="0">
-                        <a:solidFill>
-                          <a:schemeClr val="bg1"/>
-                        </a:solidFill>
-                        <a:latin typeface="맑은 고딕" panose="020B0503020000020004" pitchFamily="34" charset="-127"/>
-                        <a:ea typeface="맑은 고딕" panose="020B0503020000020004" pitchFamily="34" charset="-127"/>
-                      </a:endParaRPr>
                     </a:p>
                   </a:txBody>
-                  <a:tcPr anchor="ctr" anchorCtr="1">
+                  <a:tcPr marL="7620" marR="7620" marT="7620" marB="0" anchor="ctr">
                     <a:noFill/>
                   </a:tcPr>
                 </a:tc>
@@ -11836,26 +11898,21 @@
                     <a:bodyPr/>
                     <a:lstStyle/>
                     <a:p>
-                      <a:pPr lvl="0" algn="ctr">
-                        <a:buNone/>
-                      </a:pPr>
+                      <a:pPr marL="0" algn="ctr" defTabSz="2194560" rtl="0" eaLnBrk="1" fontAlgn="b" latinLnBrk="1" hangingPunct="1"/>
                       <a:r>
-                        <a:rPr lang="en-US" dirty="0">
+                        <a:rPr lang="en-US" altLang="ko-KR" sz="2880" kern="1200" dirty="0">
                           <a:solidFill>
                             <a:schemeClr val="bg1"/>
                           </a:solidFill>
                           <a:latin typeface="맑은 고딕" panose="020B0503020000020004" pitchFamily="34" charset="-127"/>
                           <a:ea typeface="맑은 고딕" panose="020B0503020000020004" pitchFamily="34" charset="-127"/>
+                          <a:cs typeface="+mn-cs"/>
                         </a:rPr>
-                        <a:t>67</a:t>
+                        <a:t>14</a:t>
                       </a:r>
-                      <a:endParaRPr lang="en-US" dirty="0">
-                        <a:latin typeface="맑은 고딕" panose="020B0503020000020004" pitchFamily="34" charset="-127"/>
-                        <a:ea typeface="맑은 고딕" panose="020B0503020000020004" pitchFamily="34" charset="-127"/>
-                      </a:endParaRPr>
                     </a:p>
                   </a:txBody>
-                  <a:tcPr anchor="ctr" anchorCtr="1">
+                  <a:tcPr marL="7620" marR="7620" marT="7620" marB="0" anchor="ctr">
                     <a:noFill/>
                   </a:tcPr>
                 </a:tc>
@@ -11864,26 +11921,21 @@
                     <a:bodyPr/>
                     <a:lstStyle/>
                     <a:p>
-                      <a:pPr lvl="0" algn="ctr">
-                        <a:buNone/>
-                      </a:pPr>
+                      <a:pPr marL="0" algn="ctr" defTabSz="2194560" rtl="0" eaLnBrk="1" fontAlgn="ctr" latinLnBrk="1" hangingPunct="1"/>
                       <a:r>
-                        <a:rPr lang="en-US" altLang="ko-KR" dirty="0">
+                        <a:rPr lang="en-US" altLang="ko-KR" sz="2880" kern="1200" dirty="0">
                           <a:solidFill>
                             <a:schemeClr val="bg1"/>
                           </a:solidFill>
                           <a:latin typeface="맑은 고딕" panose="020B0503020000020004" pitchFamily="34" charset="-127"/>
                           <a:ea typeface="맑은 고딕" panose="020B0503020000020004" pitchFamily="34" charset="-127"/>
+                          <a:cs typeface="+mn-cs"/>
                         </a:rPr>
-                        <a:t>8.4</a:t>
+                        <a:t>14.0</a:t>
                       </a:r>
-                      <a:endParaRPr lang="en-US" altLang="ko-KR" dirty="0">
-                        <a:latin typeface="맑은 고딕" panose="020B0503020000020004" pitchFamily="34" charset="-127"/>
-                        <a:ea typeface="맑은 고딕" panose="020B0503020000020004" pitchFamily="34" charset="-127"/>
-                      </a:endParaRPr>
                     </a:p>
                   </a:txBody>
-                  <a:tcPr anchor="ctr" anchorCtr="1">
+                  <a:tcPr marL="7620" marR="7620" marT="7620" marB="0" anchor="ctr">
                     <a:noFill/>
                   </a:tcPr>
                 </a:tc>
@@ -11921,20 +11973,21 @@
                     <a:bodyPr/>
                     <a:lstStyle/>
                     <a:p>
-                      <a:pPr algn="ctr" latinLnBrk="1"/>
+                      <a:pPr marL="0" algn="ctr" defTabSz="2194560" rtl="0" eaLnBrk="1" fontAlgn="b" latinLnBrk="1" hangingPunct="1"/>
                       <a:r>
-                        <a:rPr lang="ko-KR" altLang="en-US" dirty="0">
+                        <a:rPr lang="ko-KR" altLang="en-US" sz="2880" kern="1200">
                           <a:solidFill>
                             <a:schemeClr val="bg1"/>
                           </a:solidFill>
                           <a:latin typeface="맑은 고딕" panose="020B0503020000020004" pitchFamily="34" charset="-127"/>
                           <a:ea typeface="맑은 고딕" panose="020B0503020000020004" pitchFamily="34" charset="-127"/>
+                          <a:cs typeface="+mn-cs"/>
                         </a:rPr>
-                        <a:t>김건영</a:t>
+                        <a:t>설찬수</a:t>
                       </a:r>
                     </a:p>
                   </a:txBody>
-                  <a:tcPr anchor="ctr" anchorCtr="1">
+                  <a:tcPr marL="7620" marR="7620" marT="7620" marB="0" anchor="ctr">
                     <a:noFill/>
                   </a:tcPr>
                 </a:tc>
@@ -11943,22 +11996,21 @@
                     <a:bodyPr/>
                     <a:lstStyle/>
                     <a:p>
-                      <a:pPr lvl="0" algn="ctr">
-                        <a:buNone/>
-                      </a:pPr>
+                      <a:pPr marL="0" algn="ctr" defTabSz="2194560" rtl="0" eaLnBrk="1" fontAlgn="b" latinLnBrk="1" hangingPunct="1"/>
                       <a:r>
-                        <a:rPr lang="en-US" altLang="ko-KR" dirty="0">
+                        <a:rPr lang="en-US" altLang="ko-KR" sz="2880" kern="1200" dirty="0">
                           <a:solidFill>
                             <a:schemeClr val="bg1"/>
                           </a:solidFill>
                           <a:latin typeface="맑은 고딕" panose="020B0503020000020004" pitchFamily="34" charset="-127"/>
                           <a:ea typeface="맑은 고딕" panose="020B0503020000020004" pitchFamily="34" charset="-127"/>
+                          <a:cs typeface="+mn-cs"/>
                         </a:rPr>
-                        <a:t>59</a:t>
+                        <a:t>13</a:t>
                       </a:r>
                     </a:p>
                   </a:txBody>
-                  <a:tcPr anchor="ctr" anchorCtr="1">
+                  <a:tcPr marL="7620" marR="7620" marT="7620" marB="0" anchor="ctr">
                     <a:noFill/>
                   </a:tcPr>
                 </a:tc>
@@ -11967,22 +12019,21 @@
                     <a:bodyPr/>
                     <a:lstStyle/>
                     <a:p>
-                      <a:pPr lvl="0" algn="ctr">
-                        <a:buNone/>
-                      </a:pPr>
+                      <a:pPr marL="0" algn="ctr" defTabSz="2194560" rtl="0" eaLnBrk="1" fontAlgn="ctr" latinLnBrk="1" hangingPunct="1"/>
                       <a:r>
-                        <a:rPr lang="en-US" altLang="ko-KR" dirty="0">
+                        <a:rPr lang="en-US" altLang="ko-KR" sz="2880" kern="1200" dirty="0">
                           <a:solidFill>
                             <a:schemeClr val="bg1"/>
                           </a:solidFill>
                           <a:latin typeface="맑은 고딕" panose="020B0503020000020004" pitchFamily="34" charset="-127"/>
                           <a:ea typeface="맑은 고딕" panose="020B0503020000020004" pitchFamily="34" charset="-127"/>
+                          <a:cs typeface="+mn-cs"/>
                         </a:rPr>
-                        <a:t>7.4</a:t>
+                        <a:t>13.0</a:t>
                       </a:r>
                     </a:p>
                   </a:txBody>
-                  <a:tcPr anchor="ctr" anchorCtr="1">
+                  <a:tcPr marL="7620" marR="7620" marT="7620" marB="0" anchor="ctr">
                     <a:noFill/>
                   </a:tcPr>
                 </a:tc>
@@ -12067,7 +12118,7 @@
         <p:spPr>
           <a:xfrm>
             <a:off x="19302442" y="2250949"/>
-            <a:ext cx="7215437" cy="830997"/>
+            <a:ext cx="8244565" cy="830997"/>
           </a:xfrm>
           <a:prstGeom prst="rect">
             <a:avLst/>
@@ -12095,7 +12146,7 @@
                 <a:ea typeface="+mj-ea"/>
                 <a:cs typeface="Microsoft GothicNeo"/>
               </a:rPr>
-              <a:t>: 8/1 – 8/10</a:t>
+              <a:t>: 12/01 – 12/03</a:t>
             </a:r>
           </a:p>
         </p:txBody>
@@ -12147,17 +12198,11 @@
           <p:cNvGraphicFramePr>
             <a:graphicFrameLocks noGrp="1"/>
           </p:cNvGraphicFramePr>
-          <p:nvPr>
-            <p:extLst>
-              <p:ext uri="{D42A27DB-BD31-4B8C-83A1-F6EECF244321}">
-                <p14:modId xmlns:p14="http://schemas.microsoft.com/office/powerpoint/2010/main" val="214513041"/>
-              </p:ext>
-            </p:extLst>
-          </p:nvPr>
+          <p:nvPr/>
         </p:nvGraphicFramePr>
         <p:xfrm>
           <a:off x="9595192" y="630180"/>
-          <a:ext cx="7587062" cy="5400001"/>
+          <a:ext cx="7587062" cy="4082491"/>
         </p:xfrm>
         <a:graphic>
           <a:graphicData uri="http://schemas.openxmlformats.org/drawingml/2006/table">
@@ -12409,90 +12454,6 @@
                   </a:ext>
                 </a:extLst>
               </a:tr>
-              <a:tr h="1317510">
-                <a:tc>
-                  <a:txBody>
-                    <a:bodyPr/>
-                    <a:lstStyle/>
-                    <a:p>
-                      <a:pPr marL="0" marR="0" lvl="0" indent="0" algn="ctr" defTabSz="2194560" rtl="0" eaLnBrk="1" fontAlgn="auto" latinLnBrk="0" hangingPunct="1">
-                        <a:lnSpc>
-                          <a:spcPct val="100000"/>
-                        </a:lnSpc>
-                        <a:spcBef>
-                          <a:spcPts val="0"/>
-                        </a:spcBef>
-                        <a:spcAft>
-                          <a:spcPts val="0"/>
-                        </a:spcAft>
-                        <a:buClrTx/>
-                        <a:buSzTx/>
-                        <a:buFontTx/>
-                        <a:buNone/>
-                        <a:tabLst/>
-                        <a:defRPr/>
-                      </a:pPr>
-                      <a:r>
-                        <a:rPr lang="en-US" sz="4800" b="0" i="0" dirty="0">
-                          <a:solidFill>
-                            <a:schemeClr val="bg1"/>
-                          </a:solidFill>
-                          <a:latin typeface="+mn-lt"/>
-                          <a:ea typeface="NanumSquare" panose="020B0600000101010101" pitchFamily="34" charset="-127"/>
-                        </a:rPr>
-                        <a:t>G4,5</a:t>
-                      </a:r>
-                    </a:p>
-                  </a:txBody>
-                  <a:tcPr anchor="ctr">
-                    <a:noFill/>
-                  </a:tcPr>
-                </a:tc>
-                <a:tc>
-                  <a:txBody>
-                    <a:bodyPr/>
-                    <a:lstStyle/>
-                    <a:p>
-                      <a:pPr algn="ctr"/>
-                      <a:r>
-                        <a:rPr lang="en-US" altLang="ko-KR" sz="4800" b="0" i="0" dirty="0">
-                          <a:solidFill>
-                            <a:schemeClr val="bg1"/>
-                          </a:solidFill>
-                          <a:latin typeface="+mn-lt"/>
-                          <a:ea typeface="NanumSquare" panose="020B0600000101010101" pitchFamily="34" charset="-127"/>
-                        </a:rPr>
-                        <a:t>4</a:t>
-                      </a:r>
-                      <a:r>
-                        <a:rPr lang="ko-KR" altLang="en-US" sz="4800" b="0" i="0" dirty="0">
-                          <a:solidFill>
-                            <a:schemeClr val="bg1"/>
-                          </a:solidFill>
-                          <a:latin typeface="+mn-lt"/>
-                          <a:ea typeface="NanumSquare" panose="020B0600000101010101" pitchFamily="34" charset="-127"/>
-                        </a:rPr>
-                        <a:t>개</a:t>
-                      </a:r>
-                      <a:endParaRPr lang="en-US" sz="4800" b="0" i="0" dirty="0">
-                        <a:solidFill>
-                          <a:schemeClr val="bg1"/>
-                        </a:solidFill>
-                        <a:latin typeface="+mn-lt"/>
-                        <a:ea typeface="NanumSquare" panose="020B0600000101010101" pitchFamily="34" charset="-127"/>
-                      </a:endParaRPr>
-                    </a:p>
-                  </a:txBody>
-                  <a:tcPr anchor="ctr">
-                    <a:noFill/>
-                  </a:tcPr>
-                </a:tc>
-                <a:extLst>
-                  <a:ext uri="{0D108BD9-81ED-4DB2-BD59-A6C34878D82A}">
-                    <a16:rowId xmlns:a16="http://schemas.microsoft.com/office/drawing/2014/main" val="801820793"/>
-                  </a:ext>
-                </a:extLst>
-              </a:tr>
             </a:tbl>
           </a:graphicData>
         </a:graphic>
@@ -12511,7 +12472,7 @@
         </p:nvSpPr>
         <p:spPr>
           <a:xfrm>
-            <a:off x="11458575" y="14409258"/>
+            <a:off x="13443886" y="14865608"/>
             <a:ext cx="11447357" cy="1117728"/>
           </a:xfrm>
           <a:prstGeom prst="rect">
@@ -12543,7 +12504,7 @@
                 <a:ea typeface="맑은 고딕" panose="020B0503020000020004" pitchFamily="50" charset="-127"/>
                 <a:cs typeface="Times New Roman" panose="02020603050405020304" pitchFamily="18" charset="0"/>
               </a:rPr>
-              <a:t>당신이 열정적이고 자신감 있게 일하면</a:t>
+              <a:t>목표를 이루기 위해서는 끈기와 인내심이 필요합니다</a:t>
             </a:r>
             <a:r>
               <a:rPr lang="en-US" altLang="ko-KR" sz="3600" kern="100" dirty="0">
@@ -12555,7 +12516,7 @@
                 <a:ea typeface="맑은 고딕" panose="020B0503020000020004" pitchFamily="50" charset="-127"/>
                 <a:cs typeface="Times New Roman" panose="02020603050405020304" pitchFamily="18" charset="0"/>
               </a:rPr>
-              <a:t>, </a:t>
+              <a:t>.</a:t>
             </a:r>
           </a:p>
           <a:p>
@@ -12572,19 +12533,17 @@
                 <a:solidFill>
                   <a:schemeClr val="bg1"/>
                 </a:solidFill>
-                <a:effectLst/>
                 <a:latin typeface="맑은 고딕" panose="020B0503020000020004" pitchFamily="50" charset="-127"/>
                 <a:ea typeface="맑은 고딕" panose="020B0503020000020004" pitchFamily="50" charset="-127"/>
                 <a:cs typeface="Times New Roman" panose="02020603050405020304" pitchFamily="18" charset="0"/>
               </a:rPr>
-              <a:t>그것이 당신의 인생과 성공에 긍정적인 영향을 미칩니다</a:t>
+              <a:t>성공하는 사람들은 목표를 포기하지 않고 끝까지 노력합니다</a:t>
             </a:r>
             <a:r>
               <a:rPr lang="en-US" altLang="ko-KR" sz="3600" kern="100" dirty="0">
                 <a:solidFill>
                   <a:schemeClr val="bg1"/>
                 </a:solidFill>
-                <a:effectLst/>
                 <a:latin typeface="맑은 고딕" panose="020B0503020000020004" pitchFamily="50" charset="-127"/>
                 <a:ea typeface="맑은 고딕" panose="020B0503020000020004" pitchFamily="50" charset="-127"/>
                 <a:cs typeface="Times New Roman" panose="02020603050405020304" pitchFamily="18" charset="0"/>
@@ -12618,11 +12577,12 @@
                 <a:solidFill>
                   <a:schemeClr val="bg1"/>
                 </a:solidFill>
+                <a:effectLst/>
                 <a:latin typeface="맑은 고딕" panose="020B0503020000020004" pitchFamily="50" charset="-127"/>
                 <a:ea typeface="맑은 고딕" panose="020B0503020000020004" pitchFamily="50" charset="-127"/>
                 <a:cs typeface="Times New Roman" panose="02020603050405020304" pitchFamily="18" charset="0"/>
               </a:rPr>
-              <a:t>스티븐 잡스 </a:t>
+              <a:t>존 </a:t>
             </a:r>
             <a:r>
               <a:rPr lang="en-US" altLang="ko-KR" sz="3600" kern="100" dirty="0">
@@ -12634,7 +12594,31 @@
                 <a:ea typeface="맑은 고딕" panose="020B0503020000020004" pitchFamily="50" charset="-127"/>
                 <a:cs typeface="Times New Roman" panose="02020603050405020304" pitchFamily="18" charset="0"/>
               </a:rPr>
-              <a:t>-</a:t>
+              <a:t>C. </a:t>
+            </a:r>
+            <a:r>
+              <a:rPr lang="ko-KR" altLang="en-US" sz="3600" kern="100" dirty="0">
+                <a:solidFill>
+                  <a:schemeClr val="bg1"/>
+                </a:solidFill>
+                <a:effectLst/>
+                <a:latin typeface="맑은 고딕" panose="020B0503020000020004" pitchFamily="50" charset="-127"/>
+                <a:ea typeface="맑은 고딕" panose="020B0503020000020004" pitchFamily="50" charset="-127"/>
+                <a:cs typeface="Times New Roman" panose="02020603050405020304" pitchFamily="18" charset="0"/>
+              </a:rPr>
+              <a:t>맥스웰 </a:t>
+            </a:r>
+            <a:r>
+              <a:rPr lang="en-US" altLang="ko-KR" sz="3600" kern="100" dirty="0">
+                <a:solidFill>
+                  <a:schemeClr val="bg1"/>
+                </a:solidFill>
+                <a:effectLst/>
+                <a:latin typeface="맑은 고딕" panose="020B0503020000020004" pitchFamily="50" charset="-127"/>
+                <a:ea typeface="맑은 고딕" panose="020B0503020000020004" pitchFamily="50" charset="-127"/>
+                <a:cs typeface="Times New Roman" panose="02020603050405020304" pitchFamily="18" charset="0"/>
+              </a:rPr>
+              <a:t>- </a:t>
             </a:r>
             <a:endParaRPr lang="ko-KR" altLang="ko-KR" sz="3600" kern="100" dirty="0">
               <a:solidFill>
@@ -12651,7 +12635,7 @@
     </p:spTree>
     <p:extLst>
       <p:ext uri="{BB962C8B-B14F-4D97-AF65-F5344CB8AC3E}">
-        <p14:creationId xmlns:p14="http://schemas.microsoft.com/office/powerpoint/2010/main" val="3426754923"/>
+        <p14:creationId xmlns:p14="http://schemas.microsoft.com/office/powerpoint/2010/main" val="3646744712"/>
       </p:ext>
     </p:extLst>
   </p:cSld>
@@ -13671,15 +13655,6 @@
 </file>
 
 <file path=customXml/item1.xml><?xml version="1.0" encoding="utf-8"?>
-<?mso-contentType ?>
-<FormTemplates xmlns="http://schemas.microsoft.com/sharepoint/v3/contenttype/forms">
-  <Display>DocumentLibraryForm</Display>
-  <Edit>DocumentLibraryForm</Edit>
-  <New>DocumentLibraryForm</New>
-</FormTemplates>
-</file>
-
-<file path=customXml/item2.xml><?xml version="1.0" encoding="utf-8"?>
 <p:properties xmlns:p="http://schemas.microsoft.com/office/2006/metadata/properties" xmlns:xsi="http://www.w3.org/2001/XMLSchema-instance" xmlns:pc="http://schemas.microsoft.com/office/infopath/2007/PartnerControls">
   <documentManagement>
     <SharedWithUsers xmlns="3d525d2d-5b72-4841-9afe-db519bdcda0b">
@@ -13691,6 +13666,15 @@
     </SharedWithUsers>
   </documentManagement>
 </p:properties>
+</file>
+
+<file path=customXml/item2.xml><?xml version="1.0" encoding="utf-8"?>
+<?mso-contentType ?>
+<FormTemplates xmlns="http://schemas.microsoft.com/sharepoint/v3/contenttype/forms">
+  <Display>DocumentLibraryForm</Display>
+  <Edit>DocumentLibraryForm</Edit>
+  <New>DocumentLibraryForm</New>
+</FormTemplates>
 </file>
 
 <file path=customXml/item3.xml><?xml version="1.0" encoding="utf-8"?>
@@ -13859,14 +13843,6 @@
 </file>
 
 <file path=customXml/itemProps1.xml><?xml version="1.0" encoding="utf-8"?>
-<ds:datastoreItem xmlns:ds="http://schemas.openxmlformats.org/officeDocument/2006/customXml" ds:itemID="{F9C8038F-EDD8-4449-A665-572930071164}">
-  <ds:schemaRefs>
-    <ds:schemaRef ds:uri="http://schemas.microsoft.com/sharepoint/v3/contenttype/forms"/>
-  </ds:schemaRefs>
-</ds:datastoreItem>
-</file>
-
-<file path=customXml/itemProps2.xml><?xml version="1.0" encoding="utf-8"?>
 <ds:datastoreItem xmlns:ds="http://schemas.openxmlformats.org/officeDocument/2006/customXml" ds:itemID="{B2F3CF7F-2DD0-4238-9381-9DEDFFA46802}">
   <ds:schemaRefs>
     <ds:schemaRef ds:uri="http://schemas.microsoft.com/office/2006/documentManagement/types"/>
@@ -13879,6 +13855,14 @@
     <ds:schemaRef ds:uri="http://www.w3.org/XML/1998/namespace"/>
     <ds:schemaRef ds:uri="http://schemas.microsoft.com/office/infopath/2007/PartnerControls"/>
     <ds:schemaRef ds:uri="http://schemas.openxmlformats.org/package/2006/metadata/core-properties"/>
+  </ds:schemaRefs>
+</ds:datastoreItem>
+</file>
+
+<file path=customXml/itemProps2.xml><?xml version="1.0" encoding="utf-8"?>
+<ds:datastoreItem xmlns:ds="http://schemas.openxmlformats.org/officeDocument/2006/customXml" ds:itemID="{F9C8038F-EDD8-4449-A665-572930071164}">
+  <ds:schemaRefs>
+    <ds:schemaRef ds:uri="http://schemas.microsoft.com/sharepoint/v3/contenttype/forms"/>
   </ds:schemaRefs>
 </ds:datastoreItem>
 </file>

--- a/KR-Wallpaper.pptx
+++ b/KR-Wallpaper.pptx
@@ -11,30 +11,23 @@
     <p:handoutMasterId r:id="rId7"/>
   </p:handoutMasterIdLst>
   <p:sldIdLst>
-    <p:sldId id="613" r:id="rId5"/>
+    <p:sldId id="620" r:id="rId5"/>
   </p:sldIdLst>
   <p:sldSz cx="29260800" cy="16459200"/>
   <p:notesSz cx="6858000" cy="9144000"/>
   <p:embeddedFontLst>
     <p:embeddedFont>
-      <p:font typeface="Calibri" panose="020F0502020204030204" pitchFamily="34" charset="0"/>
+      <p:font typeface="돋움" panose="020B0600000101010101" pitchFamily="50" charset="-127"/>
       <p:regular r:id="rId8"/>
-      <p:bold r:id="rId9"/>
-      <p:italic r:id="rId10"/>
-      <p:boldItalic r:id="rId11"/>
-    </p:embeddedFont>
-    <p:embeddedFont>
-      <p:font typeface="돋움" panose="020B0600000101010101" pitchFamily="50" charset="-127"/>
-      <p:regular r:id="rId12"/>
     </p:embeddedFont>
     <p:embeddedFont>
       <p:font typeface="맑은 고딕" panose="020B0503020000020004" pitchFamily="50" charset="-127"/>
-      <p:regular r:id="rId13"/>
-      <p:bold r:id="rId14"/>
+      <p:regular r:id="rId9"/>
+      <p:bold r:id="rId10"/>
     </p:embeddedFont>
   </p:embeddedFontLst>
   <p:custDataLst>
-    <p:tags r:id="rId15"/>
+    <p:tags r:id="rId11"/>
   </p:custDataLst>
   <p:defaultTextStyle>
     <a:defPPr>
@@ -145,7 +138,7 @@
 <file path=ppt/revisionInfo.xml><?xml version="1.0" encoding="utf-8"?>
 <p1510:revInfo xmlns:a="http://schemas.openxmlformats.org/drawingml/2006/main" xmlns:r="http://schemas.openxmlformats.org/officeDocument/2006/relationships" xmlns:p1510="http://schemas.microsoft.com/office/powerpoint/2015/10/main">
   <p1510:revLst>
-    <p1510:client id="{C5209064-C04E-4589-956D-93D97AAA30D7}" v="391" dt="2023-12-04T00:06:54.300"/>
+    <p1510:client id="{C5209064-C04E-4589-956D-93D97AAA30D7}" v="769" dt="2024-04-23T23:55:28.054"/>
   </p1510:revLst>
 </p1510:revInfo>
 </file>
@@ -355,7 +348,7 @@
   <pc:docChgLst>
     <pc:chgData name="Dongmyeong Kim" userId="d517eb38-f897-4a85-b305-3233dcf5c226" providerId="ADAL" clId="{C5209064-C04E-4589-956D-93D97AAA30D7}"/>
     <pc:docChg chg="undo custSel addSld delSld modSld">
-      <pc:chgData name="Dongmyeong Kim" userId="d517eb38-f897-4a85-b305-3233dcf5c226" providerId="ADAL" clId="{C5209064-C04E-4589-956D-93D97AAA30D7}" dt="2023-12-04T00:07:00.385" v="7711" actId="47"/>
+      <pc:chgData name="Dongmyeong Kim" userId="d517eb38-f897-4a85-b305-3233dcf5c226" providerId="ADAL" clId="{C5209064-C04E-4589-956D-93D97AAA30D7}" dt="2024-04-23T23:55:28.605" v="11452" actId="108"/>
       <pc:docMkLst>
         <pc:docMk/>
       </pc:docMkLst>
@@ -437,11 +430,19 @@
         </pc:sldMkLst>
       </pc:sldChg>
       <pc:sldChg chg="modSp add mod">
-        <pc:chgData name="Dongmyeong Kim" userId="d517eb38-f897-4a85-b305-3233dcf5c226" providerId="ADAL" clId="{C5209064-C04E-4589-956D-93D97AAA30D7}" dt="2023-12-04T00:06:54.300" v="7710"/>
+        <pc:chgData name="Dongmyeong Kim" userId="d517eb38-f897-4a85-b305-3233dcf5c226" providerId="ADAL" clId="{C5209064-C04E-4589-956D-93D97AAA30D7}" dt="2023-12-08T00:53:12.003" v="8349" actId="20577"/>
         <pc:sldMkLst>
           <pc:docMk/>
           <pc:sldMk cId="3646744712" sldId="613"/>
         </pc:sldMkLst>
+        <pc:spChg chg="mod">
+          <ac:chgData name="Dongmyeong Kim" userId="d517eb38-f897-4a85-b305-3233dcf5c226" providerId="ADAL" clId="{C5209064-C04E-4589-956D-93D97AAA30D7}" dt="2023-12-08T00:52:06.656" v="8193" actId="20577"/>
+          <ac:spMkLst>
+            <pc:docMk/>
+            <pc:sldMk cId="3646744712" sldId="613"/>
+            <ac:spMk id="23" creationId="{1A9FABBC-2413-B47B-32E8-4489F42DFA1F}"/>
+          </ac:spMkLst>
+        </pc:spChg>
         <pc:spChg chg="mod">
           <ac:chgData name="Dongmyeong Kim" userId="d517eb38-f897-4a85-b305-3233dcf5c226" providerId="ADAL" clId="{C5209064-C04E-4589-956D-93D97AAA30D7}" dt="2023-12-04T00:06:54.300" v="7710"/>
           <ac:spMkLst>
@@ -451,7 +452,7 @@
           </ac:spMkLst>
         </pc:spChg>
         <pc:graphicFrameChg chg="mod modGraphic">
-          <ac:chgData name="Dongmyeong Kim" userId="d517eb38-f897-4a85-b305-3233dcf5c226" providerId="ADAL" clId="{C5209064-C04E-4589-956D-93D97AAA30D7}" dt="2023-12-04T00:05:59.742" v="7504" actId="20577"/>
+          <ac:chgData name="Dongmyeong Kim" userId="d517eb38-f897-4a85-b305-3233dcf5c226" providerId="ADAL" clId="{C5209064-C04E-4589-956D-93D97AAA30D7}" dt="2023-12-08T00:53:12.003" v="8349" actId="20577"/>
           <ac:graphicFrameMkLst>
             <pc:docMk/>
             <pc:sldMk cId="3646744712" sldId="613"/>
@@ -465,6 +466,773 @@
           <pc:docMk/>
           <pc:sldMk cId="3896549250" sldId="613"/>
         </pc:sldMkLst>
+      </pc:sldChg>
+      <pc:sldChg chg="modSp del mod">
+        <pc:chgData name="Dongmyeong Kim" userId="d517eb38-f897-4a85-b305-3233dcf5c226" providerId="ADAL" clId="{C5209064-C04E-4589-956D-93D97AAA30D7}" dt="2023-12-26T23:48:44.908" v="8774" actId="47"/>
+        <pc:sldMkLst>
+          <pc:docMk/>
+          <pc:sldMk cId="1015831595" sldId="615"/>
+        </pc:sldMkLst>
+        <pc:spChg chg="mod">
+          <ac:chgData name="Dongmyeong Kim" userId="d517eb38-f897-4a85-b305-3233dcf5c226" providerId="ADAL" clId="{C5209064-C04E-4589-956D-93D97AAA30D7}" dt="2023-12-26T23:42:35.833" v="8768" actId="20577"/>
+          <ac:spMkLst>
+            <pc:docMk/>
+            <pc:sldMk cId="1015831595" sldId="615"/>
+            <ac:spMk id="23" creationId="{1A9FABBC-2413-B47B-32E8-4489F42DFA1F}"/>
+          </ac:spMkLst>
+        </pc:spChg>
+        <pc:spChg chg="mod">
+          <ac:chgData name="Dongmyeong Kim" userId="d517eb38-f897-4a85-b305-3233dcf5c226" providerId="ADAL" clId="{C5209064-C04E-4589-956D-93D97AAA30D7}" dt="2023-12-25T23:35:58.174" v="8760"/>
+          <ac:spMkLst>
+            <pc:docMk/>
+            <pc:sldMk cId="1015831595" sldId="615"/>
+            <ac:spMk id="29" creationId="{8484D90C-DBF4-B9D9-83A3-77F2315749FA}"/>
+          </ac:spMkLst>
+        </pc:spChg>
+        <pc:graphicFrameChg chg="mod modGraphic">
+          <ac:chgData name="Dongmyeong Kim" userId="d517eb38-f897-4a85-b305-3233dcf5c226" providerId="ADAL" clId="{C5209064-C04E-4589-956D-93D97AAA30D7}" dt="2023-12-26T23:48:34.577" v="8771"/>
+          <ac:graphicFrameMkLst>
+            <pc:docMk/>
+            <pc:sldMk cId="1015831595" sldId="615"/>
+            <ac:graphicFrameMk id="21" creationId="{3D0B9901-0AEA-28F1-0FEE-B6E27488074C}"/>
+          </ac:graphicFrameMkLst>
+        </pc:graphicFrameChg>
+      </pc:sldChg>
+      <pc:sldChg chg="modSp add del">
+        <pc:chgData name="Dongmyeong Kim" userId="d517eb38-f897-4a85-b305-3233dcf5c226" providerId="ADAL" clId="{C5209064-C04E-4589-956D-93D97AAA30D7}" dt="2023-12-19T23:53:16.199" v="8612" actId="47"/>
+        <pc:sldMkLst>
+          <pc:docMk/>
+          <pc:sldMk cId="498161636" sldId="616"/>
+        </pc:sldMkLst>
+        <pc:graphicFrameChg chg="mod">
+          <ac:chgData name="Dongmyeong Kim" userId="d517eb38-f897-4a85-b305-3233dcf5c226" providerId="ADAL" clId="{C5209064-C04E-4589-956D-93D97AAA30D7}" dt="2023-12-18T11:53:55.839" v="8606"/>
+          <ac:graphicFrameMkLst>
+            <pc:docMk/>
+            <pc:sldMk cId="498161636" sldId="616"/>
+            <ac:graphicFrameMk id="21" creationId="{3D0B9901-0AEA-28F1-0FEE-B6E27488074C}"/>
+          </ac:graphicFrameMkLst>
+        </pc:graphicFrameChg>
+      </pc:sldChg>
+      <pc:sldChg chg="new del">
+        <pc:chgData name="Dongmyeong Kim" userId="d517eb38-f897-4a85-b305-3233dcf5c226" providerId="ADAL" clId="{C5209064-C04E-4589-956D-93D97AAA30D7}" dt="2023-12-18T11:53:38.247" v="8602" actId="47"/>
+        <pc:sldMkLst>
+          <pc:docMk/>
+          <pc:sldMk cId="1670027269" sldId="616"/>
+        </pc:sldMkLst>
+      </pc:sldChg>
+      <pc:sldChg chg="modSp add">
+        <pc:chgData name="Dongmyeong Kim" userId="d517eb38-f897-4a85-b305-3233dcf5c226" providerId="ADAL" clId="{C5209064-C04E-4589-956D-93D97AAA30D7}" dt="2023-12-19T23:56:56.971" v="8615"/>
+        <pc:sldMkLst>
+          <pc:docMk/>
+          <pc:sldMk cId="1680489271" sldId="616"/>
+        </pc:sldMkLst>
+        <pc:graphicFrameChg chg="mod">
+          <ac:chgData name="Dongmyeong Kim" userId="d517eb38-f897-4a85-b305-3233dcf5c226" providerId="ADAL" clId="{C5209064-C04E-4589-956D-93D97AAA30D7}" dt="2023-12-19T23:56:56.971" v="8615"/>
+          <ac:graphicFrameMkLst>
+            <pc:docMk/>
+            <pc:sldMk cId="1680489271" sldId="616"/>
+            <ac:graphicFrameMk id="21" creationId="{3D0B9901-0AEA-28F1-0FEE-B6E27488074C}"/>
+          </ac:graphicFrameMkLst>
+        </pc:graphicFrameChg>
+      </pc:sldChg>
+      <pc:sldChg chg="modSp add del">
+        <pc:chgData name="Dongmyeong Kim" userId="d517eb38-f897-4a85-b305-3233dcf5c226" providerId="ADAL" clId="{C5209064-C04E-4589-956D-93D97AAA30D7}" dt="2023-12-17T23:44:47.256" v="8594" actId="47"/>
+        <pc:sldMkLst>
+          <pc:docMk/>
+          <pc:sldMk cId="2622732962" sldId="616"/>
+        </pc:sldMkLst>
+        <pc:graphicFrameChg chg="mod">
+          <ac:chgData name="Dongmyeong Kim" userId="d517eb38-f897-4a85-b305-3233dcf5c226" providerId="ADAL" clId="{C5209064-C04E-4589-956D-93D97AAA30D7}" dt="2023-12-17T23:43:32.975" v="8379"/>
+          <ac:graphicFrameMkLst>
+            <pc:docMk/>
+            <pc:sldMk cId="2622732962" sldId="616"/>
+            <ac:graphicFrameMk id="21" creationId="{3D0B9901-0AEA-28F1-0FEE-B6E27488074C}"/>
+          </ac:graphicFrameMkLst>
+        </pc:graphicFrameChg>
+      </pc:sldChg>
+      <pc:sldChg chg="modSp add del">
+        <pc:chgData name="Dongmyeong Kim" userId="d517eb38-f897-4a85-b305-3233dcf5c226" providerId="ADAL" clId="{C5209064-C04E-4589-956D-93D97AAA30D7}" dt="2023-12-25T23:37:23.721" v="8766" actId="47"/>
+        <pc:sldMkLst>
+          <pc:docMk/>
+          <pc:sldMk cId="3068350316" sldId="616"/>
+        </pc:sldMkLst>
+        <pc:graphicFrameChg chg="mod">
+          <ac:chgData name="Dongmyeong Kim" userId="d517eb38-f897-4a85-b305-3233dcf5c226" providerId="ADAL" clId="{C5209064-C04E-4589-956D-93D97AAA30D7}" dt="2023-12-25T23:37:14.199" v="8764"/>
+          <ac:graphicFrameMkLst>
+            <pc:docMk/>
+            <pc:sldMk cId="3068350316" sldId="616"/>
+            <ac:graphicFrameMk id="21" creationId="{3D0B9901-0AEA-28F1-0FEE-B6E27488074C}"/>
+          </ac:graphicFrameMkLst>
+        </pc:graphicFrameChg>
+      </pc:sldChg>
+      <pc:sldChg chg="modSp add del mod">
+        <pc:chgData name="Dongmyeong Kim" userId="d517eb38-f897-4a85-b305-3233dcf5c226" providerId="ADAL" clId="{C5209064-C04E-4589-956D-93D97AAA30D7}" dt="2023-12-14T10:19:21.901" v="8372" actId="47"/>
+        <pc:sldMkLst>
+          <pc:docMk/>
+          <pc:sldMk cId="3261038588" sldId="616"/>
+        </pc:sldMkLst>
+        <pc:graphicFrameChg chg="mod modGraphic">
+          <ac:chgData name="Dongmyeong Kim" userId="d517eb38-f897-4a85-b305-3233dcf5c226" providerId="ADAL" clId="{C5209064-C04E-4589-956D-93D97AAA30D7}" dt="2023-12-14T10:18:41.781" v="8362"/>
+          <ac:graphicFrameMkLst>
+            <pc:docMk/>
+            <pc:sldMk cId="3261038588" sldId="616"/>
+            <ac:graphicFrameMk id="21" creationId="{3D0B9901-0AEA-28F1-0FEE-B6E27488074C}"/>
+          </ac:graphicFrameMkLst>
+        </pc:graphicFrameChg>
+      </pc:sldChg>
+      <pc:sldChg chg="del">
+        <pc:chgData name="Dongmyeong Kim" userId="d517eb38-f897-4a85-b305-3233dcf5c226" providerId="ADAL" clId="{C5209064-C04E-4589-956D-93D97AAA30D7}" dt="2023-12-14T09:18:25.337" v="8352" actId="47"/>
+        <pc:sldMkLst>
+          <pc:docMk/>
+          <pc:sldMk cId="3363921842" sldId="616"/>
+        </pc:sldMkLst>
+      </pc:sldChg>
+      <pc:sldChg chg="modSp add del mod">
+        <pc:chgData name="Dongmyeong Kim" userId="d517eb38-f897-4a85-b305-3233dcf5c226" providerId="ADAL" clId="{C5209064-C04E-4589-956D-93D97AAA30D7}" dt="2024-01-29T23:38:45.941" v="9421" actId="47"/>
+        <pc:sldMkLst>
+          <pc:docMk/>
+          <pc:sldMk cId="3926132839" sldId="616"/>
+        </pc:sldMkLst>
+        <pc:spChg chg="mod">
+          <ac:chgData name="Dongmyeong Kim" userId="d517eb38-f897-4a85-b305-3233dcf5c226" providerId="ADAL" clId="{C5209064-C04E-4589-956D-93D97AAA30D7}" dt="2024-01-24T10:27:39.180" v="9204" actId="1076"/>
+          <ac:spMkLst>
+            <pc:docMk/>
+            <pc:sldMk cId="3926132839" sldId="616"/>
+            <ac:spMk id="22" creationId="{CD33B719-BAAC-7E42-D03F-4353FA99D0B4}"/>
+          </ac:spMkLst>
+        </pc:spChg>
+        <pc:spChg chg="mod">
+          <ac:chgData name="Dongmyeong Kim" userId="d517eb38-f897-4a85-b305-3233dcf5c226" providerId="ADAL" clId="{C5209064-C04E-4589-956D-93D97AAA30D7}" dt="2024-01-29T23:36:22.821" v="9415" actId="20577"/>
+          <ac:spMkLst>
+            <pc:docMk/>
+            <pc:sldMk cId="3926132839" sldId="616"/>
+            <ac:spMk id="23" creationId="{1A9FABBC-2413-B47B-32E8-4489F42DFA1F}"/>
+          </ac:spMkLst>
+        </pc:spChg>
+        <pc:spChg chg="mod">
+          <ac:chgData name="Dongmyeong Kim" userId="d517eb38-f897-4a85-b305-3233dcf5c226" providerId="ADAL" clId="{C5209064-C04E-4589-956D-93D97AAA30D7}" dt="2024-01-28T23:48:45.119" v="9412" actId="20577"/>
+          <ac:spMkLst>
+            <pc:docMk/>
+            <pc:sldMk cId="3926132839" sldId="616"/>
+            <ac:spMk id="29" creationId="{8484D90C-DBF4-B9D9-83A3-77F2315749FA}"/>
+          </ac:spMkLst>
+        </pc:spChg>
+        <pc:graphicFrameChg chg="mod modGraphic">
+          <ac:chgData name="Dongmyeong Kim" userId="d517eb38-f897-4a85-b305-3233dcf5c226" providerId="ADAL" clId="{C5209064-C04E-4589-956D-93D97AAA30D7}" dt="2024-01-29T23:38:39.737" v="9418"/>
+          <ac:graphicFrameMkLst>
+            <pc:docMk/>
+            <pc:sldMk cId="3926132839" sldId="616"/>
+            <ac:graphicFrameMk id="21" creationId="{3D0B9901-0AEA-28F1-0FEE-B6E27488074C}"/>
+          </ac:graphicFrameMkLst>
+        </pc:graphicFrameChg>
+      </pc:sldChg>
+      <pc:sldChg chg="modSp add del mod">
+        <pc:chgData name="Dongmyeong Kim" userId="d517eb38-f897-4a85-b305-3233dcf5c226" providerId="ADAL" clId="{C5209064-C04E-4589-956D-93D97AAA30D7}" dt="2024-02-14T23:42:33.686" v="9681" actId="47"/>
+        <pc:sldMkLst>
+          <pc:docMk/>
+          <pc:sldMk cId="1063019193" sldId="617"/>
+        </pc:sldMkLst>
+        <pc:spChg chg="mod">
+          <ac:chgData name="Dongmyeong Kim" userId="d517eb38-f897-4a85-b305-3233dcf5c226" providerId="ADAL" clId="{C5209064-C04E-4589-956D-93D97AAA30D7}" dt="2024-02-14T23:41:12.938" v="9676" actId="20577"/>
+          <ac:spMkLst>
+            <pc:docMk/>
+            <pc:sldMk cId="1063019193" sldId="617"/>
+            <ac:spMk id="23" creationId="{1A9FABBC-2413-B47B-32E8-4489F42DFA1F}"/>
+          </ac:spMkLst>
+        </pc:spChg>
+        <pc:spChg chg="mod">
+          <ac:chgData name="Dongmyeong Kim" userId="d517eb38-f897-4a85-b305-3233dcf5c226" providerId="ADAL" clId="{C5209064-C04E-4589-956D-93D97AAA30D7}" dt="2024-02-02T06:12:31.662" v="9652" actId="20577"/>
+          <ac:spMkLst>
+            <pc:docMk/>
+            <pc:sldMk cId="1063019193" sldId="617"/>
+            <ac:spMk id="29" creationId="{8484D90C-DBF4-B9D9-83A3-77F2315749FA}"/>
+          </ac:spMkLst>
+        </pc:spChg>
+        <pc:graphicFrameChg chg="mod modGraphic">
+          <ac:chgData name="Dongmyeong Kim" userId="d517eb38-f897-4a85-b305-3233dcf5c226" providerId="ADAL" clId="{C5209064-C04E-4589-956D-93D97AAA30D7}" dt="2024-02-14T23:42:25.660" v="9679"/>
+          <ac:graphicFrameMkLst>
+            <pc:docMk/>
+            <pc:sldMk cId="1063019193" sldId="617"/>
+            <ac:graphicFrameMk id="21" creationId="{3D0B9901-0AEA-28F1-0FEE-B6E27488074C}"/>
+          </ac:graphicFrameMkLst>
+        </pc:graphicFrameChg>
+      </pc:sldChg>
+      <pc:sldChg chg="modSp add del">
+        <pc:chgData name="Dongmyeong Kim" userId="d517eb38-f897-4a85-b305-3233dcf5c226" providerId="ADAL" clId="{C5209064-C04E-4589-956D-93D97AAA30D7}" dt="2024-01-05T00:24:41.557" v="8819" actId="47"/>
+        <pc:sldMkLst>
+          <pc:docMk/>
+          <pc:sldMk cId="1258467990" sldId="617"/>
+        </pc:sldMkLst>
+        <pc:graphicFrameChg chg="mod">
+          <ac:chgData name="Dongmyeong Kim" userId="d517eb38-f897-4a85-b305-3233dcf5c226" providerId="ADAL" clId="{C5209064-C04E-4589-956D-93D97AAA30D7}" dt="2024-01-05T00:24:34.265" v="8816"/>
+          <ac:graphicFrameMkLst>
+            <pc:docMk/>
+            <pc:sldMk cId="1258467990" sldId="617"/>
+            <ac:graphicFrameMk id="21" creationId="{3D0B9901-0AEA-28F1-0FEE-B6E27488074C}"/>
+          </ac:graphicFrameMkLst>
+        </pc:graphicFrameChg>
+      </pc:sldChg>
+      <pc:sldChg chg="modSp add del">
+        <pc:chgData name="Dongmyeong Kim" userId="d517eb38-f897-4a85-b305-3233dcf5c226" providerId="ADAL" clId="{C5209064-C04E-4589-956D-93D97AAA30D7}" dt="2024-01-22T10:49:52.728" v="9194" actId="47"/>
+        <pc:sldMkLst>
+          <pc:docMk/>
+          <pc:sldMk cId="1679701359" sldId="617"/>
+        </pc:sldMkLst>
+        <pc:graphicFrameChg chg="mod">
+          <ac:chgData name="Dongmyeong Kim" userId="d517eb38-f897-4a85-b305-3233dcf5c226" providerId="ADAL" clId="{C5209064-C04E-4589-956D-93D97AAA30D7}" dt="2024-01-22T10:49:46.646" v="9191"/>
+          <ac:graphicFrameMkLst>
+            <pc:docMk/>
+            <pc:sldMk cId="1679701359" sldId="617"/>
+            <ac:graphicFrameMk id="21" creationId="{3D0B9901-0AEA-28F1-0FEE-B6E27488074C}"/>
+          </ac:graphicFrameMkLst>
+        </pc:graphicFrameChg>
+      </pc:sldChg>
+      <pc:sldChg chg="modSp add del">
+        <pc:chgData name="Dongmyeong Kim" userId="d517eb38-f897-4a85-b305-3233dcf5c226" providerId="ADAL" clId="{C5209064-C04E-4589-956D-93D97AAA30D7}" dt="2024-01-21T23:58:06.956" v="8990" actId="47"/>
+        <pc:sldMkLst>
+          <pc:docMk/>
+          <pc:sldMk cId="1719934841" sldId="617"/>
+        </pc:sldMkLst>
+        <pc:graphicFrameChg chg="mod">
+          <ac:chgData name="Dongmyeong Kim" userId="d517eb38-f897-4a85-b305-3233dcf5c226" providerId="ADAL" clId="{C5209064-C04E-4589-956D-93D97AAA30D7}" dt="2024-01-21T23:58:00.181" v="8987"/>
+          <ac:graphicFrameMkLst>
+            <pc:docMk/>
+            <pc:sldMk cId="1719934841" sldId="617"/>
+            <ac:graphicFrameMk id="21" creationId="{3D0B9901-0AEA-28F1-0FEE-B6E27488074C}"/>
+          </ac:graphicFrameMkLst>
+        </pc:graphicFrameChg>
+      </pc:sldChg>
+      <pc:sldChg chg="modSp add del">
+        <pc:chgData name="Dongmyeong Kim" userId="d517eb38-f897-4a85-b305-3233dcf5c226" providerId="ADAL" clId="{C5209064-C04E-4589-956D-93D97AAA30D7}" dt="2023-12-28T00:15:13.305" v="8785" actId="47"/>
+        <pc:sldMkLst>
+          <pc:docMk/>
+          <pc:sldMk cId="1932626365" sldId="617"/>
+        </pc:sldMkLst>
+        <pc:graphicFrameChg chg="mod">
+          <ac:chgData name="Dongmyeong Kim" userId="d517eb38-f897-4a85-b305-3233dcf5c226" providerId="ADAL" clId="{C5209064-C04E-4589-956D-93D97AAA30D7}" dt="2023-12-28T00:14:58.875" v="8781"/>
+          <ac:graphicFrameMkLst>
+            <pc:docMk/>
+            <pc:sldMk cId="1932626365" sldId="617"/>
+            <ac:graphicFrameMk id="21" creationId="{3D0B9901-0AEA-28F1-0FEE-B6E27488074C}"/>
+          </ac:graphicFrameMkLst>
+        </pc:graphicFrameChg>
+      </pc:sldChg>
+      <pc:sldChg chg="modSp add del">
+        <pc:chgData name="Dongmyeong Kim" userId="d517eb38-f897-4a85-b305-3233dcf5c226" providerId="ADAL" clId="{C5209064-C04E-4589-956D-93D97AAA30D7}" dt="2024-01-24T10:29:31.060" v="9214" actId="47"/>
+        <pc:sldMkLst>
+          <pc:docMk/>
+          <pc:sldMk cId="2071410783" sldId="617"/>
+        </pc:sldMkLst>
+        <pc:graphicFrameChg chg="mod">
+          <ac:chgData name="Dongmyeong Kim" userId="d517eb38-f897-4a85-b305-3233dcf5c226" providerId="ADAL" clId="{C5209064-C04E-4589-956D-93D97AAA30D7}" dt="2024-01-24T10:29:10.209" v="9212"/>
+          <ac:graphicFrameMkLst>
+            <pc:docMk/>
+            <pc:sldMk cId="2071410783" sldId="617"/>
+            <ac:graphicFrameMk id="21" creationId="{3D0B9901-0AEA-28F1-0FEE-B6E27488074C}"/>
+          </ac:graphicFrameMkLst>
+        </pc:graphicFrameChg>
+      </pc:sldChg>
+      <pc:sldChg chg="modSp add del">
+        <pc:chgData name="Dongmyeong Kim" userId="d517eb38-f897-4a85-b305-3233dcf5c226" providerId="ADAL" clId="{C5209064-C04E-4589-956D-93D97AAA30D7}" dt="2024-01-28T23:49:17.185" v="9413" actId="47"/>
+        <pc:sldMkLst>
+          <pc:docMk/>
+          <pc:sldMk cId="2347877411" sldId="617"/>
+        </pc:sldMkLst>
+        <pc:graphicFrameChg chg="mod">
+          <ac:chgData name="Dongmyeong Kim" userId="d517eb38-f897-4a85-b305-3233dcf5c226" providerId="ADAL" clId="{C5209064-C04E-4589-956D-93D97AAA30D7}" dt="2024-01-28T23:47:16.725" v="9225"/>
+          <ac:graphicFrameMkLst>
+            <pc:docMk/>
+            <pc:sldMk cId="2347877411" sldId="617"/>
+            <ac:graphicFrameMk id="21" creationId="{3D0B9901-0AEA-28F1-0FEE-B6E27488074C}"/>
+          </ac:graphicFrameMkLst>
+        </pc:graphicFrameChg>
+      </pc:sldChg>
+      <pc:sldChg chg="new del">
+        <pc:chgData name="Dongmyeong Kim" userId="d517eb38-f897-4a85-b305-3233dcf5c226" providerId="ADAL" clId="{C5209064-C04E-4589-956D-93D97AAA30D7}" dt="2024-01-22T10:49:38.313" v="9188" actId="680"/>
+        <pc:sldMkLst>
+          <pc:docMk/>
+          <pc:sldMk cId="2478974010" sldId="617"/>
+        </pc:sldMkLst>
+      </pc:sldChg>
+      <pc:sldChg chg="modSp add del">
+        <pc:chgData name="Dongmyeong Kim" userId="d517eb38-f897-4a85-b305-3233dcf5c226" providerId="ADAL" clId="{C5209064-C04E-4589-956D-93D97AAA30D7}" dt="2024-01-02T12:48:48.533" v="8800" actId="47"/>
+        <pc:sldMkLst>
+          <pc:docMk/>
+          <pc:sldMk cId="2568117687" sldId="617"/>
+        </pc:sldMkLst>
+        <pc:graphicFrameChg chg="mod">
+          <ac:chgData name="Dongmyeong Kim" userId="d517eb38-f897-4a85-b305-3233dcf5c226" providerId="ADAL" clId="{C5209064-C04E-4589-956D-93D97AAA30D7}" dt="2024-01-02T12:48:43.990" v="8798"/>
+          <ac:graphicFrameMkLst>
+            <pc:docMk/>
+            <pc:sldMk cId="2568117687" sldId="617"/>
+            <ac:graphicFrameMk id="21" creationId="{3D0B9901-0AEA-28F1-0FEE-B6E27488074C}"/>
+          </ac:graphicFrameMkLst>
+        </pc:graphicFrameChg>
+      </pc:sldChg>
+      <pc:sldChg chg="new del">
+        <pc:chgData name="Dongmyeong Kim" userId="d517eb38-f897-4a85-b305-3233dcf5c226" providerId="ADAL" clId="{C5209064-C04E-4589-956D-93D97AAA30D7}" dt="2024-01-18T23:41:06.778" v="8971" actId="47"/>
+        <pc:sldMkLst>
+          <pc:docMk/>
+          <pc:sldMk cId="2753181779" sldId="617"/>
+        </pc:sldMkLst>
+      </pc:sldChg>
+      <pc:sldChg chg="new del">
+        <pc:chgData name="Dongmyeong Kim" userId="d517eb38-f897-4a85-b305-3233dcf5c226" providerId="ADAL" clId="{C5209064-C04E-4589-956D-93D97AAA30D7}" dt="2023-12-28T00:14:45.861" v="8778" actId="47"/>
+        <pc:sldMkLst>
+          <pc:docMk/>
+          <pc:sldMk cId="3081079747" sldId="617"/>
+        </pc:sldMkLst>
+      </pc:sldChg>
+      <pc:sldChg chg="modSp add del">
+        <pc:chgData name="Dongmyeong Kim" userId="d517eb38-f897-4a85-b305-3233dcf5c226" providerId="ADAL" clId="{C5209064-C04E-4589-956D-93D97AAA30D7}" dt="2024-01-03T23:45:13.018" v="8811" actId="47"/>
+        <pc:sldMkLst>
+          <pc:docMk/>
+          <pc:sldMk cId="3655183202" sldId="617"/>
+        </pc:sldMkLst>
+        <pc:graphicFrameChg chg="mod">
+          <ac:chgData name="Dongmyeong Kim" userId="d517eb38-f897-4a85-b305-3233dcf5c226" providerId="ADAL" clId="{C5209064-C04E-4589-956D-93D97AAA30D7}" dt="2024-01-03T23:44:35.867" v="8806"/>
+          <ac:graphicFrameMkLst>
+            <pc:docMk/>
+            <pc:sldMk cId="3655183202" sldId="617"/>
+            <ac:graphicFrameMk id="21" creationId="{3D0B9901-0AEA-28F1-0FEE-B6E27488074C}"/>
+          </ac:graphicFrameMkLst>
+        </pc:graphicFrameChg>
+      </pc:sldChg>
+      <pc:sldChg chg="modSp add del">
+        <pc:chgData name="Dongmyeong Kim" userId="d517eb38-f897-4a85-b305-3233dcf5c226" providerId="ADAL" clId="{C5209064-C04E-4589-956D-93D97AAA30D7}" dt="2024-01-25T23:57:02.876" v="9220" actId="47"/>
+        <pc:sldMkLst>
+          <pc:docMk/>
+          <pc:sldMk cId="3682533444" sldId="617"/>
+        </pc:sldMkLst>
+        <pc:graphicFrameChg chg="mod">
+          <ac:chgData name="Dongmyeong Kim" userId="d517eb38-f897-4a85-b305-3233dcf5c226" providerId="ADAL" clId="{C5209064-C04E-4589-956D-93D97AAA30D7}" dt="2024-01-25T23:56:51.231" v="9217"/>
+          <ac:graphicFrameMkLst>
+            <pc:docMk/>
+            <pc:sldMk cId="3682533444" sldId="617"/>
+            <ac:graphicFrameMk id="21" creationId="{3D0B9901-0AEA-28F1-0FEE-B6E27488074C}"/>
+          </ac:graphicFrameMkLst>
+        </pc:graphicFrameChg>
+      </pc:sldChg>
+      <pc:sldChg chg="modSp add del">
+        <pc:chgData name="Dongmyeong Kim" userId="d517eb38-f897-4a85-b305-3233dcf5c226" providerId="ADAL" clId="{C5209064-C04E-4589-956D-93D97AAA30D7}" dt="2024-01-16T23:46:47.433" v="8967" actId="47"/>
+        <pc:sldMkLst>
+          <pc:docMk/>
+          <pc:sldMk cId="4072184522" sldId="617"/>
+        </pc:sldMkLst>
+        <pc:graphicFrameChg chg="mod">
+          <ac:chgData name="Dongmyeong Kim" userId="d517eb38-f897-4a85-b305-3233dcf5c226" providerId="ADAL" clId="{C5209064-C04E-4589-956D-93D97AAA30D7}" dt="2024-01-16T23:46:39.330" v="8964"/>
+          <ac:graphicFrameMkLst>
+            <pc:docMk/>
+            <pc:sldMk cId="4072184522" sldId="617"/>
+            <ac:graphicFrameMk id="21" creationId="{3D0B9901-0AEA-28F1-0FEE-B6E27488074C}"/>
+          </ac:graphicFrameMkLst>
+        </pc:graphicFrameChg>
+      </pc:sldChg>
+      <pc:sldChg chg="modSp add del">
+        <pc:chgData name="Dongmyeong Kim" userId="d517eb38-f897-4a85-b305-3233dcf5c226" providerId="ADAL" clId="{C5209064-C04E-4589-956D-93D97AAA30D7}" dt="2024-01-23T11:22:45.633" v="9203" actId="47"/>
+        <pc:sldMkLst>
+          <pc:docMk/>
+          <pc:sldMk cId="4164020067" sldId="617"/>
+        </pc:sldMkLst>
+        <pc:graphicFrameChg chg="mod">
+          <ac:chgData name="Dongmyeong Kim" userId="d517eb38-f897-4a85-b305-3233dcf5c226" providerId="ADAL" clId="{C5209064-C04E-4589-956D-93D97AAA30D7}" dt="2024-01-23T11:22:38.717" v="9199"/>
+          <ac:graphicFrameMkLst>
+            <pc:docMk/>
+            <pc:sldMk cId="4164020067" sldId="617"/>
+            <ac:graphicFrameMk id="21" creationId="{3D0B9901-0AEA-28F1-0FEE-B6E27488074C}"/>
+          </ac:graphicFrameMkLst>
+        </pc:graphicFrameChg>
+      </pc:sldChg>
+      <pc:sldChg chg="add del">
+        <pc:chgData name="Dongmyeong Kim" userId="d517eb38-f897-4a85-b305-3233dcf5c226" providerId="ADAL" clId="{C5209064-C04E-4589-956D-93D97AAA30D7}" dt="2024-01-18T23:41:37.917" v="8978" actId="47"/>
+        <pc:sldMkLst>
+          <pc:docMk/>
+          <pc:sldMk cId="4217151120" sldId="617"/>
+        </pc:sldMkLst>
+      </pc:sldChg>
+      <pc:sldChg chg="modSp add del">
+        <pc:chgData name="Dongmyeong Kim" userId="d517eb38-f897-4a85-b305-3233dcf5c226" providerId="ADAL" clId="{C5209064-C04E-4589-956D-93D97AAA30D7}" dt="2024-01-31T09:52:18.588" v="9436" actId="47"/>
+        <pc:sldMkLst>
+          <pc:docMk/>
+          <pc:sldMk cId="2115670661" sldId="618"/>
+        </pc:sldMkLst>
+        <pc:graphicFrameChg chg="mod">
+          <ac:chgData name="Dongmyeong Kim" userId="d517eb38-f897-4a85-b305-3233dcf5c226" providerId="ADAL" clId="{C5209064-C04E-4589-956D-93D97AAA30D7}" dt="2024-01-31T09:52:11.082" v="9434"/>
+          <ac:graphicFrameMkLst>
+            <pc:docMk/>
+            <pc:sldMk cId="2115670661" sldId="618"/>
+            <ac:graphicFrameMk id="21" creationId="{3D0B9901-0AEA-28F1-0FEE-B6E27488074C}"/>
+          </ac:graphicFrameMkLst>
+        </pc:graphicFrameChg>
+      </pc:sldChg>
+      <pc:sldChg chg="modSp add del">
+        <pc:chgData name="Dongmyeong Kim" userId="d517eb38-f897-4a85-b305-3233dcf5c226" providerId="ADAL" clId="{C5209064-C04E-4589-956D-93D97AAA30D7}" dt="2024-02-06T00:34:12.067" v="9663" actId="47"/>
+        <pc:sldMkLst>
+          <pc:docMk/>
+          <pc:sldMk cId="2185788822" sldId="618"/>
+        </pc:sldMkLst>
+        <pc:graphicFrameChg chg="mod">
+          <ac:chgData name="Dongmyeong Kim" userId="d517eb38-f897-4a85-b305-3233dcf5c226" providerId="ADAL" clId="{C5209064-C04E-4589-956D-93D97AAA30D7}" dt="2024-02-06T00:34:08.740" v="9661"/>
+          <ac:graphicFrameMkLst>
+            <pc:docMk/>
+            <pc:sldMk cId="2185788822" sldId="618"/>
+            <ac:graphicFrameMk id="21" creationId="{4D65D770-0DA4-A060-74EA-A1326684613B}"/>
+          </ac:graphicFrameMkLst>
+        </pc:graphicFrameChg>
+      </pc:sldChg>
+      <pc:sldChg chg="modSp add del mod">
+        <pc:chgData name="Dongmyeong Kim" userId="d517eb38-f897-4a85-b305-3233dcf5c226" providerId="ADAL" clId="{C5209064-C04E-4589-956D-93D97AAA30D7}" dt="2024-03-10T23:42:14.425" v="10436" actId="47"/>
+        <pc:sldMkLst>
+          <pc:docMk/>
+          <pc:sldMk cId="2550456871" sldId="618"/>
+        </pc:sldMkLst>
+        <pc:spChg chg="mod">
+          <ac:chgData name="Dongmyeong Kim" userId="d517eb38-f897-4a85-b305-3233dcf5c226" providerId="ADAL" clId="{C5209064-C04E-4589-956D-93D97AAA30D7}" dt="2024-03-08T03:11:23.572" v="10168" actId="20577"/>
+          <ac:spMkLst>
+            <pc:docMk/>
+            <pc:sldMk cId="2550456871" sldId="618"/>
+            <ac:spMk id="23" creationId="{12795632-2980-9DFE-345B-DF30EAAB4FEF}"/>
+          </ac:spMkLst>
+        </pc:spChg>
+        <pc:spChg chg="mod">
+          <ac:chgData name="Dongmyeong Kim" userId="d517eb38-f897-4a85-b305-3233dcf5c226" providerId="ADAL" clId="{C5209064-C04E-4589-956D-93D97AAA30D7}" dt="2024-03-08T03:18:26.572" v="10427" actId="20577"/>
+          <ac:spMkLst>
+            <pc:docMk/>
+            <pc:sldMk cId="2550456871" sldId="618"/>
+            <ac:spMk id="29" creationId="{3ABAF8B3-1101-22CF-FD34-70C7AE8B03F9}"/>
+          </ac:spMkLst>
+        </pc:spChg>
+        <pc:graphicFrameChg chg="mod modGraphic">
+          <ac:chgData name="Dongmyeong Kim" userId="d517eb38-f897-4a85-b305-3233dcf5c226" providerId="ADAL" clId="{C5209064-C04E-4589-956D-93D97AAA30D7}" dt="2024-03-10T23:42:09.768" v="10434"/>
+          <ac:graphicFrameMkLst>
+            <pc:docMk/>
+            <pc:sldMk cId="2550456871" sldId="618"/>
+            <ac:graphicFrameMk id="21" creationId="{C4306E6F-2B96-0A45-EED9-569073ECBA9B}"/>
+          </ac:graphicFrameMkLst>
+        </pc:graphicFrameChg>
+      </pc:sldChg>
+      <pc:sldChg chg="modSp add del">
+        <pc:chgData name="Dongmyeong Kim" userId="d517eb38-f897-4a85-b305-3233dcf5c226" providerId="ADAL" clId="{C5209064-C04E-4589-956D-93D97AAA30D7}" dt="2024-02-08T00:02:32.184" v="9672" actId="47"/>
+        <pc:sldMkLst>
+          <pc:docMk/>
+          <pc:sldMk cId="4070341467" sldId="618"/>
+        </pc:sldMkLst>
+        <pc:graphicFrameChg chg="mod">
+          <ac:chgData name="Dongmyeong Kim" userId="d517eb38-f897-4a85-b305-3233dcf5c226" providerId="ADAL" clId="{C5209064-C04E-4589-956D-93D97AAA30D7}" dt="2024-02-08T00:02:29.091" v="9670"/>
+          <ac:graphicFrameMkLst>
+            <pc:docMk/>
+            <pc:sldMk cId="4070341467" sldId="618"/>
+            <ac:graphicFrameMk id="21" creationId="{671B80AC-1DF8-D0EA-AAE5-37AE35ECA0F5}"/>
+          </ac:graphicFrameMkLst>
+        </pc:graphicFrameChg>
+      </pc:sldChg>
+      <pc:sldChg chg="modSp add del">
+        <pc:chgData name="Dongmyeong Kim" userId="d517eb38-f897-4a85-b305-3233dcf5c226" providerId="ADAL" clId="{C5209064-C04E-4589-956D-93D97AAA30D7}" dt="2024-02-29T00:00:18.670" v="9919" actId="47"/>
+        <pc:sldMkLst>
+          <pc:docMk/>
+          <pc:sldMk cId="11545340" sldId="619"/>
+        </pc:sldMkLst>
+        <pc:graphicFrameChg chg="mod">
+          <ac:chgData name="Dongmyeong Kim" userId="d517eb38-f897-4a85-b305-3233dcf5c226" providerId="ADAL" clId="{C5209064-C04E-4589-956D-93D97AAA30D7}" dt="2024-02-29T00:00:14.225" v="9917"/>
+          <ac:graphicFrameMkLst>
+            <pc:docMk/>
+            <pc:sldMk cId="11545340" sldId="619"/>
+            <ac:graphicFrameMk id="21" creationId="{3AE3EB0C-5A37-02A5-18CD-B503083D84FF}"/>
+          </ac:graphicFrameMkLst>
+        </pc:graphicFrameChg>
+      </pc:sldChg>
+      <pc:sldChg chg="modSp add del">
+        <pc:chgData name="Dongmyeong Kim" userId="d517eb38-f897-4a85-b305-3233dcf5c226" providerId="ADAL" clId="{C5209064-C04E-4589-956D-93D97AAA30D7}" dt="2024-02-27T12:26:42.354" v="9912" actId="47"/>
+        <pc:sldMkLst>
+          <pc:docMk/>
+          <pc:sldMk cId="288637834" sldId="619"/>
+        </pc:sldMkLst>
+        <pc:graphicFrameChg chg="mod">
+          <ac:chgData name="Dongmyeong Kim" userId="d517eb38-f897-4a85-b305-3233dcf5c226" providerId="ADAL" clId="{C5209064-C04E-4589-956D-93D97AAA30D7}" dt="2024-02-27T12:26:38.196" v="9910"/>
+          <ac:graphicFrameMkLst>
+            <pc:docMk/>
+            <pc:sldMk cId="288637834" sldId="619"/>
+            <ac:graphicFrameMk id="21" creationId="{9D37A164-36C8-7E1A-79F4-EAD0ADBA7FF8}"/>
+          </ac:graphicFrameMkLst>
+        </pc:graphicFrameChg>
+      </pc:sldChg>
+      <pc:sldChg chg="modSp add del">
+        <pc:chgData name="Dongmyeong Kim" userId="d517eb38-f897-4a85-b305-3233dcf5c226" providerId="ADAL" clId="{C5209064-C04E-4589-956D-93D97AAA30D7}" dt="2024-02-19T01:06:02.873" v="9695" actId="47"/>
+        <pc:sldMkLst>
+          <pc:docMk/>
+          <pc:sldMk cId="347993270" sldId="619"/>
+        </pc:sldMkLst>
+        <pc:graphicFrameChg chg="mod">
+          <ac:chgData name="Dongmyeong Kim" userId="d517eb38-f897-4a85-b305-3233dcf5c226" providerId="ADAL" clId="{C5209064-C04E-4589-956D-93D97AAA30D7}" dt="2024-02-19T01:05:58.827" v="9693"/>
+          <ac:graphicFrameMkLst>
+            <pc:docMk/>
+            <pc:sldMk cId="347993270" sldId="619"/>
+            <ac:graphicFrameMk id="21" creationId="{FE938BB6-9723-9155-60D8-62BF9ABE1F3D}"/>
+          </ac:graphicFrameMkLst>
+        </pc:graphicFrameChg>
+      </pc:sldChg>
+      <pc:sldChg chg="modSp add del mod">
+        <pc:chgData name="Dongmyeong Kim" userId="d517eb38-f897-4a85-b305-3233dcf5c226" providerId="ADAL" clId="{C5209064-C04E-4589-956D-93D97AAA30D7}" dt="2024-03-17T23:50:10.431" v="10460" actId="47"/>
+        <pc:sldMkLst>
+          <pc:docMk/>
+          <pc:sldMk cId="409516227" sldId="619"/>
+        </pc:sldMkLst>
+        <pc:spChg chg="mod">
+          <ac:chgData name="Dongmyeong Kim" userId="d517eb38-f897-4a85-b305-3233dcf5c226" providerId="ADAL" clId="{C5209064-C04E-4589-956D-93D97AAA30D7}" dt="2024-03-15T00:35:18.781" v="10450" actId="20577"/>
+          <ac:spMkLst>
+            <pc:docMk/>
+            <pc:sldMk cId="409516227" sldId="619"/>
+            <ac:spMk id="23" creationId="{12795632-2980-9DFE-345B-DF30EAAB4FEF}"/>
+          </ac:spMkLst>
+        </pc:spChg>
+        <pc:graphicFrameChg chg="mod modGraphic">
+          <ac:chgData name="Dongmyeong Kim" userId="d517eb38-f897-4a85-b305-3233dcf5c226" providerId="ADAL" clId="{C5209064-C04E-4589-956D-93D97AAA30D7}" dt="2024-03-17T23:50:06.400" v="10458"/>
+          <ac:graphicFrameMkLst>
+            <pc:docMk/>
+            <pc:sldMk cId="409516227" sldId="619"/>
+            <ac:graphicFrameMk id="21" creationId="{C4306E6F-2B96-0A45-EED9-569073ECBA9B}"/>
+          </ac:graphicFrameMkLst>
+        </pc:graphicFrameChg>
+      </pc:sldChg>
+      <pc:sldChg chg="add del">
+        <pc:chgData name="Dongmyeong Kim" userId="d517eb38-f897-4a85-b305-3233dcf5c226" providerId="ADAL" clId="{C5209064-C04E-4589-956D-93D97AAA30D7}" dt="2024-02-19T23:53:18.033" v="9701" actId="47"/>
+        <pc:sldMkLst>
+          <pc:docMk/>
+          <pc:sldMk cId="548305508" sldId="619"/>
+        </pc:sldMkLst>
+      </pc:sldChg>
+      <pc:sldChg chg="modSp add del">
+        <pc:chgData name="Dongmyeong Kim" userId="d517eb38-f897-4a85-b305-3233dcf5c226" providerId="ADAL" clId="{C5209064-C04E-4589-956D-93D97AAA30D7}" dt="2024-03-04T23:41:59.489" v="10139" actId="47"/>
+        <pc:sldMkLst>
+          <pc:docMk/>
+          <pc:sldMk cId="1248708394" sldId="619"/>
+        </pc:sldMkLst>
+        <pc:graphicFrameChg chg="mod">
+          <ac:chgData name="Dongmyeong Kim" userId="d517eb38-f897-4a85-b305-3233dcf5c226" providerId="ADAL" clId="{C5209064-C04E-4589-956D-93D97AAA30D7}" dt="2024-03-04T23:41:53.893" v="10137"/>
+          <ac:graphicFrameMkLst>
+            <pc:docMk/>
+            <pc:sldMk cId="1248708394" sldId="619"/>
+            <ac:graphicFrameMk id="21" creationId="{6881FD56-42B6-69B0-54C9-EE6B27F59CD7}"/>
+          </ac:graphicFrameMkLst>
+        </pc:graphicFrameChg>
+      </pc:sldChg>
+      <pc:sldChg chg="modSp add del">
+        <pc:chgData name="Dongmyeong Kim" userId="d517eb38-f897-4a85-b305-3233dcf5c226" providerId="ADAL" clId="{C5209064-C04E-4589-956D-93D97AAA30D7}" dt="2024-03-08T03:11:30.146" v="10171" actId="47"/>
+        <pc:sldMkLst>
+          <pc:docMk/>
+          <pc:sldMk cId="1320806767" sldId="619"/>
+        </pc:sldMkLst>
+        <pc:graphicFrameChg chg="mod">
+          <ac:chgData name="Dongmyeong Kim" userId="d517eb38-f897-4a85-b305-3233dcf5c226" providerId="ADAL" clId="{C5209064-C04E-4589-956D-93D97AAA30D7}" dt="2024-03-08T03:11:26.121" v="10169"/>
+          <ac:graphicFrameMkLst>
+            <pc:docMk/>
+            <pc:sldMk cId="1320806767" sldId="619"/>
+            <ac:graphicFrameMk id="21" creationId="{C4306E6F-2B96-0A45-EED9-569073ECBA9B}"/>
+          </ac:graphicFrameMkLst>
+        </pc:graphicFrameChg>
+      </pc:sldChg>
+      <pc:sldChg chg="modSp add del">
+        <pc:chgData name="Dongmyeong Kim" userId="d517eb38-f897-4a85-b305-3233dcf5c226" providerId="ADAL" clId="{C5209064-C04E-4589-956D-93D97AAA30D7}" dt="2024-02-15T23:42:54.222" v="9688" actId="47"/>
+        <pc:sldMkLst>
+          <pc:docMk/>
+          <pc:sldMk cId="1443110873" sldId="619"/>
+        </pc:sldMkLst>
+        <pc:graphicFrameChg chg="mod">
+          <ac:chgData name="Dongmyeong Kim" userId="d517eb38-f897-4a85-b305-3233dcf5c226" providerId="ADAL" clId="{C5209064-C04E-4589-956D-93D97AAA30D7}" dt="2024-02-15T23:42:44.461" v="9686"/>
+          <ac:graphicFrameMkLst>
+            <pc:docMk/>
+            <pc:sldMk cId="1443110873" sldId="619"/>
+            <ac:graphicFrameMk id="21" creationId="{328A659B-2FD8-CB80-96B7-EAE955E7C2F5}"/>
+          </ac:graphicFrameMkLst>
+        </pc:graphicFrameChg>
+      </pc:sldChg>
+      <pc:sldChg chg="modSp add del">
+        <pc:chgData name="Dongmyeong Kim" userId="d517eb38-f897-4a85-b305-3233dcf5c226" providerId="ADAL" clId="{C5209064-C04E-4589-956D-93D97AAA30D7}" dt="2024-02-26T00:12:33.575" v="9893" actId="47"/>
+        <pc:sldMkLst>
+          <pc:docMk/>
+          <pc:sldMk cId="1477041474" sldId="619"/>
+        </pc:sldMkLst>
+        <pc:graphicFrameChg chg="mod">
+          <ac:chgData name="Dongmyeong Kim" userId="d517eb38-f897-4a85-b305-3233dcf5c226" providerId="ADAL" clId="{C5209064-C04E-4589-956D-93D97AAA30D7}" dt="2024-02-26T00:10:57.634" v="9731"/>
+          <ac:graphicFrameMkLst>
+            <pc:docMk/>
+            <pc:sldMk cId="1477041474" sldId="619"/>
+            <ac:graphicFrameMk id="21" creationId="{EE1C2AF8-CF8D-B740-7231-CFA7BE18371A}"/>
+          </ac:graphicFrameMkLst>
+        </pc:graphicFrameChg>
+      </pc:sldChg>
+      <pc:sldChg chg="modSp add del">
+        <pc:chgData name="Dongmyeong Kim" userId="d517eb38-f897-4a85-b305-3233dcf5c226" providerId="ADAL" clId="{C5209064-C04E-4589-956D-93D97AAA30D7}" dt="2024-03-04T01:27:57.551" v="10120" actId="47"/>
+        <pc:sldMkLst>
+          <pc:docMk/>
+          <pc:sldMk cId="1957906155" sldId="619"/>
+        </pc:sldMkLst>
+        <pc:graphicFrameChg chg="mod">
+          <ac:chgData name="Dongmyeong Kim" userId="d517eb38-f897-4a85-b305-3233dcf5c226" providerId="ADAL" clId="{C5209064-C04E-4589-956D-93D97AAA30D7}" dt="2024-03-04T01:27:53.701" v="10118"/>
+          <ac:graphicFrameMkLst>
+            <pc:docMk/>
+            <pc:sldMk cId="1957906155" sldId="619"/>
+            <ac:graphicFrameMk id="21" creationId="{B0F57E23-7DC2-7910-8FFE-E472C6D26293}"/>
+          </ac:graphicFrameMkLst>
+        </pc:graphicFrameChg>
+      </pc:sldChg>
+      <pc:sldChg chg="modSp add del">
+        <pc:chgData name="Dongmyeong Kim" userId="d517eb38-f897-4a85-b305-3233dcf5c226" providerId="ADAL" clId="{C5209064-C04E-4589-956D-93D97AAA30D7}" dt="2024-02-26T23:50:23.415" v="9902" actId="47"/>
+        <pc:sldMkLst>
+          <pc:docMk/>
+          <pc:sldMk cId="1962269513" sldId="619"/>
+        </pc:sldMkLst>
+        <pc:graphicFrameChg chg="mod">
+          <ac:chgData name="Dongmyeong Kim" userId="d517eb38-f897-4a85-b305-3233dcf5c226" providerId="ADAL" clId="{C5209064-C04E-4589-956D-93D97AAA30D7}" dt="2024-02-26T23:50:16.426" v="9898"/>
+          <ac:graphicFrameMkLst>
+            <pc:docMk/>
+            <pc:sldMk cId="1962269513" sldId="619"/>
+            <ac:graphicFrameMk id="21" creationId="{E8A335FC-E8F8-C527-F934-74C089A3A635}"/>
+          </ac:graphicFrameMkLst>
+        </pc:graphicFrameChg>
+      </pc:sldChg>
+      <pc:sldChg chg="modSp add del">
+        <pc:chgData name="Dongmyeong Kim" userId="d517eb38-f897-4a85-b305-3233dcf5c226" providerId="ADAL" clId="{C5209064-C04E-4589-956D-93D97AAA30D7}" dt="2024-02-20T23:41:36.280" v="9707" actId="47"/>
+        <pc:sldMkLst>
+          <pc:docMk/>
+          <pc:sldMk cId="2035714116" sldId="619"/>
+        </pc:sldMkLst>
+        <pc:graphicFrameChg chg="mod">
+          <ac:chgData name="Dongmyeong Kim" userId="d517eb38-f897-4a85-b305-3233dcf5c226" providerId="ADAL" clId="{C5209064-C04E-4589-956D-93D97AAA30D7}" dt="2024-02-20T23:41:22.241" v="9704"/>
+          <ac:graphicFrameMkLst>
+            <pc:docMk/>
+            <pc:sldMk cId="2035714116" sldId="619"/>
+            <ac:graphicFrameMk id="21" creationId="{104FF407-827E-BB85-83BD-39E24C977CA4}"/>
+          </ac:graphicFrameMkLst>
+        </pc:graphicFrameChg>
+      </pc:sldChg>
+      <pc:sldChg chg="modSp add del">
+        <pc:chgData name="Dongmyeong Kim" userId="d517eb38-f897-4a85-b305-3233dcf5c226" providerId="ADAL" clId="{C5209064-C04E-4589-956D-93D97AAA30D7}" dt="2024-03-06T00:11:39.182" v="10154" actId="47"/>
+        <pc:sldMkLst>
+          <pc:docMk/>
+          <pc:sldMk cId="2849049651" sldId="619"/>
+        </pc:sldMkLst>
+        <pc:graphicFrameChg chg="mod">
+          <ac:chgData name="Dongmyeong Kim" userId="d517eb38-f897-4a85-b305-3233dcf5c226" providerId="ADAL" clId="{C5209064-C04E-4589-956D-93D97AAA30D7}" dt="2024-03-06T00:11:29.059" v="10142"/>
+          <ac:graphicFrameMkLst>
+            <pc:docMk/>
+            <pc:sldMk cId="2849049651" sldId="619"/>
+            <ac:graphicFrameMk id="21" creationId="{FD243EF2-AC8F-91C8-1D8D-54D4CB8A4D50}"/>
+          </ac:graphicFrameMkLst>
+        </pc:graphicFrameChg>
+      </pc:sldChg>
+      <pc:sldChg chg="modSp add del">
+        <pc:chgData name="Dongmyeong Kim" userId="d517eb38-f897-4a85-b305-3233dcf5c226" providerId="ADAL" clId="{C5209064-C04E-4589-956D-93D97AAA30D7}" dt="2024-02-21T23:54:55.228" v="9718" actId="47"/>
+        <pc:sldMkLst>
+          <pc:docMk/>
+          <pc:sldMk cId="2974991568" sldId="619"/>
+        </pc:sldMkLst>
+        <pc:graphicFrameChg chg="mod">
+          <ac:chgData name="Dongmyeong Kim" userId="d517eb38-f897-4a85-b305-3233dcf5c226" providerId="ADAL" clId="{C5209064-C04E-4589-956D-93D97AAA30D7}" dt="2024-02-21T23:54:47.911" v="9714"/>
+          <ac:graphicFrameMkLst>
+            <pc:docMk/>
+            <pc:sldMk cId="2974991568" sldId="619"/>
+            <ac:graphicFrameMk id="21" creationId="{7989C2F6-9012-297B-07F9-E4F0808E3817}"/>
+          </ac:graphicFrameMkLst>
+        </pc:graphicFrameChg>
+      </pc:sldChg>
+      <pc:sldChg chg="modSp add del mod">
+        <pc:chgData name="Dongmyeong Kim" userId="d517eb38-f897-4a85-b305-3233dcf5c226" providerId="ADAL" clId="{C5209064-C04E-4589-956D-93D97AAA30D7}" dt="2024-03-06T23:43:54.561" v="10164" actId="47"/>
+        <pc:sldMkLst>
+          <pc:docMk/>
+          <pc:sldMk cId="3109797982" sldId="619"/>
+        </pc:sldMkLst>
+        <pc:spChg chg="mod">
+          <ac:chgData name="Dongmyeong Kim" userId="d517eb38-f897-4a85-b305-3233dcf5c226" providerId="ADAL" clId="{C5209064-C04E-4589-956D-93D97AAA30D7}" dt="2024-03-06T23:43:31.751" v="10157" actId="20577"/>
+          <ac:spMkLst>
+            <pc:docMk/>
+            <pc:sldMk cId="3109797982" sldId="619"/>
+            <ac:spMk id="23" creationId="{C191BD73-D3F8-1F47-FDB0-CCDDAEEBAACD}"/>
+          </ac:spMkLst>
+        </pc:spChg>
+      </pc:sldChg>
+      <pc:sldChg chg="add del">
+        <pc:chgData name="Dongmyeong Kim" userId="d517eb38-f897-4a85-b305-3233dcf5c226" providerId="ADAL" clId="{C5209064-C04E-4589-956D-93D97AAA30D7}" dt="2024-02-27T12:25:49.181" v="9905" actId="47"/>
+        <pc:sldMkLst>
+          <pc:docMk/>
+          <pc:sldMk cId="3652394373" sldId="619"/>
+        </pc:sldMkLst>
+      </pc:sldChg>
+      <pc:sldChg chg="modSp add del">
+        <pc:chgData name="Dongmyeong Kim" userId="d517eb38-f897-4a85-b305-3233dcf5c226" providerId="ADAL" clId="{C5209064-C04E-4589-956D-93D97AAA30D7}" dt="2024-02-23T00:05:03.095" v="9725" actId="47"/>
+        <pc:sldMkLst>
+          <pc:docMk/>
+          <pc:sldMk cId="3894342443" sldId="619"/>
+        </pc:sldMkLst>
+        <pc:graphicFrameChg chg="mod">
+          <ac:chgData name="Dongmyeong Kim" userId="d517eb38-f897-4a85-b305-3233dcf5c226" providerId="ADAL" clId="{C5209064-C04E-4589-956D-93D97AAA30D7}" dt="2024-02-23T00:04:59.048" v="9723"/>
+          <ac:graphicFrameMkLst>
+            <pc:docMk/>
+            <pc:sldMk cId="3894342443" sldId="619"/>
+            <ac:graphicFrameMk id="21" creationId="{DF81CCF2-CC81-8814-1028-7C7C32B72E57}"/>
+          </ac:graphicFrameMkLst>
+        </pc:graphicFrameChg>
+      </pc:sldChg>
+      <pc:sldChg chg="modSp add mod">
+        <pc:chgData name="Dongmyeong Kim" userId="d517eb38-f897-4a85-b305-3233dcf5c226" providerId="ADAL" clId="{C5209064-C04E-4589-956D-93D97AAA30D7}" dt="2024-04-23T23:55:28.605" v="11452" actId="108"/>
+        <pc:sldMkLst>
+          <pc:docMk/>
+          <pc:sldMk cId="2645412902" sldId="620"/>
+        </pc:sldMkLst>
+        <pc:spChg chg="mod">
+          <ac:chgData name="Dongmyeong Kim" userId="d517eb38-f897-4a85-b305-3233dcf5c226" providerId="ADAL" clId="{C5209064-C04E-4589-956D-93D97AAA30D7}" dt="2024-04-23T23:55:13.052" v="11448" actId="20577"/>
+          <ac:spMkLst>
+            <pc:docMk/>
+            <pc:sldMk cId="2645412902" sldId="620"/>
+            <ac:spMk id="23" creationId="{12795632-2980-9DFE-345B-DF30EAAB4FEF}"/>
+          </ac:spMkLst>
+        </pc:spChg>
+        <pc:spChg chg="mod">
+          <ac:chgData name="Dongmyeong Kim" userId="d517eb38-f897-4a85-b305-3233dcf5c226" providerId="ADAL" clId="{C5209064-C04E-4589-956D-93D97AAA30D7}" dt="2024-04-21T23:52:37.834" v="11443"/>
+          <ac:spMkLst>
+            <pc:docMk/>
+            <pc:sldMk cId="2645412902" sldId="620"/>
+            <ac:spMk id="29" creationId="{3ABAF8B3-1101-22CF-FD34-70C7AE8B03F9}"/>
+          </ac:spMkLst>
+        </pc:spChg>
+        <pc:graphicFrameChg chg="mod modGraphic">
+          <ac:chgData name="Dongmyeong Kim" userId="d517eb38-f897-4a85-b305-3233dcf5c226" providerId="ADAL" clId="{C5209064-C04E-4589-956D-93D97AAA30D7}" dt="2024-04-23T23:55:28.605" v="11452" actId="108"/>
+          <ac:graphicFrameMkLst>
+            <pc:docMk/>
+            <pc:sldMk cId="2645412902" sldId="620"/>
+            <ac:graphicFrameMk id="21" creationId="{C4306E6F-2B96-0A45-EED9-569073ECBA9B}"/>
+          </ac:graphicFrameMkLst>
+        </pc:graphicFrameChg>
+      </pc:sldChg>
+      <pc:sldChg chg="modSp add del">
+        <pc:chgData name="Dongmyeong Kim" userId="d517eb38-f897-4a85-b305-3233dcf5c226" providerId="ADAL" clId="{C5209064-C04E-4589-956D-93D97AAA30D7}" dt="2024-03-12T23:51:04.499" v="10448" actId="47"/>
+        <pc:sldMkLst>
+          <pc:docMk/>
+          <pc:sldMk cId="3502175632" sldId="620"/>
+        </pc:sldMkLst>
+        <pc:graphicFrameChg chg="mod">
+          <ac:chgData name="Dongmyeong Kim" userId="d517eb38-f897-4a85-b305-3233dcf5c226" providerId="ADAL" clId="{C5209064-C04E-4589-956D-93D97AAA30D7}" dt="2024-03-12T23:51:01.050" v="10446"/>
+          <ac:graphicFrameMkLst>
+            <pc:docMk/>
+            <pc:sldMk cId="3502175632" sldId="620"/>
+            <ac:graphicFrameMk id="21" creationId="{C4306E6F-2B96-0A45-EED9-569073ECBA9B}"/>
+          </ac:graphicFrameMkLst>
+        </pc:graphicFrameChg>
+      </pc:sldChg>
+      <pc:sldChg chg="modSp add del">
+        <pc:chgData name="Dongmyeong Kim" userId="d517eb38-f897-4a85-b305-3233dcf5c226" providerId="ADAL" clId="{C5209064-C04E-4589-956D-93D97AAA30D7}" dt="2024-03-19T00:04:07.528" v="10683" actId="47"/>
+        <pc:sldMkLst>
+          <pc:docMk/>
+          <pc:sldMk cId="3585748935" sldId="621"/>
+        </pc:sldMkLst>
+        <pc:graphicFrameChg chg="mod">
+          <ac:chgData name="Dongmyeong Kim" userId="d517eb38-f897-4a85-b305-3233dcf5c226" providerId="ADAL" clId="{C5209064-C04E-4589-956D-93D97AAA30D7}" dt="2024-03-19T00:04:03.076" v="10681"/>
+          <ac:graphicFrameMkLst>
+            <pc:docMk/>
+            <pc:sldMk cId="3585748935" sldId="621"/>
+            <ac:graphicFrameMk id="21" creationId="{C4306E6F-2B96-0A45-EED9-569073ECBA9B}"/>
+          </ac:graphicFrameMkLst>
+        </pc:graphicFrameChg>
       </pc:sldChg>
     </pc:docChg>
   </pc:docChgLst>
@@ -569,7 +1337,7 @@
               <a:rPr lang="de-DE" smtClean="0">
                 <a:latin typeface="돋움" panose="020B0600000101010101" pitchFamily="34" charset="-127"/>
               </a:rPr>
-              <a:t>04.12.2023</a:t>
+              <a:t>24.04.2024</a:t>
             </a:fld>
             <a:endParaRPr lang="de-DE" dirty="0">
               <a:latin typeface="돋움" panose="020B0600000101010101" pitchFamily="34" charset="-127"/>
@@ -759,7 +1527,7 @@
             <a:fld id="{41623B20-DA81-4F0B-808A-8006ECA2A20F}" type="datetimeFigureOut">
               <a:rPr lang="de-DE" smtClean="0"/>
               <a:pPr/>
-              <a:t>04.12.2023</a:t>
+              <a:t>24.04.2024</a:t>
             </a:fld>
             <a:endParaRPr lang="de-DE" dirty="0"/>
           </a:p>
@@ -1036,7 +1804,13 @@
   <p:cSld>
     <p:spTree>
       <p:nvGrpSpPr>
-        <p:cNvPr id="1" name=""/>
+        <p:cNvPr id="1" name="">
+          <a:extLst>
+            <a:ext uri="{FF2B5EF4-FFF2-40B4-BE49-F238E27FC236}">
+              <a16:creationId xmlns:a16="http://schemas.microsoft.com/office/drawing/2014/main" id="{4CA0E909-5A5E-F8A4-E41C-04EEB0B498A7}"/>
+            </a:ext>
+          </a:extLst>
+        </p:cNvPr>
         <p:cNvGrpSpPr/>
         <p:nvPr/>
       </p:nvGrpSpPr>
@@ -1050,7 +1824,13 @@
       </p:grpSpPr>
       <p:sp>
         <p:nvSpPr>
-          <p:cNvPr id="2" name="슬라이드 이미지 개체 틀 1"/>
+          <p:cNvPr id="2" name="슬라이드 이미지 개체 틀 1">
+            <a:extLst>
+              <a:ext uri="{FF2B5EF4-FFF2-40B4-BE49-F238E27FC236}">
+                <a16:creationId xmlns:a16="http://schemas.microsoft.com/office/drawing/2014/main" id="{8507D3DB-1301-2BA7-3851-FEE6549E9876}"/>
+              </a:ext>
+            </a:extLst>
+          </p:cNvPr>
           <p:cNvSpPr>
             <a:spLocks noGrp="1" noRot="1" noChangeAspect="1"/>
           </p:cNvSpPr>
@@ -1062,7 +1842,13 @@
       </p:sp>
       <p:sp>
         <p:nvSpPr>
-          <p:cNvPr id="3" name="슬라이드 노트 개체 틀 2"/>
+          <p:cNvPr id="3" name="슬라이드 노트 개체 틀 2">
+            <a:extLst>
+              <a:ext uri="{FF2B5EF4-FFF2-40B4-BE49-F238E27FC236}">
+                <a16:creationId xmlns:a16="http://schemas.microsoft.com/office/drawing/2014/main" id="{244691CC-16F5-D14B-003D-3EB051264639}"/>
+              </a:ext>
+            </a:extLst>
+          </p:cNvPr>
           <p:cNvSpPr>
             <a:spLocks noGrp="1"/>
           </p:cNvSpPr>
@@ -1081,7 +1867,13 @@
       </p:sp>
       <p:sp>
         <p:nvSpPr>
-          <p:cNvPr id="4" name="슬라이드 번호 개체 틀 3"/>
+          <p:cNvPr id="4" name="슬라이드 번호 개체 틀 3">
+            <a:extLst>
+              <a:ext uri="{FF2B5EF4-FFF2-40B4-BE49-F238E27FC236}">
+                <a16:creationId xmlns:a16="http://schemas.microsoft.com/office/drawing/2014/main" id="{82235BA5-BB7C-C2C6-96CA-5BE9614A18EA}"/>
+              </a:ext>
+            </a:extLst>
+          </p:cNvPr>
           <p:cNvSpPr>
             <a:spLocks noGrp="1"/>
           </p:cNvSpPr>
@@ -1105,7 +1897,7 @@
     </p:spTree>
     <p:extLst>
       <p:ext uri="{BB962C8B-B14F-4D97-AF65-F5344CB8AC3E}">
-        <p14:creationId xmlns:p14="http://schemas.microsoft.com/office/powerpoint/2010/main" val="560562899"/>
+        <p14:creationId xmlns:p14="http://schemas.microsoft.com/office/powerpoint/2010/main" val="575959815"/>
       </p:ext>
     </p:extLst>
   </p:cSld>
@@ -10357,7 +11149,13 @@
   <p:cSld>
     <p:spTree>
       <p:nvGrpSpPr>
-        <p:cNvPr id="1" name=""/>
+        <p:cNvPr id="1" name="">
+          <a:extLst>
+            <a:ext uri="{FF2B5EF4-FFF2-40B4-BE49-F238E27FC236}">
+              <a16:creationId xmlns:a16="http://schemas.microsoft.com/office/drawing/2014/main" id="{BFA9A94A-065C-E8BD-D301-527249E63F82}"/>
+            </a:ext>
+          </a:extLst>
+        </p:cNvPr>
         <p:cNvGrpSpPr/>
         <p:nvPr/>
       </p:nvGrpSpPr>
@@ -10374,7 +11172,7 @@
           <p:cNvPr id="3" name="Slide Number Placeholder 2">
             <a:extLst>
               <a:ext uri="{FF2B5EF4-FFF2-40B4-BE49-F238E27FC236}">
-                <a16:creationId xmlns:a16="http://schemas.microsoft.com/office/drawing/2014/main" id="{F5F6807E-7723-8AF3-4155-97D001137A56}"/>
+                <a16:creationId xmlns:a16="http://schemas.microsoft.com/office/drawing/2014/main" id="{D3E510C0-B12F-13C0-FD65-E8DF7B885354}"/>
               </a:ext>
             </a:extLst>
           </p:cNvPr>
@@ -10409,7 +11207,7 @@
           <p:cNvPr id="7" name="Rectangle 6">
             <a:extLst>
               <a:ext uri="{FF2B5EF4-FFF2-40B4-BE49-F238E27FC236}">
-                <a16:creationId xmlns:a16="http://schemas.microsoft.com/office/drawing/2014/main" id="{EA627B20-7926-F604-B489-97114CAB56EE}"/>
+                <a16:creationId xmlns:a16="http://schemas.microsoft.com/office/drawing/2014/main" id="{5C4554B0-D2B4-845A-D33A-87D3E2EB6DA8}"/>
               </a:ext>
             </a:extLst>
           </p:cNvPr>
@@ -10463,7 +11261,7 @@
           <p:cNvPr id="9" name="Picture 8" descr="Shape, rectangle&#10;&#10;Description automatically generated">
             <a:extLst>
               <a:ext uri="{FF2B5EF4-FFF2-40B4-BE49-F238E27FC236}">
-                <a16:creationId xmlns:a16="http://schemas.microsoft.com/office/drawing/2014/main" id="{CDC3D8F3-7795-DE56-D176-205E4BFB1F0A}"/>
+                <a16:creationId xmlns:a16="http://schemas.microsoft.com/office/drawing/2014/main" id="{38C85D4A-D87F-C8A4-078A-6BB5E2E01733}"/>
               </a:ext>
             </a:extLst>
           </p:cNvPr>
@@ -10499,7 +11297,7 @@
           <p:cNvPr id="34" name="Picture 33">
             <a:extLst>
               <a:ext uri="{FF2B5EF4-FFF2-40B4-BE49-F238E27FC236}">
-                <a16:creationId xmlns:a16="http://schemas.microsoft.com/office/drawing/2014/main" id="{A1AEB4B4-3493-81DA-1A35-6A87BBC18E28}"/>
+                <a16:creationId xmlns:a16="http://schemas.microsoft.com/office/drawing/2014/main" id="{85ACA7B3-CBA6-2C87-9F26-C0217BF94291}"/>
               </a:ext>
             </a:extLst>
           </p:cNvPr>
@@ -10522,7 +11320,7 @@
         </p:blipFill>
         <p:spPr>
           <a:xfrm>
-            <a:off x="0" y="171676"/>
+            <a:off x="0" y="254803"/>
             <a:ext cx="29389303" cy="16531483"/>
           </a:xfrm>
           <a:prstGeom prst="rect">
@@ -10535,7 +11333,7 @@
           <p:cNvPr id="18" name="Rectangle 17">
             <a:extLst>
               <a:ext uri="{FF2B5EF4-FFF2-40B4-BE49-F238E27FC236}">
-                <a16:creationId xmlns:a16="http://schemas.microsoft.com/office/drawing/2014/main" id="{ADB69A9C-C97D-84BF-F3B3-247C5280913D}"/>
+                <a16:creationId xmlns:a16="http://schemas.microsoft.com/office/drawing/2014/main" id="{733DC3A4-898A-8EE2-A3CB-5E0D5627F51A}"/>
               </a:ext>
             </a:extLst>
           </p:cNvPr>
@@ -10592,7 +11390,7 @@
           <p:cNvPr id="20" name="Rectangle 19">
             <a:extLst>
               <a:ext uri="{FF2B5EF4-FFF2-40B4-BE49-F238E27FC236}">
-                <a16:creationId xmlns:a16="http://schemas.microsoft.com/office/drawing/2014/main" id="{36FB169E-0BD0-7B49-6B2E-361208AB067F}"/>
+                <a16:creationId xmlns:a16="http://schemas.microsoft.com/office/drawing/2014/main" id="{6A6AE6BE-368C-B604-262B-26E99F289B8F}"/>
               </a:ext>
             </a:extLst>
           </p:cNvPr>
@@ -10643,7 +11441,7 @@
           <p:cNvPr id="21" name="Table 21">
             <a:extLst>
               <a:ext uri="{FF2B5EF4-FFF2-40B4-BE49-F238E27FC236}">
-                <a16:creationId xmlns:a16="http://schemas.microsoft.com/office/drawing/2014/main" id="{3D0B9901-0AEA-28F1-0FEE-B6E27488074C}"/>
+                <a16:creationId xmlns:a16="http://schemas.microsoft.com/office/drawing/2014/main" id="{C4306E6F-2B96-0A45-EED9-569073ECBA9B}"/>
               </a:ext>
             </a:extLst>
           </p:cNvPr>
@@ -10653,7 +11451,7 @@
           <p:nvPr>
             <p:extLst>
               <p:ext uri="{D42A27DB-BD31-4B8C-83A1-F6EECF244321}">
-                <p14:modId xmlns:p14="http://schemas.microsoft.com/office/powerpoint/2010/main" val="660077927"/>
+                <p14:modId xmlns:p14="http://schemas.microsoft.com/office/powerpoint/2010/main" val="1233131696"/>
               </p:ext>
             </p:extLst>
           </p:nvPr>
@@ -10762,7 +11560,7 @@
                         <a:defRPr/>
                       </a:pPr>
                       <a:r>
-                        <a:rPr lang="ko-KR" altLang="en-US">
+                        <a:rPr lang="ko-KR" altLang="en-US" dirty="0">
                           <a:solidFill>
                             <a:schemeClr val="tx1"/>
                           </a:solidFill>
@@ -10771,13 +11569,6 @@
                         </a:rPr>
                         <a:t>이름</a:t>
                       </a:r>
-                      <a:endParaRPr lang="ko-KR" altLang="en-US" dirty="0">
-                        <a:solidFill>
-                          <a:schemeClr val="tx1"/>
-                        </a:solidFill>
-                        <a:latin typeface="맑은 고딕" panose="020B0503020000020004" pitchFamily="34" charset="-127"/>
-                        <a:ea typeface="맑은 고딕" panose="020B0503020000020004" pitchFamily="34" charset="-127"/>
-                      </a:endParaRPr>
                     </a:p>
                   </a:txBody>
                   <a:tcPr anchor="ctr" anchorCtr="1">
@@ -10866,7 +11657,7 @@
                         <a:defRPr/>
                       </a:pPr>
                       <a:r>
-                        <a:rPr lang="ko-KR" altLang="en-US">
+                        <a:rPr lang="ko-KR" altLang="en-US" dirty="0">
                           <a:solidFill>
                             <a:schemeClr val="tx1"/>
                           </a:solidFill>
@@ -10876,7 +11667,7 @@
                         <a:t>일</a:t>
                       </a:r>
                       <a:r>
-                        <a:rPr lang="en-US" altLang="ko-KR">
+                        <a:rPr lang="en-US" altLang="ko-KR" dirty="0">
                           <a:solidFill>
                             <a:schemeClr val="tx1"/>
                           </a:solidFill>
@@ -10886,7 +11677,7 @@
                         <a:t> </a:t>
                       </a:r>
                       <a:r>
-                        <a:rPr lang="ko-KR" altLang="en-US">
+                        <a:rPr lang="ko-KR" altLang="en-US" dirty="0">
                           <a:solidFill>
                             <a:schemeClr val="tx1"/>
                           </a:solidFill>
@@ -10896,7 +11687,7 @@
                         <a:t>평균</a:t>
                       </a:r>
                       <a:r>
-                        <a:rPr lang="en-US" altLang="ko-KR">
+                        <a:rPr lang="en-US" altLang="ko-KR" dirty="0">
                           <a:solidFill>
                             <a:schemeClr val="tx1"/>
                           </a:solidFill>
@@ -10906,7 +11697,7 @@
                         <a:t> </a:t>
                       </a:r>
                       <a:r>
-                        <a:rPr lang="ko-KR" altLang="en-US">
+                        <a:rPr lang="ko-KR" altLang="en-US" dirty="0" err="1">
                           <a:solidFill>
                             <a:schemeClr val="tx1"/>
                           </a:solidFill>
@@ -10915,7 +11706,7 @@
                         </a:rPr>
                         <a:t>예약수</a:t>
                       </a:r>
-                      <a:endParaRPr lang="en-US" altLang="ko-KR">
+                      <a:endParaRPr lang="en-US" altLang="ko-KR" dirty="0">
                         <a:solidFill>
                           <a:schemeClr val="tx1"/>
                         </a:solidFill>
@@ -10942,7 +11733,7 @@
                         <a:defRPr/>
                       </a:pPr>
                       <a:r>
-                        <a:rPr lang="en-US" altLang="ko-KR">
+                        <a:rPr lang="en-US" altLang="ko-KR" dirty="0">
                           <a:solidFill>
                             <a:schemeClr val="tx1"/>
                           </a:solidFill>
@@ -10952,7 +11743,7 @@
                         <a:t>(</a:t>
                       </a:r>
                       <a:r>
-                        <a:rPr lang="ko-KR" altLang="en-US">
+                        <a:rPr lang="ko-KR" altLang="en-US" dirty="0">
                           <a:solidFill>
                             <a:schemeClr val="tx1"/>
                           </a:solidFill>
@@ -10962,7 +11753,7 @@
                         <a:t>특근일 제외</a:t>
                       </a:r>
                       <a:r>
-                        <a:rPr lang="en-US" altLang="ko-KR">
+                        <a:rPr lang="en-US" altLang="ko-KR" dirty="0">
                           <a:solidFill>
                             <a:schemeClr val="tx1"/>
                           </a:solidFill>
@@ -11000,7 +11791,7 @@
                     <a:p>
                       <a:pPr algn="ctr" latinLnBrk="1"/>
                       <a:r>
-                        <a:rPr lang="en-US" altLang="ko-KR">
+                        <a:rPr lang="en-US" altLang="ko-KR" b="1" dirty="0">
                           <a:solidFill>
                             <a:schemeClr val="bg1"/>
                           </a:solidFill>
@@ -11009,13 +11800,6 @@
                         </a:rPr>
                         <a:t>1</a:t>
                       </a:r>
-                      <a:endParaRPr lang="en-US" altLang="ko-KR" dirty="0">
-                        <a:solidFill>
-                          <a:schemeClr val="bg1"/>
-                        </a:solidFill>
-                        <a:latin typeface="맑은 고딕" panose="020B0503020000020004" pitchFamily="34" charset="-127"/>
-                        <a:ea typeface="맑은 고딕" panose="020B0503020000020004" pitchFamily="34" charset="-127"/>
-                      </a:endParaRPr>
                     </a:p>
                   </a:txBody>
                   <a:tcPr anchor="ctr" anchorCtr="1">
@@ -11027,17 +11811,19 @@
                     <a:bodyPr/>
                     <a:lstStyle/>
                     <a:p>
-                      <a:pPr marL="0" algn="ctr" defTabSz="2194560" rtl="0" eaLnBrk="1" fontAlgn="b" latinLnBrk="1" hangingPunct="1"/>
+                      <a:pPr marL="0" lvl="0" algn="ctr" defTabSz="914400" rtl="0" eaLnBrk="1" fontAlgn="b" latinLnBrk="0" hangingPunct="1">
+                        <a:buNone/>
+                      </a:pPr>
                       <a:r>
-                        <a:rPr lang="ko-KR" altLang="en-US" sz="2880" kern="1200" dirty="0">
+                        <a:rPr lang="ko-KR" altLang="en-US" sz="3600" b="1" i="0" u="none" strike="noStrike" kern="1200">
                           <a:solidFill>
                             <a:schemeClr val="bg1"/>
                           </a:solidFill>
-                          <a:latin typeface="맑은 고딕" panose="020B0503020000020004" pitchFamily="34" charset="-127"/>
-                          <a:ea typeface="맑은 고딕" panose="020B0503020000020004" pitchFamily="34" charset="-127"/>
+                          <a:latin typeface="Calibri"/>
+                          <a:ea typeface="+mn-ea"/>
                           <a:cs typeface="+mn-cs"/>
                         </a:rPr>
-                        <a:t>이준구</a:t>
+                        <a:t>김유진</a:t>
                       </a:r>
                     </a:p>
                   </a:txBody>
@@ -11050,17 +11836,19 @@
                     <a:bodyPr/>
                     <a:lstStyle/>
                     <a:p>
-                      <a:pPr marL="0" algn="ctr" defTabSz="2194560" rtl="0" eaLnBrk="1" fontAlgn="b" latinLnBrk="1" hangingPunct="1"/>
+                      <a:pPr marL="0" lvl="0" algn="ctr" defTabSz="914400" rtl="0" eaLnBrk="1" fontAlgn="b" latinLnBrk="0" hangingPunct="1">
+                        <a:buNone/>
+                      </a:pPr>
                       <a:r>
-                        <a:rPr lang="en-US" altLang="ko-KR" sz="2880" kern="1200" dirty="0">
+                        <a:rPr lang="en-US" altLang="ko-KR" sz="3600" b="1" i="0" u="none" strike="noStrike" kern="1200">
                           <a:solidFill>
                             <a:schemeClr val="bg1"/>
                           </a:solidFill>
-                          <a:latin typeface="맑은 고딕" panose="020B0503020000020004" pitchFamily="34" charset="-127"/>
-                          <a:ea typeface="맑은 고딕" panose="020B0503020000020004" pitchFamily="34" charset="-127"/>
+                          <a:latin typeface="Calibri"/>
+                          <a:ea typeface="+mn-ea"/>
                           <a:cs typeface="+mn-cs"/>
                         </a:rPr>
-                        <a:t>26</a:t>
+                        <a:t>279</a:t>
                       </a:r>
                     </a:p>
                   </a:txBody>
@@ -11073,17 +11861,19 @@
                     <a:bodyPr/>
                     <a:lstStyle/>
                     <a:p>
-                      <a:pPr marL="0" algn="ctr" defTabSz="2194560" rtl="0" eaLnBrk="1" fontAlgn="ctr" latinLnBrk="1" hangingPunct="1"/>
+                      <a:pPr marL="0" lvl="0" algn="ctr" defTabSz="914400" rtl="0" eaLnBrk="1" fontAlgn="b" latinLnBrk="0" hangingPunct="1">
+                        <a:buNone/>
+                      </a:pPr>
                       <a:r>
-                        <a:rPr lang="en-US" altLang="ko-KR" sz="2880" kern="1200" dirty="0">
+                        <a:rPr lang="en-US" altLang="ko-KR" sz="3600" b="1" i="0" u="none" strike="noStrike" kern="1200">
                           <a:solidFill>
                             <a:schemeClr val="bg1"/>
                           </a:solidFill>
-                          <a:latin typeface="맑은 고딕" panose="020B0503020000020004" pitchFamily="34" charset="-127"/>
-                          <a:ea typeface="맑은 고딕" panose="020B0503020000020004" pitchFamily="34" charset="-127"/>
+                          <a:latin typeface="Calibri"/>
+                          <a:ea typeface="+mn-ea"/>
                           <a:cs typeface="+mn-cs"/>
                         </a:rPr>
-                        <a:t>26.0</a:t>
+                        <a:t>17.4</a:t>
                       </a:r>
                     </a:p>
                   </a:txBody>
@@ -11105,7 +11895,7 @@
                     <a:p>
                       <a:pPr algn="ctr" latinLnBrk="1"/>
                       <a:r>
-                        <a:rPr lang="en-US" altLang="ko-KR" dirty="0">
+                        <a:rPr lang="en-US" altLang="ko-KR" b="1" dirty="0">
                           <a:solidFill>
                             <a:schemeClr val="bg1"/>
                           </a:solidFill>
@@ -11114,7 +11904,7 @@
                         </a:rPr>
                         <a:t>2</a:t>
                       </a:r>
-                      <a:endParaRPr lang="ko-KR" altLang="en-US" dirty="0">
+                      <a:endParaRPr lang="ko-KR" altLang="en-US" b="1" dirty="0">
                         <a:solidFill>
                           <a:schemeClr val="bg1"/>
                         </a:solidFill>
@@ -11132,48 +11922,19 @@
                     <a:bodyPr/>
                     <a:lstStyle/>
                     <a:p>
-                      <a:pPr marL="0" algn="ctr" defTabSz="2194560" rtl="0" eaLnBrk="1" fontAlgn="b" latinLnBrk="1" hangingPunct="1"/>
+                      <a:pPr marL="0" lvl="0" algn="ctr" defTabSz="914400" rtl="0" eaLnBrk="1" fontAlgn="b" latinLnBrk="0" hangingPunct="1">
+                        <a:buNone/>
+                      </a:pPr>
                       <a:r>
-                        <a:rPr lang="ko-KR" altLang="en-US" sz="2880" kern="1200" dirty="0" err="1">
+                        <a:rPr lang="ko-KR" altLang="en-US" sz="3600" b="1" i="0" u="none" strike="noStrike" kern="1200">
                           <a:solidFill>
                             <a:schemeClr val="bg1"/>
                           </a:solidFill>
-                          <a:latin typeface="맑은 고딕" panose="020B0503020000020004" pitchFamily="34" charset="-127"/>
-                          <a:ea typeface="맑은 고딕" panose="020B0503020000020004" pitchFamily="34" charset="-127"/>
+                          <a:latin typeface="Calibri"/>
+                          <a:ea typeface="+mn-ea"/>
                           <a:cs typeface="+mn-cs"/>
                         </a:rPr>
-                        <a:t>장택순</a:t>
-                      </a:r>
-                      <a:endParaRPr lang="ko-KR" altLang="en-US" sz="2880" kern="1200" dirty="0">
-                        <a:solidFill>
-                          <a:schemeClr val="bg1"/>
-                        </a:solidFill>
-                        <a:latin typeface="맑은 고딕" panose="020B0503020000020004" pitchFamily="34" charset="-127"/>
-                        <a:ea typeface="맑은 고딕" panose="020B0503020000020004" pitchFamily="34" charset="-127"/>
-                        <a:cs typeface="+mn-cs"/>
-                      </a:endParaRPr>
-                    </a:p>
-                  </a:txBody>
-                  <a:tcPr marL="7620" marR="7620" marT="7620" marB="0" anchor="ctr">
-                    <a:noFill/>
-                  </a:tcPr>
-                </a:tc>
-                <a:tc>
-                  <a:txBody>
-                    <a:bodyPr/>
-                    <a:lstStyle/>
-                    <a:p>
-                      <a:pPr marL="0" algn="ctr" defTabSz="2194560" rtl="0" eaLnBrk="1" fontAlgn="b" latinLnBrk="1" hangingPunct="1"/>
-                      <a:r>
-                        <a:rPr lang="en-US" altLang="ko-KR" sz="2880" kern="1200">
-                          <a:solidFill>
-                            <a:schemeClr val="bg1"/>
-                          </a:solidFill>
-                          <a:latin typeface="맑은 고딕" panose="020B0503020000020004" pitchFamily="34" charset="-127"/>
-                          <a:ea typeface="맑은 고딕" panose="020B0503020000020004" pitchFamily="34" charset="-127"/>
-                          <a:cs typeface="+mn-cs"/>
-                        </a:rPr>
-                        <a:t>21</a:t>
+                        <a:t>양주호</a:t>
                       </a:r>
                     </a:p>
                   </a:txBody>
@@ -11186,17 +11947,44 @@
                     <a:bodyPr/>
                     <a:lstStyle/>
                     <a:p>
-                      <a:pPr marL="0" algn="ctr" defTabSz="2194560" rtl="0" eaLnBrk="1" fontAlgn="ctr" latinLnBrk="1" hangingPunct="1"/>
+                      <a:pPr marL="0" lvl="0" algn="ctr" defTabSz="914400" rtl="0" eaLnBrk="1" fontAlgn="b" latinLnBrk="0" hangingPunct="1">
+                        <a:buNone/>
+                      </a:pPr>
                       <a:r>
-                        <a:rPr lang="en-US" altLang="ko-KR" sz="2880" kern="1200" dirty="0">
+                        <a:rPr lang="en-US" altLang="ko-KR" sz="3600" b="1" i="0" u="none" strike="noStrike" kern="1200">
                           <a:solidFill>
                             <a:schemeClr val="bg1"/>
                           </a:solidFill>
-                          <a:latin typeface="맑은 고딕" panose="020B0503020000020004" pitchFamily="34" charset="-127"/>
-                          <a:ea typeface="맑은 고딕" panose="020B0503020000020004" pitchFamily="34" charset="-127"/>
+                          <a:latin typeface="Calibri"/>
+                          <a:ea typeface="+mn-ea"/>
                           <a:cs typeface="+mn-cs"/>
                         </a:rPr>
-                        <a:t>21.0</a:t>
+                        <a:t>230</a:t>
+                      </a:r>
+                    </a:p>
+                  </a:txBody>
+                  <a:tcPr marL="7620" marR="7620" marT="7620" marB="0" anchor="ctr">
+                    <a:noFill/>
+                  </a:tcPr>
+                </a:tc>
+                <a:tc>
+                  <a:txBody>
+                    <a:bodyPr/>
+                    <a:lstStyle/>
+                    <a:p>
+                      <a:pPr marL="0" lvl="0" algn="ctr" defTabSz="914400" rtl="0" eaLnBrk="1" fontAlgn="b" latinLnBrk="0" hangingPunct="1">
+                        <a:buNone/>
+                      </a:pPr>
+                      <a:r>
+                        <a:rPr lang="en-US" altLang="ko-KR" sz="3600" b="1" i="0" u="none" strike="noStrike" kern="1200">
+                          <a:solidFill>
+                            <a:schemeClr val="bg1"/>
+                          </a:solidFill>
+                          <a:latin typeface="Calibri"/>
+                          <a:ea typeface="+mn-ea"/>
+                          <a:cs typeface="+mn-cs"/>
+                        </a:rPr>
+                        <a:t>14.4</a:t>
                       </a:r>
                     </a:p>
                   </a:txBody>
@@ -11218,7 +12006,7 @@
                     <a:p>
                       <a:pPr algn="ctr" latinLnBrk="1"/>
                       <a:r>
-                        <a:rPr lang="en-US" altLang="ko-KR" dirty="0">
+                        <a:rPr lang="en-US" altLang="ko-KR" b="1" dirty="0">
                           <a:solidFill>
                             <a:schemeClr val="bg1"/>
                           </a:solidFill>
@@ -11227,7 +12015,7 @@
                         </a:rPr>
                         <a:t>3</a:t>
                       </a:r>
-                      <a:endParaRPr lang="ko-KR" altLang="en-US" dirty="0">
+                      <a:endParaRPr lang="ko-KR" altLang="en-US" b="1" dirty="0">
                         <a:solidFill>
                           <a:schemeClr val="bg1"/>
                         </a:solidFill>
@@ -11245,17 +12033,19 @@
                     <a:bodyPr/>
                     <a:lstStyle/>
                     <a:p>
-                      <a:pPr marL="0" algn="ctr" defTabSz="2194560" rtl="0" eaLnBrk="1" fontAlgn="b" latinLnBrk="1" hangingPunct="1"/>
+                      <a:pPr marL="0" lvl="0" algn="ctr" defTabSz="914400" rtl="0" eaLnBrk="1" fontAlgn="b" latinLnBrk="0" hangingPunct="1">
+                        <a:buNone/>
+                      </a:pPr>
                       <a:r>
-                        <a:rPr lang="ko-KR" altLang="en-US" sz="2880" kern="1200" dirty="0">
+                        <a:rPr lang="ko-KR" altLang="en-US" sz="3600" b="1" i="0" u="none" strike="noStrike" kern="1200">
                           <a:solidFill>
                             <a:schemeClr val="bg1"/>
                           </a:solidFill>
-                          <a:latin typeface="맑은 고딕" panose="020B0503020000020004" pitchFamily="34" charset="-127"/>
-                          <a:ea typeface="맑은 고딕" panose="020B0503020000020004" pitchFamily="34" charset="-127"/>
+                          <a:latin typeface="Calibri"/>
+                          <a:ea typeface="+mn-ea"/>
                           <a:cs typeface="+mn-cs"/>
                         </a:rPr>
-                        <a:t>이승엽</a:t>
+                        <a:t>설찬수</a:t>
                       </a:r>
                     </a:p>
                   </a:txBody>
@@ -11268,17 +12058,19 @@
                     <a:bodyPr/>
                     <a:lstStyle/>
                     <a:p>
-                      <a:pPr marL="0" algn="ctr" defTabSz="2194560" rtl="0" eaLnBrk="1" fontAlgn="b" latinLnBrk="1" hangingPunct="1"/>
+                      <a:pPr marL="0" lvl="0" algn="ctr" defTabSz="914400" rtl="0" eaLnBrk="1" fontAlgn="b" latinLnBrk="0" hangingPunct="1">
+                        <a:buNone/>
+                      </a:pPr>
                       <a:r>
-                        <a:rPr lang="en-US" altLang="ko-KR" sz="2880" kern="1200">
+                        <a:rPr lang="en-US" altLang="ko-KR" sz="3600" b="1" i="0" u="none" strike="noStrike" kern="1200">
                           <a:solidFill>
                             <a:schemeClr val="bg1"/>
                           </a:solidFill>
-                          <a:latin typeface="맑은 고딕" panose="020B0503020000020004" pitchFamily="34" charset="-127"/>
-                          <a:ea typeface="맑은 고딕" panose="020B0503020000020004" pitchFamily="34" charset="-127"/>
+                          <a:latin typeface="Calibri"/>
+                          <a:ea typeface="+mn-ea"/>
                           <a:cs typeface="+mn-cs"/>
                         </a:rPr>
-                        <a:t>18</a:t>
+                        <a:t>208</a:t>
                       </a:r>
                     </a:p>
                   </a:txBody>
@@ -11291,17 +12083,19 @@
                     <a:bodyPr/>
                     <a:lstStyle/>
                     <a:p>
-                      <a:pPr marL="0" algn="ctr" defTabSz="2194560" rtl="0" eaLnBrk="1" fontAlgn="ctr" latinLnBrk="1" hangingPunct="1"/>
+                      <a:pPr marL="0" lvl="0" algn="ctr" defTabSz="914400" rtl="0" eaLnBrk="1" fontAlgn="b" latinLnBrk="0" hangingPunct="1">
+                        <a:buNone/>
+                      </a:pPr>
                       <a:r>
-                        <a:rPr lang="en-US" altLang="ko-KR" sz="2880" kern="1200" dirty="0">
+                        <a:rPr lang="en-US" altLang="ko-KR" sz="3600" b="1" i="0" u="none" strike="noStrike" kern="1200">
                           <a:solidFill>
                             <a:schemeClr val="bg1"/>
                           </a:solidFill>
-                          <a:latin typeface="맑은 고딕" panose="020B0503020000020004" pitchFamily="34" charset="-127"/>
-                          <a:ea typeface="맑은 고딕" panose="020B0503020000020004" pitchFamily="34" charset="-127"/>
+                          <a:latin typeface="Calibri"/>
+                          <a:ea typeface="+mn-ea"/>
                           <a:cs typeface="+mn-cs"/>
                         </a:rPr>
-                        <a:t>18.0</a:t>
+                        <a:t>13.0</a:t>
                       </a:r>
                     </a:p>
                   </a:txBody>
@@ -11323,7 +12117,7 @@
                     <a:p>
                       <a:pPr algn="ctr" latinLnBrk="1"/>
                       <a:r>
-                        <a:rPr lang="en-US" altLang="ko-KR" dirty="0">
+                        <a:rPr lang="en-US" altLang="ko-KR" b="1" dirty="0">
                           <a:solidFill>
                             <a:schemeClr val="bg1"/>
                           </a:solidFill>
@@ -11332,7 +12126,7 @@
                         </a:rPr>
                         <a:t>4</a:t>
                       </a:r>
-                      <a:endParaRPr lang="ko-KR" altLang="en-US" dirty="0">
+                      <a:endParaRPr lang="ko-KR" altLang="en-US" b="1" dirty="0">
                         <a:solidFill>
                           <a:schemeClr val="bg1"/>
                         </a:solidFill>
@@ -11350,17 +12144,19 @@
                     <a:bodyPr/>
                     <a:lstStyle/>
                     <a:p>
-                      <a:pPr marL="0" algn="ctr" defTabSz="2194560" rtl="0" eaLnBrk="1" fontAlgn="b" latinLnBrk="1" hangingPunct="1"/>
+                      <a:pPr marL="0" lvl="0" algn="ctr" defTabSz="914400" rtl="0" eaLnBrk="1" fontAlgn="b" latinLnBrk="0" hangingPunct="1">
+                        <a:buNone/>
+                      </a:pPr>
                       <a:r>
-                        <a:rPr lang="ko-KR" altLang="en-US" sz="2880" kern="1200">
+                        <a:rPr lang="ko-KR" altLang="en-US" sz="3600" b="1" i="0" u="none" strike="noStrike" kern="1200">
                           <a:solidFill>
                             <a:schemeClr val="bg1"/>
                           </a:solidFill>
-                          <a:latin typeface="맑은 고딕" panose="020B0503020000020004" pitchFamily="34" charset="-127"/>
-                          <a:ea typeface="맑은 고딕" panose="020B0503020000020004" pitchFamily="34" charset="-127"/>
+                          <a:latin typeface="Calibri"/>
+                          <a:ea typeface="+mn-ea"/>
                           <a:cs typeface="+mn-cs"/>
                         </a:rPr>
-                        <a:t>윤여원</a:t>
+                        <a:t>이유진</a:t>
                       </a:r>
                     </a:p>
                   </a:txBody>
@@ -11373,17 +12169,19 @@
                     <a:bodyPr/>
                     <a:lstStyle/>
                     <a:p>
-                      <a:pPr marL="0" algn="ctr" defTabSz="2194560" rtl="0" eaLnBrk="1" fontAlgn="b" latinLnBrk="1" hangingPunct="1"/>
+                      <a:pPr marL="0" lvl="0" algn="ctr" defTabSz="914400" rtl="0" eaLnBrk="1" fontAlgn="b" latinLnBrk="0" hangingPunct="1">
+                        <a:buNone/>
+                      </a:pPr>
                       <a:r>
-                        <a:rPr lang="en-US" altLang="ko-KR" sz="2880" kern="1200" dirty="0">
+                        <a:rPr lang="en-US" altLang="ko-KR" sz="3600" b="1" i="0" u="none" strike="noStrike" kern="1200">
                           <a:solidFill>
                             <a:schemeClr val="bg1"/>
                           </a:solidFill>
-                          <a:latin typeface="맑은 고딕" panose="020B0503020000020004" pitchFamily="34" charset="-127"/>
-                          <a:ea typeface="맑은 고딕" panose="020B0503020000020004" pitchFamily="34" charset="-127"/>
+                          <a:latin typeface="Calibri"/>
+                          <a:ea typeface="+mn-ea"/>
                           <a:cs typeface="+mn-cs"/>
                         </a:rPr>
-                        <a:t>16</a:t>
+                        <a:t>183</a:t>
                       </a:r>
                     </a:p>
                   </a:txBody>
@@ -11396,17 +12194,19 @@
                     <a:bodyPr/>
                     <a:lstStyle/>
                     <a:p>
-                      <a:pPr marL="0" algn="ctr" defTabSz="2194560" rtl="0" eaLnBrk="1" fontAlgn="ctr" latinLnBrk="1" hangingPunct="1"/>
+                      <a:pPr marL="0" lvl="0" algn="ctr" defTabSz="914400" rtl="0" eaLnBrk="1" fontAlgn="b" latinLnBrk="0" hangingPunct="1">
+                        <a:buNone/>
+                      </a:pPr>
                       <a:r>
-                        <a:rPr lang="en-US" altLang="ko-KR" sz="2880" kern="1200" dirty="0">
+                        <a:rPr lang="en-US" altLang="ko-KR" sz="3600" b="1" i="0" u="none" strike="noStrike" kern="1200">
                           <a:solidFill>
                             <a:schemeClr val="bg1"/>
                           </a:solidFill>
-                          <a:latin typeface="맑은 고딕" panose="020B0503020000020004" pitchFamily="34" charset="-127"/>
-                          <a:ea typeface="맑은 고딕" panose="020B0503020000020004" pitchFamily="34" charset="-127"/>
+                          <a:latin typeface="Calibri"/>
+                          <a:ea typeface="+mn-ea"/>
                           <a:cs typeface="+mn-cs"/>
                         </a:rPr>
-                        <a:t>16.0</a:t>
+                        <a:t>11.4</a:t>
                       </a:r>
                     </a:p>
                   </a:txBody>
@@ -11428,7 +12228,7 @@
                     <a:p>
                       <a:pPr algn="ctr" latinLnBrk="1"/>
                       <a:r>
-                        <a:rPr lang="en-US" altLang="ko-KR" dirty="0">
+                        <a:rPr lang="en-US" altLang="ko-KR" b="1" dirty="0">
                           <a:solidFill>
                             <a:schemeClr val="bg1"/>
                           </a:solidFill>
@@ -11437,7 +12237,7 @@
                         </a:rPr>
                         <a:t>5</a:t>
                       </a:r>
-                      <a:endParaRPr lang="ko-KR" altLang="en-US" dirty="0">
+                      <a:endParaRPr lang="ko-KR" altLang="en-US" b="1" dirty="0">
                         <a:solidFill>
                           <a:schemeClr val="bg1"/>
                         </a:solidFill>
@@ -11455,17 +12255,19 @@
                     <a:bodyPr/>
                     <a:lstStyle/>
                     <a:p>
-                      <a:pPr marL="0" algn="ctr" defTabSz="2194560" rtl="0" eaLnBrk="1" fontAlgn="b" latinLnBrk="1" hangingPunct="1"/>
+                      <a:pPr marL="0" lvl="0" algn="ctr" defTabSz="914400" rtl="0" eaLnBrk="1" fontAlgn="b" latinLnBrk="0" hangingPunct="1">
+                        <a:buNone/>
+                      </a:pPr>
                       <a:r>
-                        <a:rPr lang="ko-KR" altLang="en-US" sz="2880" kern="1200">
+                        <a:rPr lang="ko-KR" altLang="en-US" sz="3600" b="1" i="0" u="none" strike="noStrike" kern="1200">
                           <a:solidFill>
                             <a:schemeClr val="bg1"/>
                           </a:solidFill>
-                          <a:latin typeface="맑은 고딕" panose="020B0503020000020004" pitchFamily="34" charset="-127"/>
-                          <a:ea typeface="맑은 고딕" panose="020B0503020000020004" pitchFamily="34" charset="-127"/>
+                          <a:latin typeface="Calibri"/>
+                          <a:ea typeface="+mn-ea"/>
                           <a:cs typeface="+mn-cs"/>
                         </a:rPr>
-                        <a:t>정민교</a:t>
+                        <a:t>송바롬</a:t>
                       </a:r>
                     </a:p>
                   </a:txBody>
@@ -11478,17 +12280,19 @@
                     <a:bodyPr/>
                     <a:lstStyle/>
                     <a:p>
-                      <a:pPr marL="0" algn="ctr" defTabSz="2194560" rtl="0" eaLnBrk="1" fontAlgn="b" latinLnBrk="1" hangingPunct="1"/>
+                      <a:pPr marL="0" lvl="0" algn="ctr" defTabSz="914400" rtl="0" eaLnBrk="1" fontAlgn="b" latinLnBrk="0" hangingPunct="1">
+                        <a:buNone/>
+                      </a:pPr>
                       <a:r>
-                        <a:rPr lang="en-US" altLang="ko-KR" sz="2880" kern="1200" dirty="0">
+                        <a:rPr lang="en-US" altLang="ko-KR" sz="3600" b="1" i="0" u="none" strike="noStrike" kern="1200">
                           <a:solidFill>
                             <a:schemeClr val="bg1"/>
                           </a:solidFill>
-                          <a:latin typeface="맑은 고딕" panose="020B0503020000020004" pitchFamily="34" charset="-127"/>
-                          <a:ea typeface="맑은 고딕" panose="020B0503020000020004" pitchFamily="34" charset="-127"/>
+                          <a:latin typeface="Calibri"/>
+                          <a:ea typeface="+mn-ea"/>
                           <a:cs typeface="+mn-cs"/>
                         </a:rPr>
-                        <a:t>15</a:t>
+                        <a:t>182</a:t>
                       </a:r>
                     </a:p>
                   </a:txBody>
@@ -11501,17 +12305,19 @@
                     <a:bodyPr/>
                     <a:lstStyle/>
                     <a:p>
-                      <a:pPr marL="0" algn="ctr" defTabSz="2194560" rtl="0" eaLnBrk="1" fontAlgn="ctr" latinLnBrk="1" hangingPunct="1"/>
+                      <a:pPr marL="0" lvl="0" algn="ctr" defTabSz="914400" rtl="0" eaLnBrk="1" fontAlgn="b" latinLnBrk="0" hangingPunct="1">
+                        <a:buNone/>
+                      </a:pPr>
                       <a:r>
-                        <a:rPr lang="en-US" altLang="ko-KR" sz="2880" kern="1200" dirty="0">
+                        <a:rPr lang="en-US" altLang="ko-KR" sz="3600" b="1" i="0" u="none" strike="noStrike" kern="1200">
                           <a:solidFill>
                             <a:schemeClr val="bg1"/>
                           </a:solidFill>
-                          <a:latin typeface="맑은 고딕" panose="020B0503020000020004" pitchFamily="34" charset="-127"/>
-                          <a:ea typeface="맑은 고딕" panose="020B0503020000020004" pitchFamily="34" charset="-127"/>
+                          <a:latin typeface="Calibri"/>
+                          <a:ea typeface="+mn-ea"/>
                           <a:cs typeface="+mn-cs"/>
                         </a:rPr>
-                        <a:t>15.0</a:t>
+                        <a:t>11.4</a:t>
                       </a:r>
                     </a:p>
                   </a:txBody>
@@ -11533,7 +12339,7 @@
                     <a:p>
                       <a:pPr algn="ctr" latinLnBrk="1"/>
                       <a:r>
-                        <a:rPr lang="en-US" altLang="ko-KR" dirty="0">
+                        <a:rPr lang="en-US" altLang="ko-KR" b="1" dirty="0">
                           <a:solidFill>
                             <a:schemeClr val="bg1"/>
                           </a:solidFill>
@@ -11542,7 +12348,7 @@
                         </a:rPr>
                         <a:t>6</a:t>
                       </a:r>
-                      <a:endParaRPr lang="ko-KR" altLang="en-US" dirty="0">
+                      <a:endParaRPr lang="ko-KR" altLang="en-US" b="1" dirty="0">
                         <a:solidFill>
                           <a:schemeClr val="bg1"/>
                         </a:solidFill>
@@ -11560,17 +12366,19 @@
                     <a:bodyPr/>
                     <a:lstStyle/>
                     <a:p>
-                      <a:pPr marL="0" algn="ctr" defTabSz="2194560" rtl="0" eaLnBrk="1" fontAlgn="b" latinLnBrk="1" hangingPunct="1"/>
+                      <a:pPr marL="0" lvl="0" algn="ctr" defTabSz="914400" rtl="0" eaLnBrk="1" fontAlgn="b" latinLnBrk="0" hangingPunct="1">
+                        <a:buNone/>
+                      </a:pPr>
                       <a:r>
-                        <a:rPr lang="ko-KR" altLang="en-US" sz="2880" kern="1200">
+                        <a:rPr lang="ko-KR" altLang="en-US" sz="3600" b="1" i="0" u="none" strike="noStrike" kern="1200">
                           <a:solidFill>
                             <a:schemeClr val="bg1"/>
                           </a:solidFill>
-                          <a:latin typeface="맑은 고딕" panose="020B0503020000020004" pitchFamily="34" charset="-127"/>
-                          <a:ea typeface="맑은 고딕" panose="020B0503020000020004" pitchFamily="34" charset="-127"/>
+                          <a:latin typeface="Calibri"/>
+                          <a:ea typeface="+mn-ea"/>
                           <a:cs typeface="+mn-cs"/>
                         </a:rPr>
-                        <a:t>나경민</a:t>
+                        <a:t>장택순</a:t>
                       </a:r>
                     </a:p>
                   </a:txBody>
@@ -11583,17 +12391,19 @@
                     <a:bodyPr/>
                     <a:lstStyle/>
                     <a:p>
-                      <a:pPr marL="0" algn="ctr" defTabSz="2194560" rtl="0" eaLnBrk="1" fontAlgn="b" latinLnBrk="1" hangingPunct="1"/>
+                      <a:pPr marL="0" lvl="0" algn="ctr" defTabSz="914400" rtl="0" eaLnBrk="1" fontAlgn="b" latinLnBrk="0" hangingPunct="1">
+                        <a:buNone/>
+                      </a:pPr>
                       <a:r>
-                        <a:rPr lang="en-US" altLang="ko-KR" sz="2880" kern="1200" dirty="0">
+                        <a:rPr lang="en-US" altLang="ko-KR" sz="3600" b="1" i="0" u="none" strike="noStrike" kern="1200">
                           <a:solidFill>
                             <a:schemeClr val="bg1"/>
                           </a:solidFill>
-                          <a:latin typeface="맑은 고딕" panose="020B0503020000020004" pitchFamily="34" charset="-127"/>
-                          <a:ea typeface="맑은 고딕" panose="020B0503020000020004" pitchFamily="34" charset="-127"/>
+                          <a:latin typeface="Calibri"/>
+                          <a:ea typeface="+mn-ea"/>
                           <a:cs typeface="+mn-cs"/>
                         </a:rPr>
-                        <a:t>14</a:t>
+                        <a:t>176</a:t>
                       </a:r>
                     </a:p>
                   </a:txBody>
@@ -11606,17 +12416,19 @@
                     <a:bodyPr/>
                     <a:lstStyle/>
                     <a:p>
-                      <a:pPr marL="0" algn="ctr" defTabSz="2194560" rtl="0" eaLnBrk="1" fontAlgn="ctr" latinLnBrk="1" hangingPunct="1"/>
+                      <a:pPr marL="0" lvl="0" algn="ctr" defTabSz="914400" rtl="0" eaLnBrk="1" fontAlgn="b" latinLnBrk="0" hangingPunct="1">
+                        <a:buNone/>
+                      </a:pPr>
                       <a:r>
-                        <a:rPr lang="en-US" altLang="ko-KR" sz="2880" kern="1200" dirty="0">
+                        <a:rPr lang="en-US" altLang="ko-KR" sz="3600" b="1" i="0" u="none" strike="noStrike" kern="1200">
                           <a:solidFill>
                             <a:schemeClr val="bg1"/>
                           </a:solidFill>
-                          <a:latin typeface="맑은 고딕" panose="020B0503020000020004" pitchFamily="34" charset="-127"/>
-                          <a:ea typeface="맑은 고딕" panose="020B0503020000020004" pitchFamily="34" charset="-127"/>
+                          <a:latin typeface="Calibri"/>
+                          <a:ea typeface="+mn-ea"/>
                           <a:cs typeface="+mn-cs"/>
                         </a:rPr>
-                        <a:t>14.0</a:t>
+                        <a:t>11.0</a:t>
                       </a:r>
                     </a:p>
                   </a:txBody>
@@ -11638,7 +12450,7 @@
                     <a:p>
                       <a:pPr algn="ctr" latinLnBrk="1"/>
                       <a:r>
-                        <a:rPr lang="en-US" altLang="ko-KR" dirty="0">
+                        <a:rPr lang="en-US" altLang="ko-KR" b="1" dirty="0">
                           <a:solidFill>
                             <a:schemeClr val="bg1"/>
                           </a:solidFill>
@@ -11647,7 +12459,7 @@
                         </a:rPr>
                         <a:t>7</a:t>
                       </a:r>
-                      <a:endParaRPr lang="ko-KR" altLang="en-US" dirty="0">
+                      <a:endParaRPr lang="ko-KR" altLang="en-US" b="1" dirty="0">
                         <a:solidFill>
                           <a:schemeClr val="bg1"/>
                         </a:solidFill>
@@ -11665,17 +12477,19 @@
                     <a:bodyPr/>
                     <a:lstStyle/>
                     <a:p>
-                      <a:pPr marL="0" algn="ctr" defTabSz="2194560" rtl="0" eaLnBrk="1" fontAlgn="b" latinLnBrk="1" hangingPunct="1"/>
+                      <a:pPr marL="0" lvl="0" algn="ctr" defTabSz="914400" rtl="0" eaLnBrk="1" fontAlgn="b" latinLnBrk="0" hangingPunct="1">
+                        <a:buNone/>
+                      </a:pPr>
                       <a:r>
-                        <a:rPr lang="ko-KR" altLang="en-US" sz="2880" kern="1200">
+                        <a:rPr lang="ko-KR" altLang="en-US" sz="3600" b="1" i="0" u="none" strike="noStrike" kern="1200">
                           <a:solidFill>
                             <a:schemeClr val="bg1"/>
                           </a:solidFill>
-                          <a:latin typeface="맑은 고딕" panose="020B0503020000020004" pitchFamily="34" charset="-127"/>
-                          <a:ea typeface="맑은 고딕" panose="020B0503020000020004" pitchFamily="34" charset="-127"/>
+                          <a:latin typeface="Calibri"/>
+                          <a:ea typeface="+mn-ea"/>
                           <a:cs typeface="+mn-cs"/>
                         </a:rPr>
-                        <a:t>송바롬</a:t>
+                        <a:t>윤문철</a:t>
                       </a:r>
                     </a:p>
                   </a:txBody>
@@ -11688,17 +12502,19 @@
                     <a:bodyPr/>
                     <a:lstStyle/>
                     <a:p>
-                      <a:pPr marL="0" algn="ctr" defTabSz="2194560" rtl="0" eaLnBrk="1" fontAlgn="b" latinLnBrk="1" hangingPunct="1"/>
+                      <a:pPr marL="0" lvl="0" algn="ctr" defTabSz="914400" rtl="0" eaLnBrk="1" fontAlgn="b" latinLnBrk="0" hangingPunct="1">
+                        <a:buNone/>
+                      </a:pPr>
                       <a:r>
-                        <a:rPr lang="en-US" altLang="ko-KR" sz="2880" kern="1200" dirty="0">
+                        <a:rPr lang="en-US" altLang="ko-KR" sz="3600" b="1" i="0" u="none" strike="noStrike" kern="1200">
                           <a:solidFill>
                             <a:schemeClr val="bg1"/>
                           </a:solidFill>
-                          <a:latin typeface="맑은 고딕" panose="020B0503020000020004" pitchFamily="34" charset="-127"/>
-                          <a:ea typeface="맑은 고딕" panose="020B0503020000020004" pitchFamily="34" charset="-127"/>
+                          <a:latin typeface="Calibri"/>
+                          <a:ea typeface="+mn-ea"/>
                           <a:cs typeface="+mn-cs"/>
                         </a:rPr>
-                        <a:t>14</a:t>
+                        <a:t>172</a:t>
                       </a:r>
                     </a:p>
                   </a:txBody>
@@ -11711,17 +12527,19 @@
                     <a:bodyPr/>
                     <a:lstStyle/>
                     <a:p>
-                      <a:pPr marL="0" algn="ctr" defTabSz="2194560" rtl="0" eaLnBrk="1" fontAlgn="ctr" latinLnBrk="1" hangingPunct="1"/>
+                      <a:pPr marL="0" lvl="0" algn="ctr" defTabSz="914400" rtl="0" eaLnBrk="1" fontAlgn="b" latinLnBrk="0" hangingPunct="1">
+                        <a:buNone/>
+                      </a:pPr>
                       <a:r>
-                        <a:rPr lang="en-US" altLang="ko-KR" sz="2880" kern="1200" dirty="0">
+                        <a:rPr lang="en-US" altLang="ko-KR" sz="3600" b="1" i="0" u="none" strike="noStrike" kern="1200">
                           <a:solidFill>
                             <a:schemeClr val="bg1"/>
                           </a:solidFill>
-                          <a:latin typeface="맑은 고딕" panose="020B0503020000020004" pitchFamily="34" charset="-127"/>
-                          <a:ea typeface="맑은 고딕" panose="020B0503020000020004" pitchFamily="34" charset="-127"/>
+                          <a:latin typeface="Calibri"/>
+                          <a:ea typeface="+mn-ea"/>
                           <a:cs typeface="+mn-cs"/>
                         </a:rPr>
-                        <a:t>14.0</a:t>
+                        <a:t>10.8</a:t>
                       </a:r>
                     </a:p>
                   </a:txBody>
@@ -11743,7 +12561,7 @@
                     <a:p>
                       <a:pPr algn="ctr" latinLnBrk="1"/>
                       <a:r>
-                        <a:rPr lang="en-US" altLang="ko-KR" dirty="0">
+                        <a:rPr lang="en-US" altLang="ko-KR" b="1" dirty="0">
                           <a:solidFill>
                             <a:schemeClr val="bg1"/>
                           </a:solidFill>
@@ -11752,7 +12570,7 @@
                         </a:rPr>
                         <a:t>8</a:t>
                       </a:r>
-                      <a:endParaRPr lang="ko-KR" altLang="en-US" dirty="0">
+                      <a:endParaRPr lang="ko-KR" altLang="en-US" b="1" dirty="0">
                         <a:solidFill>
                           <a:schemeClr val="bg1"/>
                         </a:solidFill>
@@ -11770,14 +12588,16 @@
                     <a:bodyPr/>
                     <a:lstStyle/>
                     <a:p>
-                      <a:pPr marL="0" algn="ctr" defTabSz="2194560" rtl="0" eaLnBrk="1" fontAlgn="b" latinLnBrk="1" hangingPunct="1"/>
+                      <a:pPr marL="0" lvl="0" algn="ctr" defTabSz="914400" rtl="0" eaLnBrk="1" fontAlgn="b" latinLnBrk="0" hangingPunct="1">
+                        <a:buNone/>
+                      </a:pPr>
                       <a:r>
-                        <a:rPr lang="ko-KR" altLang="en-US" sz="2880" kern="1200">
+                        <a:rPr lang="ko-KR" altLang="en-US" sz="3600" b="1" i="0" u="none" strike="noStrike" kern="1200">
                           <a:solidFill>
                             <a:schemeClr val="bg1"/>
                           </a:solidFill>
-                          <a:latin typeface="맑은 고딕" panose="020B0503020000020004" pitchFamily="34" charset="-127"/>
-                          <a:ea typeface="맑은 고딕" panose="020B0503020000020004" pitchFamily="34" charset="-127"/>
+                          <a:latin typeface="Calibri"/>
+                          <a:ea typeface="+mn-ea"/>
                           <a:cs typeface="+mn-cs"/>
                         </a:rPr>
                         <a:t>이승현</a:t>
@@ -11793,17 +12613,19 @@
                     <a:bodyPr/>
                     <a:lstStyle/>
                     <a:p>
-                      <a:pPr marL="0" algn="ctr" defTabSz="2194560" rtl="0" eaLnBrk="1" fontAlgn="b" latinLnBrk="1" hangingPunct="1"/>
+                      <a:pPr marL="0" lvl="0" algn="ctr" defTabSz="914400" rtl="0" eaLnBrk="1" fontAlgn="b" latinLnBrk="0" hangingPunct="1">
+                        <a:buNone/>
+                      </a:pPr>
                       <a:r>
-                        <a:rPr lang="en-US" altLang="ko-KR" sz="2880" kern="1200" dirty="0">
+                        <a:rPr lang="en-US" altLang="ko-KR" sz="3600" b="1" i="0" u="none" strike="noStrike" kern="1200">
                           <a:solidFill>
                             <a:schemeClr val="bg1"/>
                           </a:solidFill>
-                          <a:latin typeface="맑은 고딕" panose="020B0503020000020004" pitchFamily="34" charset="-127"/>
-                          <a:ea typeface="맑은 고딕" panose="020B0503020000020004" pitchFamily="34" charset="-127"/>
+                          <a:latin typeface="Calibri"/>
+                          <a:ea typeface="+mn-ea"/>
                           <a:cs typeface="+mn-cs"/>
                         </a:rPr>
-                        <a:t>14</a:t>
+                        <a:t>172</a:t>
                       </a:r>
                     </a:p>
                   </a:txBody>
@@ -11816,17 +12638,19 @@
                     <a:bodyPr/>
                     <a:lstStyle/>
                     <a:p>
-                      <a:pPr marL="0" algn="ctr" defTabSz="2194560" rtl="0" eaLnBrk="1" fontAlgn="ctr" latinLnBrk="1" hangingPunct="1"/>
+                      <a:pPr marL="0" lvl="0" algn="ctr" defTabSz="914400" rtl="0" eaLnBrk="1" fontAlgn="b" latinLnBrk="0" hangingPunct="1">
+                        <a:buNone/>
+                      </a:pPr>
                       <a:r>
-                        <a:rPr lang="en-US" altLang="ko-KR" sz="2880" kern="1200" dirty="0">
+                        <a:rPr lang="en-US" altLang="ko-KR" sz="3600" b="1" i="0" u="none" strike="noStrike" kern="1200">
                           <a:solidFill>
                             <a:schemeClr val="bg1"/>
                           </a:solidFill>
-                          <a:latin typeface="맑은 고딕" panose="020B0503020000020004" pitchFamily="34" charset="-127"/>
-                          <a:ea typeface="맑은 고딕" panose="020B0503020000020004" pitchFamily="34" charset="-127"/>
+                          <a:latin typeface="Calibri"/>
+                          <a:ea typeface="+mn-ea"/>
                           <a:cs typeface="+mn-cs"/>
                         </a:rPr>
-                        <a:t>14.0</a:t>
+                        <a:t>10.8</a:t>
                       </a:r>
                     </a:p>
                   </a:txBody>
@@ -11848,7 +12672,7 @@
                     <a:p>
                       <a:pPr algn="ctr" latinLnBrk="1"/>
                       <a:r>
-                        <a:rPr lang="en-US" altLang="ko-KR" dirty="0">
+                        <a:rPr lang="en-US" altLang="ko-KR" b="1" dirty="0">
                           <a:solidFill>
                             <a:schemeClr val="bg1"/>
                           </a:solidFill>
@@ -11857,7 +12681,7 @@
                         </a:rPr>
                         <a:t>9</a:t>
                       </a:r>
-                      <a:endParaRPr lang="ko-KR" altLang="en-US" dirty="0">
+                      <a:endParaRPr lang="ko-KR" altLang="en-US" b="1" dirty="0">
                         <a:solidFill>
                           <a:schemeClr val="bg1"/>
                         </a:solidFill>
@@ -11875,17 +12699,19 @@
                     <a:bodyPr/>
                     <a:lstStyle/>
                     <a:p>
-                      <a:pPr marL="0" algn="ctr" defTabSz="2194560" rtl="0" eaLnBrk="1" fontAlgn="b" latinLnBrk="1" hangingPunct="1"/>
+                      <a:pPr marL="0" lvl="0" algn="ctr" defTabSz="914400" rtl="0" eaLnBrk="1" fontAlgn="b" latinLnBrk="0" hangingPunct="1">
+                        <a:buNone/>
+                      </a:pPr>
                       <a:r>
-                        <a:rPr lang="ko-KR" altLang="en-US" sz="2880" kern="1200">
+                        <a:rPr lang="ko-KR" altLang="en-US" sz="3600" b="1" i="0" u="none" strike="noStrike" kern="1200">
                           <a:solidFill>
                             <a:schemeClr val="bg1"/>
                           </a:solidFill>
-                          <a:latin typeface="맑은 고딕" panose="020B0503020000020004" pitchFamily="34" charset="-127"/>
-                          <a:ea typeface="맑은 고딕" panose="020B0503020000020004" pitchFamily="34" charset="-127"/>
+                          <a:latin typeface="Calibri"/>
+                          <a:ea typeface="+mn-ea"/>
                           <a:cs typeface="+mn-cs"/>
                         </a:rPr>
-                        <a:t>이유진</a:t>
+                        <a:t>김정윤</a:t>
                       </a:r>
                     </a:p>
                   </a:txBody>
@@ -11898,17 +12724,19 @@
                     <a:bodyPr/>
                     <a:lstStyle/>
                     <a:p>
-                      <a:pPr marL="0" algn="ctr" defTabSz="2194560" rtl="0" eaLnBrk="1" fontAlgn="b" latinLnBrk="1" hangingPunct="1"/>
+                      <a:pPr marL="0" lvl="0" algn="ctr" defTabSz="914400" rtl="0" eaLnBrk="1" fontAlgn="b" latinLnBrk="0" hangingPunct="1">
+                        <a:buNone/>
+                      </a:pPr>
                       <a:r>
-                        <a:rPr lang="en-US" altLang="ko-KR" sz="2880" kern="1200" dirty="0">
+                        <a:rPr lang="en-US" altLang="ko-KR" sz="3600" b="1" i="0" u="none" strike="noStrike" kern="1200">
                           <a:solidFill>
                             <a:schemeClr val="bg1"/>
                           </a:solidFill>
-                          <a:latin typeface="맑은 고딕" panose="020B0503020000020004" pitchFamily="34" charset="-127"/>
-                          <a:ea typeface="맑은 고딕" panose="020B0503020000020004" pitchFamily="34" charset="-127"/>
+                          <a:latin typeface="Calibri"/>
+                          <a:ea typeface="+mn-ea"/>
                           <a:cs typeface="+mn-cs"/>
                         </a:rPr>
-                        <a:t>14</a:t>
+                        <a:t>158</a:t>
                       </a:r>
                     </a:p>
                   </a:txBody>
@@ -11921,17 +12749,19 @@
                     <a:bodyPr/>
                     <a:lstStyle/>
                     <a:p>
-                      <a:pPr marL="0" algn="ctr" defTabSz="2194560" rtl="0" eaLnBrk="1" fontAlgn="ctr" latinLnBrk="1" hangingPunct="1"/>
+                      <a:pPr marL="0" lvl="0" algn="ctr" defTabSz="914400" rtl="0" eaLnBrk="1" fontAlgn="b" latinLnBrk="0" hangingPunct="1">
+                        <a:buNone/>
+                      </a:pPr>
                       <a:r>
-                        <a:rPr lang="en-US" altLang="ko-KR" sz="2880" kern="1200" dirty="0">
+                        <a:rPr lang="en-US" altLang="ko-KR" sz="3600" b="1" i="0" u="none" strike="noStrike" kern="1200">
                           <a:solidFill>
                             <a:schemeClr val="bg1"/>
                           </a:solidFill>
-                          <a:latin typeface="맑은 고딕" panose="020B0503020000020004" pitchFamily="34" charset="-127"/>
-                          <a:ea typeface="맑은 고딕" panose="020B0503020000020004" pitchFamily="34" charset="-127"/>
+                          <a:latin typeface="Calibri"/>
+                          <a:ea typeface="+mn-ea"/>
                           <a:cs typeface="+mn-cs"/>
                         </a:rPr>
-                        <a:t>14.0</a:t>
+                        <a:t>9.9</a:t>
                       </a:r>
                     </a:p>
                   </a:txBody>
@@ -11953,7 +12783,7 @@
                     <a:p>
                       <a:pPr algn="ctr" latinLnBrk="1"/>
                       <a:r>
-                        <a:rPr lang="en-US" altLang="ko-KR" dirty="0">
+                        <a:rPr lang="en-US" altLang="ko-KR" b="1" dirty="0">
                           <a:solidFill>
                             <a:schemeClr val="bg1"/>
                           </a:solidFill>
@@ -11973,17 +12803,19 @@
                     <a:bodyPr/>
                     <a:lstStyle/>
                     <a:p>
-                      <a:pPr marL="0" algn="ctr" defTabSz="2194560" rtl="0" eaLnBrk="1" fontAlgn="b" latinLnBrk="1" hangingPunct="1"/>
+                      <a:pPr marL="0" lvl="0" algn="ctr" defTabSz="914400" rtl="0" eaLnBrk="1" fontAlgn="b" latinLnBrk="0" hangingPunct="1">
+                        <a:buNone/>
+                      </a:pPr>
                       <a:r>
-                        <a:rPr lang="ko-KR" altLang="en-US" sz="2880" kern="1200">
+                        <a:rPr lang="ko-KR" altLang="en-US" sz="3600" b="1" i="0" u="none" strike="noStrike" kern="1200">
                           <a:solidFill>
                             <a:schemeClr val="bg1"/>
                           </a:solidFill>
-                          <a:latin typeface="맑은 고딕" panose="020B0503020000020004" pitchFamily="34" charset="-127"/>
-                          <a:ea typeface="맑은 고딕" panose="020B0503020000020004" pitchFamily="34" charset="-127"/>
+                          <a:latin typeface="Calibri"/>
+                          <a:ea typeface="+mn-ea"/>
                           <a:cs typeface="+mn-cs"/>
                         </a:rPr>
-                        <a:t>설찬수</a:t>
+                        <a:t>유용선</a:t>
                       </a:r>
                     </a:p>
                   </a:txBody>
@@ -11996,17 +12828,19 @@
                     <a:bodyPr/>
                     <a:lstStyle/>
                     <a:p>
-                      <a:pPr marL="0" algn="ctr" defTabSz="2194560" rtl="0" eaLnBrk="1" fontAlgn="b" latinLnBrk="1" hangingPunct="1"/>
+                      <a:pPr marL="0" lvl="0" algn="ctr" defTabSz="914400" rtl="0" eaLnBrk="1" fontAlgn="b" latinLnBrk="0" hangingPunct="1">
+                        <a:buNone/>
+                      </a:pPr>
                       <a:r>
-                        <a:rPr lang="en-US" altLang="ko-KR" sz="2880" kern="1200" dirty="0">
+                        <a:rPr lang="en-US" altLang="ko-KR" sz="3600" b="1" i="0" u="none" strike="noStrike" kern="1200">
                           <a:solidFill>
                             <a:schemeClr val="bg1"/>
                           </a:solidFill>
-                          <a:latin typeface="맑은 고딕" panose="020B0503020000020004" pitchFamily="34" charset="-127"/>
-                          <a:ea typeface="맑은 고딕" panose="020B0503020000020004" pitchFamily="34" charset="-127"/>
+                          <a:latin typeface="Calibri"/>
+                          <a:ea typeface="+mn-ea"/>
                           <a:cs typeface="+mn-cs"/>
                         </a:rPr>
-                        <a:t>13</a:t>
+                        <a:t>145</a:t>
                       </a:r>
                     </a:p>
                   </a:txBody>
@@ -12019,17 +12853,19 @@
                     <a:bodyPr/>
                     <a:lstStyle/>
                     <a:p>
-                      <a:pPr marL="0" algn="ctr" defTabSz="2194560" rtl="0" eaLnBrk="1" fontAlgn="ctr" latinLnBrk="1" hangingPunct="1"/>
+                      <a:pPr marL="0" lvl="0" algn="ctr" defTabSz="914400" rtl="0" eaLnBrk="1" fontAlgn="b" latinLnBrk="0" hangingPunct="1">
+                        <a:buNone/>
+                      </a:pPr>
                       <a:r>
-                        <a:rPr lang="en-US" altLang="ko-KR" sz="2880" kern="1200" dirty="0">
+                        <a:rPr lang="en-US" altLang="ko-KR" sz="3600" b="1" i="0" u="none" strike="noStrike" kern="1200" dirty="0">
                           <a:solidFill>
                             <a:schemeClr val="bg1"/>
                           </a:solidFill>
-                          <a:latin typeface="맑은 고딕" panose="020B0503020000020004" pitchFamily="34" charset="-127"/>
-                          <a:ea typeface="맑은 고딕" panose="020B0503020000020004" pitchFamily="34" charset="-127"/>
+                          <a:latin typeface="Calibri"/>
+                          <a:ea typeface="+mn-ea"/>
                           <a:cs typeface="+mn-cs"/>
                         </a:rPr>
-                        <a:t>13.0</a:t>
+                        <a:t>9.1</a:t>
                       </a:r>
                     </a:p>
                   </a:txBody>
@@ -12052,7 +12888,7 @@
           <p:cNvPr id="22" name="Rectangle 21">
             <a:extLst>
               <a:ext uri="{FF2B5EF4-FFF2-40B4-BE49-F238E27FC236}">
-                <a16:creationId xmlns:a16="http://schemas.microsoft.com/office/drawing/2014/main" id="{CD33B719-BAAC-7E42-D03F-4353FA99D0B4}"/>
+                <a16:creationId xmlns:a16="http://schemas.microsoft.com/office/drawing/2014/main" id="{B3487433-D7C9-CCD2-A017-3E5394A404A2}"/>
               </a:ext>
             </a:extLst>
           </p:cNvPr>
@@ -12061,7 +12897,7 @@
         </p:nvSpPr>
         <p:spPr>
           <a:xfrm>
-            <a:off x="17941947" y="2250949"/>
+            <a:off x="17941947" y="2242164"/>
             <a:ext cx="10559162" cy="1080000"/>
           </a:xfrm>
           <a:prstGeom prst="rect">
@@ -12106,7 +12942,7 @@
           <p:cNvPr id="23" name="Rectangle 22">
             <a:extLst>
               <a:ext uri="{FF2B5EF4-FFF2-40B4-BE49-F238E27FC236}">
-                <a16:creationId xmlns:a16="http://schemas.microsoft.com/office/drawing/2014/main" id="{1A9FABBC-2413-B47B-32E8-4489F42DFA1F}"/>
+                <a16:creationId xmlns:a16="http://schemas.microsoft.com/office/drawing/2014/main" id="{12795632-2980-9DFE-345B-DF30EAAB4FEF}"/>
               </a:ext>
             </a:extLst>
           </p:cNvPr>
@@ -12146,7 +12982,7 @@
                 <a:ea typeface="+mj-ea"/>
                 <a:cs typeface="Microsoft GothicNeo"/>
               </a:rPr>
-              <a:t>: 12/01 – 12/03</a:t>
+              <a:t>: 04/01 – 04/23</a:t>
             </a:r>
           </a:p>
         </p:txBody>
@@ -12156,7 +12992,7 @@
           <p:cNvPr id="25" name="TextBox 24">
             <a:extLst>
               <a:ext uri="{FF2B5EF4-FFF2-40B4-BE49-F238E27FC236}">
-                <a16:creationId xmlns:a16="http://schemas.microsoft.com/office/drawing/2014/main" id="{42800758-5B45-0AE5-AC1A-537AFDDAED44}"/>
+                <a16:creationId xmlns:a16="http://schemas.microsoft.com/office/drawing/2014/main" id="{E6689273-AC18-FC52-99BD-B3EA946C55BC}"/>
               </a:ext>
             </a:extLst>
           </p:cNvPr>
@@ -12191,7 +13027,7 @@
           <p:cNvPr id="28" name="Table 28">
             <a:extLst>
               <a:ext uri="{FF2B5EF4-FFF2-40B4-BE49-F238E27FC236}">
-                <a16:creationId xmlns:a16="http://schemas.microsoft.com/office/drawing/2014/main" id="{6D13136D-29FD-0967-E43F-624CB745A027}"/>
+                <a16:creationId xmlns:a16="http://schemas.microsoft.com/office/drawing/2014/main" id="{E8A74810-07B8-CB01-7727-F80A85E1576A}"/>
               </a:ext>
             </a:extLst>
           </p:cNvPr>
@@ -12463,7 +13299,7 @@
           <p:cNvPr id="29" name="TextBox 28">
             <a:extLst>
               <a:ext uri="{FF2B5EF4-FFF2-40B4-BE49-F238E27FC236}">
-                <a16:creationId xmlns:a16="http://schemas.microsoft.com/office/drawing/2014/main" id="{8484D90C-DBF4-B9D9-83A3-77F2315749FA}"/>
+                <a16:creationId xmlns:a16="http://schemas.microsoft.com/office/drawing/2014/main" id="{3ABAF8B3-1101-22CF-FD34-70C7AE8B03F9}"/>
               </a:ext>
             </a:extLst>
           </p:cNvPr>
@@ -12472,7 +13308,7 @@
         </p:nvSpPr>
         <p:spPr>
           <a:xfrm>
-            <a:off x="13443886" y="14865608"/>
+            <a:off x="13506232" y="14865608"/>
             <a:ext cx="11447357" cy="1117728"/>
           </a:xfrm>
           <a:prstGeom prst="rect">
@@ -12504,7 +13340,7 @@
                 <a:ea typeface="맑은 고딕" panose="020B0503020000020004" pitchFamily="50" charset="-127"/>
                 <a:cs typeface="Times New Roman" panose="02020603050405020304" pitchFamily="18" charset="0"/>
               </a:rPr>
-              <a:t>목표를 이루기 위해서는 끈기와 인내심이 필요합니다</a:t>
+              <a:t>슬럼프는 저를 더 강하게 만들어준 경험입니다</a:t>
             </a:r>
             <a:r>
               <a:rPr lang="en-US" altLang="ko-KR" sz="3600" kern="100" dirty="0">
@@ -12529,43 +13365,10 @@
               </a:spcAft>
             </a:pPr>
             <a:r>
-              <a:rPr lang="ko-KR" altLang="en-US" sz="3600" kern="100" dirty="0">
-                <a:solidFill>
-                  <a:schemeClr val="bg1"/>
-                </a:solidFill>
-                <a:latin typeface="맑은 고딕" panose="020B0503020000020004" pitchFamily="50" charset="-127"/>
-                <a:ea typeface="맑은 고딕" panose="020B0503020000020004" pitchFamily="50" charset="-127"/>
-                <a:cs typeface="Times New Roman" panose="02020603050405020304" pitchFamily="18" charset="0"/>
-              </a:rPr>
-              <a:t>성공하는 사람들은 목표를 포기하지 않고 끝까지 노력합니다</a:t>
-            </a:r>
-            <a:r>
               <a:rPr lang="en-US" altLang="ko-KR" sz="3600" kern="100" dirty="0">
                 <a:solidFill>
                   <a:schemeClr val="bg1"/>
                 </a:solidFill>
-                <a:latin typeface="맑은 고딕" panose="020B0503020000020004" pitchFamily="50" charset="-127"/>
-                <a:ea typeface="맑은 고딕" panose="020B0503020000020004" pitchFamily="50" charset="-127"/>
-                <a:cs typeface="Times New Roman" panose="02020603050405020304" pitchFamily="18" charset="0"/>
-              </a:rPr>
-              <a:t>.</a:t>
-            </a:r>
-          </a:p>
-          <a:p>
-            <a:pPr algn="ctr" latinLnBrk="1">
-              <a:lnSpc>
-                <a:spcPct val="107000"/>
-              </a:lnSpc>
-              <a:spcAft>
-                <a:spcPts val="800"/>
-              </a:spcAft>
-            </a:pPr>
-            <a:r>
-              <a:rPr lang="en-US" altLang="ko-KR" sz="3600" kern="100" dirty="0">
-                <a:solidFill>
-                  <a:schemeClr val="bg1"/>
-                </a:solidFill>
-                <a:effectLst/>
                 <a:latin typeface="맑은 고딕" panose="020B0503020000020004" pitchFamily="50" charset="-127"/>
                 <a:ea typeface="맑은 고딕" panose="020B0503020000020004" pitchFamily="50" charset="-127"/>
                 <a:cs typeface="Times New Roman" panose="02020603050405020304" pitchFamily="18" charset="0"/>
@@ -12577,48 +13380,22 @@
                 <a:solidFill>
                   <a:schemeClr val="bg1"/>
                 </a:solidFill>
-                <a:effectLst/>
                 <a:latin typeface="맑은 고딕" panose="020B0503020000020004" pitchFamily="50" charset="-127"/>
                 <a:ea typeface="맑은 고딕" panose="020B0503020000020004" pitchFamily="50" charset="-127"/>
                 <a:cs typeface="Times New Roman" panose="02020603050405020304" pitchFamily="18" charset="0"/>
               </a:rPr>
-              <a:t>존 </a:t>
+              <a:t>마이클 조던 </a:t>
             </a:r>
             <a:r>
               <a:rPr lang="en-US" altLang="ko-KR" sz="3600" kern="100" dirty="0">
                 <a:solidFill>
                   <a:schemeClr val="bg1"/>
                 </a:solidFill>
-                <a:effectLst/>
                 <a:latin typeface="맑은 고딕" panose="020B0503020000020004" pitchFamily="50" charset="-127"/>
                 <a:ea typeface="맑은 고딕" panose="020B0503020000020004" pitchFamily="50" charset="-127"/>
                 <a:cs typeface="Times New Roman" panose="02020603050405020304" pitchFamily="18" charset="0"/>
               </a:rPr>
-              <a:t>C. </a:t>
-            </a:r>
-            <a:r>
-              <a:rPr lang="ko-KR" altLang="en-US" sz="3600" kern="100" dirty="0">
-                <a:solidFill>
-                  <a:schemeClr val="bg1"/>
-                </a:solidFill>
-                <a:effectLst/>
-                <a:latin typeface="맑은 고딕" panose="020B0503020000020004" pitchFamily="50" charset="-127"/>
-                <a:ea typeface="맑은 고딕" panose="020B0503020000020004" pitchFamily="50" charset="-127"/>
-                <a:cs typeface="Times New Roman" panose="02020603050405020304" pitchFamily="18" charset="0"/>
-              </a:rPr>
-              <a:t>맥스웰 </a:t>
-            </a:r>
-            <a:r>
-              <a:rPr lang="en-US" altLang="ko-KR" sz="3600" kern="100" dirty="0">
-                <a:solidFill>
-                  <a:schemeClr val="bg1"/>
-                </a:solidFill>
-                <a:effectLst/>
-                <a:latin typeface="맑은 고딕" panose="020B0503020000020004" pitchFamily="50" charset="-127"/>
-                <a:ea typeface="맑은 고딕" panose="020B0503020000020004" pitchFamily="50" charset="-127"/>
-                <a:cs typeface="Times New Roman" panose="02020603050405020304" pitchFamily="18" charset="0"/>
-              </a:rPr>
-              <a:t>- </a:t>
+              <a:t>-</a:t>
             </a:r>
             <a:endParaRPr lang="ko-KR" altLang="ko-KR" sz="3600" kern="100" dirty="0">
               <a:solidFill>
@@ -12635,7 +13412,7 @@
     </p:spTree>
     <p:extLst>
       <p:ext uri="{BB962C8B-B14F-4D97-AF65-F5344CB8AC3E}">
-        <p14:creationId xmlns:p14="http://schemas.microsoft.com/office/powerpoint/2010/main" val="3646744712"/>
+        <p14:creationId xmlns:p14="http://schemas.microsoft.com/office/powerpoint/2010/main" val="2645412902"/>
       </p:ext>
     </p:extLst>
   </p:cSld>
@@ -13669,15 +14446,6 @@
 </file>
 
 <file path=customXml/item2.xml><?xml version="1.0" encoding="utf-8"?>
-<?mso-contentType ?>
-<FormTemplates xmlns="http://schemas.microsoft.com/sharepoint/v3/contenttype/forms">
-  <Display>DocumentLibraryForm</Display>
-  <Edit>DocumentLibraryForm</Edit>
-  <New>DocumentLibraryForm</New>
-</FormTemplates>
-</file>
-
-<file path=customXml/item3.xml><?xml version="1.0" encoding="utf-8"?>
 <ct:contentTypeSchema xmlns:ct="http://schemas.microsoft.com/office/2006/metadata/contentType" xmlns:ma="http://schemas.microsoft.com/office/2006/metadata/properties/metaAttributes" ct:_="" ma:_="" ma:contentTypeName="Dokument" ma:contentTypeID="0x010100015F5622C234E8449D752DBEE5507F86" ma:contentTypeVersion="4" ma:contentTypeDescription="Ein neues Dokument erstellen." ma:contentTypeScope="" ma:versionID="fa5598caf7ee9db85bc2525b6bb2f1fd">
   <xsd:schema xmlns:xsd="http://www.w3.org/2001/XMLSchema" xmlns:xs="http://www.w3.org/2001/XMLSchema" xmlns:p="http://schemas.microsoft.com/office/2006/metadata/properties" xmlns:ns2="6f0dd795-26af-45d5-a025-90cda95d1c97" xmlns:ns3="3d525d2d-5b72-4841-9afe-db519bdcda0b" targetNamespace="http://schemas.microsoft.com/office/2006/metadata/properties" ma:root="true" ma:fieldsID="8212610c15c480f342aad66247796101" ns2:_="" ns3:_="">
     <xsd:import namespace="6f0dd795-26af-45d5-a025-90cda95d1c97"/>
@@ -13842,32 +14610,33 @@
 </ct:contentTypeSchema>
 </file>
 
+<file path=customXml/item3.xml><?xml version="1.0" encoding="utf-8"?>
+<?mso-contentType ?>
+<FormTemplates xmlns="http://schemas.microsoft.com/sharepoint/v3/contenttype/forms">
+  <Display>DocumentLibraryForm</Display>
+  <Edit>DocumentLibraryForm</Edit>
+  <New>DocumentLibraryForm</New>
+</FormTemplates>
+</file>
+
 <file path=customXml/itemProps1.xml><?xml version="1.0" encoding="utf-8"?>
 <ds:datastoreItem xmlns:ds="http://schemas.openxmlformats.org/officeDocument/2006/customXml" ds:itemID="{B2F3CF7F-2DD0-4238-9381-9DEDFFA46802}">
   <ds:schemaRefs>
+    <ds:schemaRef ds:uri="http://purl.org/dc/elements/1.1/"/>
+    <ds:schemaRef ds:uri="http://schemas.openxmlformats.org/package/2006/metadata/core-properties"/>
     <ds:schemaRef ds:uri="http://schemas.microsoft.com/office/2006/documentManagement/types"/>
+    <ds:schemaRef ds:uri="http://schemas.microsoft.com/office/2006/metadata/properties"/>
     <ds:schemaRef ds:uri="http://purl.org/dc/terms/"/>
-    <ds:schemaRef ds:uri="http://purl.org/dc/elements/1.1/"/>
     <ds:schemaRef ds:uri="3d525d2d-5b72-4841-9afe-db519bdcda0b"/>
+    <ds:schemaRef ds:uri="6f0dd795-26af-45d5-a025-90cda95d1c97"/>
+    <ds:schemaRef ds:uri="http://schemas.microsoft.com/office/infopath/2007/PartnerControls"/>
+    <ds:schemaRef ds:uri="http://www.w3.org/XML/1998/namespace"/>
     <ds:schemaRef ds:uri="http://purl.org/dc/dcmitype/"/>
-    <ds:schemaRef ds:uri="6f0dd795-26af-45d5-a025-90cda95d1c97"/>
-    <ds:schemaRef ds:uri="http://schemas.microsoft.com/office/2006/metadata/properties"/>
-    <ds:schemaRef ds:uri="http://www.w3.org/XML/1998/namespace"/>
-    <ds:schemaRef ds:uri="http://schemas.microsoft.com/office/infopath/2007/PartnerControls"/>
-    <ds:schemaRef ds:uri="http://schemas.openxmlformats.org/package/2006/metadata/core-properties"/>
   </ds:schemaRefs>
 </ds:datastoreItem>
 </file>
 
 <file path=customXml/itemProps2.xml><?xml version="1.0" encoding="utf-8"?>
-<ds:datastoreItem xmlns:ds="http://schemas.openxmlformats.org/officeDocument/2006/customXml" ds:itemID="{F9C8038F-EDD8-4449-A665-572930071164}">
-  <ds:schemaRefs>
-    <ds:schemaRef ds:uri="http://schemas.microsoft.com/sharepoint/v3/contenttype/forms"/>
-  </ds:schemaRefs>
-</ds:datastoreItem>
-</file>
-
-<file path=customXml/itemProps3.xml><?xml version="1.0" encoding="utf-8"?>
 <ds:datastoreItem xmlns:ds="http://schemas.openxmlformats.org/officeDocument/2006/customXml" ds:itemID="{54D4A977-E19B-491E-ABFD-BB1AD4BC522A}">
   <ds:schemaRefs>
     <ds:schemaRef ds:uri="http://schemas.microsoft.com/office/2006/metadata/contentType"/>
@@ -13884,4 +14653,12 @@
     <ds:schemaRef ds:uri="http://schemas.microsoft.com/internal/obd"/>
   </ds:schemaRefs>
 </ds:datastoreItem>
+</file>
+
+<file path=customXml/itemProps3.xml><?xml version="1.0" encoding="utf-8"?>
+<ds:datastoreItem xmlns:ds="http://schemas.openxmlformats.org/officeDocument/2006/customXml" ds:itemID="{F9C8038F-EDD8-4449-A665-572930071164}">
+  <ds:schemaRefs>
+    <ds:schemaRef ds:uri="http://schemas.microsoft.com/sharepoint/v3/contenttype/forms"/>
+  </ds:schemaRefs>
+</ds:datastoreItem>
 </file>